--- a/Documents/Волосникова И.А..pptx
+++ b/Documents/Волосникова И.А..pptx
@@ -5,19 +5,23 @@
     <p:sldMasterId id="2147483648" r:id="rId1"/>
   </p:sldMasterIdLst>
   <p:notesMasterIdLst>
-    <p:notesMasterId r:id="rId12"/>
+    <p:notesMasterId r:id="rId16"/>
   </p:notesMasterIdLst>
   <p:sldIdLst>
     <p:sldId id="256" r:id="rId2"/>
     <p:sldId id="257" r:id="rId3"/>
     <p:sldId id="258" r:id="rId4"/>
-    <p:sldId id="260" r:id="rId5"/>
-    <p:sldId id="262" r:id="rId6"/>
-    <p:sldId id="264" r:id="rId7"/>
-    <p:sldId id="265" r:id="rId8"/>
-    <p:sldId id="270" r:id="rId9"/>
-    <p:sldId id="268" r:id="rId10"/>
-    <p:sldId id="269" r:id="rId11"/>
+    <p:sldId id="273" r:id="rId5"/>
+    <p:sldId id="272" r:id="rId6"/>
+    <p:sldId id="260" r:id="rId7"/>
+    <p:sldId id="262" r:id="rId8"/>
+    <p:sldId id="264" r:id="rId9"/>
+    <p:sldId id="271" r:id="rId10"/>
+    <p:sldId id="265" r:id="rId11"/>
+    <p:sldId id="270" r:id="rId12"/>
+    <p:sldId id="268" r:id="rId13"/>
+    <p:sldId id="274" r:id="rId14"/>
+    <p:sldId id="269" r:id="rId15"/>
   </p:sldIdLst>
   <p:sldSz cx="9144000" cy="6858000" type="screen4x3"/>
   <p:notesSz cx="6858000" cy="9144000"/>
@@ -201,7 +205,8 @@
           <a:p>
             <a:fld id="{70C8D52A-A0D2-494A-848B-CFD87FC261DA}" type="datetimeFigureOut">
               <a:rPr lang="ru-RU" smtClean="0"/>
-              <a:t>16.05.2020</a:t>
+              <a:pPr/>
+              <a:t>20.05.2020</a:t>
             </a:fld>
             <a:endParaRPr lang="ru-RU"/>
           </a:p>
@@ -362,6 +367,7 @@
           <a:p>
             <a:fld id="{26B14BEF-7DEC-4800-A1F8-1AE6DBE16D00}" type="slidenum">
               <a:rPr lang="ru-RU" smtClean="0"/>
+              <a:pPr/>
               <a:t>‹#›</a:t>
             </a:fld>
             <a:endParaRPr lang="ru-RU"/>
@@ -616,7 +622,7 @@
             <a:fld id="{A8B7E666-62E4-4027-96F6-57B86E421368}" type="slidenum">
               <a:rPr lang="ru-RU" smtClean="0"/>
               <a:pPr/>
-              <a:t>6</a:t>
+              <a:t>5</a:t>
             </a:fld>
             <a:endParaRPr lang="ru-RU"/>
           </a:p>
@@ -698,7 +704,7 @@
             <a:fld id="{A8B7E666-62E4-4027-96F6-57B86E421368}" type="slidenum">
               <a:rPr lang="ru-RU" smtClean="0"/>
               <a:pPr/>
-              <a:t>7</a:t>
+              <a:t>6</a:t>
             </a:fld>
             <a:endParaRPr lang="ru-RU"/>
           </a:p>
@@ -840,7 +846,7 @@
           </a:bodyPr>
           <a:lstStyle/>
           <a:p>
-            <a:endParaRPr lang="ru-RU"/>
+            <a:endParaRPr lang="ru-RU" dirty="0"/>
           </a:p>
         </p:txBody>
       </p:sp>
@@ -862,7 +868,7 @@
             <a:fld id="{A8B7E666-62E4-4027-96F6-57B86E421368}" type="slidenum">
               <a:rPr lang="ru-RU" smtClean="0"/>
               <a:pPr/>
-              <a:t>9</a:t>
+              <a:t>10</a:t>
             </a:fld>
             <a:endParaRPr lang="ru-RU"/>
           </a:p>
@@ -944,7 +950,253 @@
             <a:fld id="{A8B7E666-62E4-4027-96F6-57B86E421368}" type="slidenum">
               <a:rPr lang="ru-RU" smtClean="0"/>
               <a:pPr/>
-              <a:t>10</a:t>
+              <a:t>11</a:t>
+            </a:fld>
+            <a:endParaRPr lang="ru-RU"/>
+          </a:p>
+        </p:txBody>
+      </p:sp>
+    </p:spTree>
+  </p:cSld>
+  <p:clrMapOvr>
+    <a:masterClrMapping/>
+  </p:clrMapOvr>
+</p:notes>
+</file>
+
+<file path=ppt/notesSlides/notesSlide7.xml><?xml version="1.0" encoding="utf-8"?>
+<p:notes xmlns:a="http://schemas.openxmlformats.org/drawingml/2006/main" xmlns:r="http://schemas.openxmlformats.org/officeDocument/2006/relationships" xmlns:p="http://schemas.openxmlformats.org/presentationml/2006/main">
+  <p:cSld>
+    <p:spTree>
+      <p:nvGrpSpPr>
+        <p:cNvPr id="1" name=""/>
+        <p:cNvGrpSpPr/>
+        <p:nvPr/>
+      </p:nvGrpSpPr>
+      <p:grpSpPr>
+        <a:xfrm>
+          <a:off x="0" y="0"/>
+          <a:ext cx="0" cy="0"/>
+          <a:chOff x="0" y="0"/>
+          <a:chExt cx="0" cy="0"/>
+        </a:xfrm>
+      </p:grpSpPr>
+      <p:sp>
+        <p:nvSpPr>
+          <p:cNvPr id="2" name="Образ слайда 1"/>
+          <p:cNvSpPr>
+            <a:spLocks noGrp="1" noRot="1" noChangeAspect="1"/>
+          </p:cNvSpPr>
+          <p:nvPr>
+            <p:ph type="sldImg"/>
+          </p:nvPr>
+        </p:nvSpPr>
+        <p:spPr/>
+      </p:sp>
+      <p:sp>
+        <p:nvSpPr>
+          <p:cNvPr id="3" name="Заметки 2"/>
+          <p:cNvSpPr>
+            <a:spLocks noGrp="1"/>
+          </p:cNvSpPr>
+          <p:nvPr>
+            <p:ph type="body" idx="1"/>
+          </p:nvPr>
+        </p:nvSpPr>
+        <p:spPr/>
+        <p:txBody>
+          <a:bodyPr>
+            <a:normAutofit/>
+          </a:bodyPr>
+          <a:lstStyle/>
+          <a:p>
+            <a:endParaRPr lang="ru-RU"/>
+          </a:p>
+        </p:txBody>
+      </p:sp>
+      <p:sp>
+        <p:nvSpPr>
+          <p:cNvPr id="4" name="Номер слайда 3"/>
+          <p:cNvSpPr>
+            <a:spLocks noGrp="1"/>
+          </p:cNvSpPr>
+          <p:nvPr>
+            <p:ph type="sldNum" sz="quarter" idx="10"/>
+          </p:nvPr>
+        </p:nvSpPr>
+        <p:spPr/>
+        <p:txBody>
+          <a:bodyPr/>
+          <a:lstStyle/>
+          <a:p>
+            <a:fld id="{A8B7E666-62E4-4027-96F6-57B86E421368}" type="slidenum">
+              <a:rPr lang="ru-RU" smtClean="0"/>
+              <a:pPr/>
+              <a:t>12</a:t>
+            </a:fld>
+            <a:endParaRPr lang="ru-RU"/>
+          </a:p>
+        </p:txBody>
+      </p:sp>
+    </p:spTree>
+  </p:cSld>
+  <p:clrMapOvr>
+    <a:masterClrMapping/>
+  </p:clrMapOvr>
+</p:notes>
+</file>
+
+<file path=ppt/notesSlides/notesSlide8.xml><?xml version="1.0" encoding="utf-8"?>
+<p:notes xmlns:a="http://schemas.openxmlformats.org/drawingml/2006/main" xmlns:r="http://schemas.openxmlformats.org/officeDocument/2006/relationships" xmlns:p="http://schemas.openxmlformats.org/presentationml/2006/main">
+  <p:cSld>
+    <p:spTree>
+      <p:nvGrpSpPr>
+        <p:cNvPr id="1" name=""/>
+        <p:cNvGrpSpPr/>
+        <p:nvPr/>
+      </p:nvGrpSpPr>
+      <p:grpSpPr>
+        <a:xfrm>
+          <a:off x="0" y="0"/>
+          <a:ext cx="0" cy="0"/>
+          <a:chOff x="0" y="0"/>
+          <a:chExt cx="0" cy="0"/>
+        </a:xfrm>
+      </p:grpSpPr>
+      <p:sp>
+        <p:nvSpPr>
+          <p:cNvPr id="2" name="Образ слайда 1"/>
+          <p:cNvSpPr>
+            <a:spLocks noGrp="1" noRot="1" noChangeAspect="1"/>
+          </p:cNvSpPr>
+          <p:nvPr>
+            <p:ph type="sldImg"/>
+          </p:nvPr>
+        </p:nvSpPr>
+        <p:spPr/>
+      </p:sp>
+      <p:sp>
+        <p:nvSpPr>
+          <p:cNvPr id="3" name="Заметки 2"/>
+          <p:cNvSpPr>
+            <a:spLocks noGrp="1"/>
+          </p:cNvSpPr>
+          <p:nvPr>
+            <p:ph type="body" idx="1"/>
+          </p:nvPr>
+        </p:nvSpPr>
+        <p:spPr/>
+        <p:txBody>
+          <a:bodyPr>
+            <a:normAutofit/>
+          </a:bodyPr>
+          <a:lstStyle/>
+          <a:p>
+            <a:endParaRPr lang="ru-RU"/>
+          </a:p>
+        </p:txBody>
+      </p:sp>
+      <p:sp>
+        <p:nvSpPr>
+          <p:cNvPr id="4" name="Номер слайда 3"/>
+          <p:cNvSpPr>
+            <a:spLocks noGrp="1"/>
+          </p:cNvSpPr>
+          <p:nvPr>
+            <p:ph type="sldNum" sz="quarter" idx="10"/>
+          </p:nvPr>
+        </p:nvSpPr>
+        <p:spPr/>
+        <p:txBody>
+          <a:bodyPr/>
+          <a:lstStyle/>
+          <a:p>
+            <a:fld id="{A8B7E666-62E4-4027-96F6-57B86E421368}" type="slidenum">
+              <a:rPr lang="ru-RU" smtClean="0"/>
+              <a:pPr/>
+              <a:t>13</a:t>
+            </a:fld>
+            <a:endParaRPr lang="ru-RU"/>
+          </a:p>
+        </p:txBody>
+      </p:sp>
+    </p:spTree>
+  </p:cSld>
+  <p:clrMapOvr>
+    <a:masterClrMapping/>
+  </p:clrMapOvr>
+</p:notes>
+</file>
+
+<file path=ppt/notesSlides/notesSlide9.xml><?xml version="1.0" encoding="utf-8"?>
+<p:notes xmlns:a="http://schemas.openxmlformats.org/drawingml/2006/main" xmlns:r="http://schemas.openxmlformats.org/officeDocument/2006/relationships" xmlns:p="http://schemas.openxmlformats.org/presentationml/2006/main">
+  <p:cSld>
+    <p:spTree>
+      <p:nvGrpSpPr>
+        <p:cNvPr id="1" name=""/>
+        <p:cNvGrpSpPr/>
+        <p:nvPr/>
+      </p:nvGrpSpPr>
+      <p:grpSpPr>
+        <a:xfrm>
+          <a:off x="0" y="0"/>
+          <a:ext cx="0" cy="0"/>
+          <a:chOff x="0" y="0"/>
+          <a:chExt cx="0" cy="0"/>
+        </a:xfrm>
+      </p:grpSpPr>
+      <p:sp>
+        <p:nvSpPr>
+          <p:cNvPr id="2" name="Образ слайда 1"/>
+          <p:cNvSpPr>
+            <a:spLocks noGrp="1" noRot="1" noChangeAspect="1"/>
+          </p:cNvSpPr>
+          <p:nvPr>
+            <p:ph type="sldImg"/>
+          </p:nvPr>
+        </p:nvSpPr>
+        <p:spPr/>
+      </p:sp>
+      <p:sp>
+        <p:nvSpPr>
+          <p:cNvPr id="3" name="Заметки 2"/>
+          <p:cNvSpPr>
+            <a:spLocks noGrp="1"/>
+          </p:cNvSpPr>
+          <p:nvPr>
+            <p:ph type="body" idx="1"/>
+          </p:nvPr>
+        </p:nvSpPr>
+        <p:spPr/>
+        <p:txBody>
+          <a:bodyPr>
+            <a:normAutofit/>
+          </a:bodyPr>
+          <a:lstStyle/>
+          <a:p>
+            <a:endParaRPr lang="ru-RU" dirty="0"/>
+          </a:p>
+        </p:txBody>
+      </p:sp>
+      <p:sp>
+        <p:nvSpPr>
+          <p:cNvPr id="4" name="Номер слайда 3"/>
+          <p:cNvSpPr>
+            <a:spLocks noGrp="1"/>
+          </p:cNvSpPr>
+          <p:nvPr>
+            <p:ph type="sldNum" sz="quarter" idx="10"/>
+          </p:nvPr>
+        </p:nvSpPr>
+        <p:spPr/>
+        <p:txBody>
+          <a:bodyPr/>
+          <a:lstStyle/>
+          <a:p>
+            <a:fld id="{A8B7E666-62E4-4027-96F6-57B86E421368}" type="slidenum">
+              <a:rPr lang="ru-RU" smtClean="0"/>
+              <a:pPr/>
+              <a:t>14</a:t>
             </a:fld>
             <a:endParaRPr lang="ru-RU"/>
           </a:p>
@@ -1139,7 +1391,8 @@
           <a:p>
             <a:fld id="{7C864148-6F8A-42A7-BDAD-9A5345E7C84F}" type="datetime1">
               <a:rPr lang="ru-RU" smtClean="0"/>
-              <a:t>16.05.2020</a:t>
+              <a:pPr/>
+              <a:t>20.05.2020</a:t>
             </a:fld>
             <a:endParaRPr lang="ru-RU"/>
           </a:p>
@@ -1181,6 +1434,7 @@
           <a:p>
             <a:fld id="{32094B8D-5F4E-4EC7-B306-AEABBF2C9E33}" type="slidenum">
               <a:rPr lang="ru-RU" smtClean="0"/>
+              <a:pPr/>
               <a:t>‹#›</a:t>
             </a:fld>
             <a:endParaRPr lang="ru-RU"/>
@@ -1304,7 +1558,8 @@
           <a:p>
             <a:fld id="{B3EEA44E-EB03-4842-AE63-363917D67BA9}" type="datetime1">
               <a:rPr lang="ru-RU" smtClean="0"/>
-              <a:t>16.05.2020</a:t>
+              <a:pPr/>
+              <a:t>20.05.2020</a:t>
             </a:fld>
             <a:endParaRPr lang="ru-RU"/>
           </a:p>
@@ -1346,6 +1601,7 @@
           <a:p>
             <a:fld id="{32094B8D-5F4E-4EC7-B306-AEABBF2C9E33}" type="slidenum">
               <a:rPr lang="ru-RU" smtClean="0"/>
+              <a:pPr/>
               <a:t>‹#›</a:t>
             </a:fld>
             <a:endParaRPr lang="ru-RU"/>
@@ -1479,7 +1735,8 @@
           <a:p>
             <a:fld id="{330F1C9E-5158-4929-8638-52DD865BCAA9}" type="datetime1">
               <a:rPr lang="ru-RU" smtClean="0"/>
-              <a:t>16.05.2020</a:t>
+              <a:pPr/>
+              <a:t>20.05.2020</a:t>
             </a:fld>
             <a:endParaRPr lang="ru-RU"/>
           </a:p>
@@ -1521,6 +1778,7 @@
           <a:p>
             <a:fld id="{32094B8D-5F4E-4EC7-B306-AEABBF2C9E33}" type="slidenum">
               <a:rPr lang="ru-RU" smtClean="0"/>
+              <a:pPr/>
               <a:t>‹#›</a:t>
             </a:fld>
             <a:endParaRPr lang="ru-RU"/>
@@ -1644,7 +1902,8 @@
           <a:p>
             <a:fld id="{CA9107E0-9D8F-4D71-A407-0158AE6FFC3B}" type="datetime1">
               <a:rPr lang="ru-RU" smtClean="0"/>
-              <a:t>16.05.2020</a:t>
+              <a:pPr/>
+              <a:t>20.05.2020</a:t>
             </a:fld>
             <a:endParaRPr lang="ru-RU"/>
           </a:p>
@@ -1686,6 +1945,7 @@
           <a:p>
             <a:fld id="{32094B8D-5F4E-4EC7-B306-AEABBF2C9E33}" type="slidenum">
               <a:rPr lang="ru-RU" smtClean="0"/>
+              <a:pPr/>
               <a:t>‹#›</a:t>
             </a:fld>
             <a:endParaRPr lang="ru-RU"/>
@@ -1885,7 +2145,8 @@
           <a:p>
             <a:fld id="{5926CDC6-D363-4DB8-8668-10F22428F807}" type="datetime1">
               <a:rPr lang="ru-RU" smtClean="0"/>
-              <a:t>16.05.2020</a:t>
+              <a:pPr/>
+              <a:t>20.05.2020</a:t>
             </a:fld>
             <a:endParaRPr lang="ru-RU"/>
           </a:p>
@@ -1927,6 +2188,7 @@
           <a:p>
             <a:fld id="{32094B8D-5F4E-4EC7-B306-AEABBF2C9E33}" type="slidenum">
               <a:rPr lang="ru-RU" smtClean="0"/>
+              <a:pPr/>
               <a:t>‹#›</a:t>
             </a:fld>
             <a:endParaRPr lang="ru-RU"/>
@@ -2168,7 +2430,8 @@
           <a:p>
             <a:fld id="{597EB805-B881-44A9-B614-DB3B0D1583BB}" type="datetime1">
               <a:rPr lang="ru-RU" smtClean="0"/>
-              <a:t>16.05.2020</a:t>
+              <a:pPr/>
+              <a:t>20.05.2020</a:t>
             </a:fld>
             <a:endParaRPr lang="ru-RU"/>
           </a:p>
@@ -2210,6 +2473,7 @@
           <a:p>
             <a:fld id="{32094B8D-5F4E-4EC7-B306-AEABBF2C9E33}" type="slidenum">
               <a:rPr lang="ru-RU" smtClean="0"/>
+              <a:pPr/>
               <a:t>‹#›</a:t>
             </a:fld>
             <a:endParaRPr lang="ru-RU"/>
@@ -2585,7 +2849,8 @@
           <a:p>
             <a:fld id="{E20AA348-0AD9-4A32-A218-4728B7A6D4AE}" type="datetime1">
               <a:rPr lang="ru-RU" smtClean="0"/>
-              <a:t>16.05.2020</a:t>
+              <a:pPr/>
+              <a:t>20.05.2020</a:t>
             </a:fld>
             <a:endParaRPr lang="ru-RU"/>
           </a:p>
@@ -2627,6 +2892,7 @@
           <a:p>
             <a:fld id="{32094B8D-5F4E-4EC7-B306-AEABBF2C9E33}" type="slidenum">
               <a:rPr lang="ru-RU" smtClean="0"/>
+              <a:pPr/>
               <a:t>‹#›</a:t>
             </a:fld>
             <a:endParaRPr lang="ru-RU"/>
@@ -2698,7 +2964,8 @@
           <a:p>
             <a:fld id="{9C6DB5C2-7751-4F1E-8652-2470B47072CB}" type="datetime1">
               <a:rPr lang="ru-RU" smtClean="0"/>
-              <a:t>16.05.2020</a:t>
+              <a:pPr/>
+              <a:t>20.05.2020</a:t>
             </a:fld>
             <a:endParaRPr lang="ru-RU"/>
           </a:p>
@@ -2740,6 +3007,7 @@
           <a:p>
             <a:fld id="{32094B8D-5F4E-4EC7-B306-AEABBF2C9E33}" type="slidenum">
               <a:rPr lang="ru-RU" smtClean="0"/>
+              <a:pPr/>
               <a:t>‹#›</a:t>
             </a:fld>
             <a:endParaRPr lang="ru-RU"/>
@@ -2788,7 +3056,8 @@
           <a:p>
             <a:fld id="{7D4D78B9-81D6-4A70-B71A-0B81BF849C81}" type="datetime1">
               <a:rPr lang="ru-RU" smtClean="0"/>
-              <a:t>16.05.2020</a:t>
+              <a:pPr/>
+              <a:t>20.05.2020</a:t>
             </a:fld>
             <a:endParaRPr lang="ru-RU"/>
           </a:p>
@@ -2830,6 +3099,7 @@
           <a:p>
             <a:fld id="{32094B8D-5F4E-4EC7-B306-AEABBF2C9E33}" type="slidenum">
               <a:rPr lang="ru-RU" smtClean="0"/>
+              <a:pPr/>
               <a:t>‹#›</a:t>
             </a:fld>
             <a:endParaRPr lang="ru-RU"/>
@@ -3060,7 +3330,8 @@
           <a:p>
             <a:fld id="{ACE70E05-780C-4042-86BC-FBC5BF928278}" type="datetime1">
               <a:rPr lang="ru-RU" smtClean="0"/>
-              <a:t>16.05.2020</a:t>
+              <a:pPr/>
+              <a:t>20.05.2020</a:t>
             </a:fld>
             <a:endParaRPr lang="ru-RU"/>
           </a:p>
@@ -3102,6 +3373,7 @@
           <a:p>
             <a:fld id="{32094B8D-5F4E-4EC7-B306-AEABBF2C9E33}" type="slidenum">
               <a:rPr lang="ru-RU" smtClean="0"/>
+              <a:pPr/>
               <a:t>‹#›</a:t>
             </a:fld>
             <a:endParaRPr lang="ru-RU"/>
@@ -3308,7 +3580,8 @@
           <a:p>
             <a:fld id="{12AF964A-0B83-420A-88D6-87AA6979053A}" type="datetime1">
               <a:rPr lang="ru-RU" smtClean="0"/>
-              <a:t>16.05.2020</a:t>
+              <a:pPr/>
+              <a:t>20.05.2020</a:t>
             </a:fld>
             <a:endParaRPr lang="ru-RU"/>
           </a:p>
@@ -3350,6 +3623,7 @@
           <a:p>
             <a:fld id="{32094B8D-5F4E-4EC7-B306-AEABBF2C9E33}" type="slidenum">
               <a:rPr lang="ru-RU" smtClean="0"/>
+              <a:pPr/>
               <a:t>‹#›</a:t>
             </a:fld>
             <a:endParaRPr lang="ru-RU"/>
@@ -3516,7 +3790,8 @@
           <a:p>
             <a:fld id="{60D75BC9-3325-4B4A-B430-E95EB760373D}" type="datetime1">
               <a:rPr lang="ru-RU" smtClean="0"/>
-              <a:t>16.05.2020</a:t>
+              <a:pPr/>
+              <a:t>20.05.2020</a:t>
             </a:fld>
             <a:endParaRPr lang="ru-RU"/>
           </a:p>
@@ -3594,6 +3869,7 @@
           <a:p>
             <a:fld id="{32094B8D-5F4E-4EC7-B306-AEABBF2C9E33}" type="slidenum">
               <a:rPr lang="ru-RU" smtClean="0"/>
+              <a:pPr/>
               <a:t>‹#›</a:t>
             </a:fld>
             <a:endParaRPr lang="ru-RU"/>
@@ -3994,15 +4270,7 @@
                   <a:schemeClr val="tx1"/>
                 </a:solidFill>
               </a:rPr>
-              <a:t>Шабалина О.А., </a:t>
-            </a:r>
-            <a:r>
-              <a:rPr lang="ru-RU" sz="2000" dirty="0" smtClean="0">
-                <a:solidFill>
-                  <a:schemeClr val="tx1"/>
-                </a:solidFill>
-              </a:rPr>
-              <a:t>доц. каф. САПР и ПК</a:t>
+              <a:t>Шабалина О.А., доц. каф. САПР и ПК</a:t>
             </a:r>
             <a:endParaRPr lang="ru-RU" sz="2000" dirty="0">
               <a:solidFill>
@@ -4287,1824 +4555,6 @@
       </p:grpSpPr>
       <p:sp>
         <p:nvSpPr>
-          <p:cNvPr id="4" name="Номер слайда 3"/>
-          <p:cNvSpPr>
-            <a:spLocks noGrp="1"/>
-          </p:cNvSpPr>
-          <p:nvPr>
-            <p:ph type="sldNum" sz="quarter" idx="12"/>
-          </p:nvPr>
-        </p:nvSpPr>
-        <p:spPr/>
-        <p:txBody>
-          <a:bodyPr/>
-          <a:lstStyle/>
-          <a:p>
-            <a:fld id="{3DCB63D9-3FD3-4C3B-A045-98BC1BB0B6C2}" type="slidenum">
-              <a:rPr lang="ru-RU" smtClean="0"/>
-              <a:pPr/>
-              <a:t>10</a:t>
-            </a:fld>
-            <a:endParaRPr lang="ru-RU"/>
-          </a:p>
-        </p:txBody>
-      </p:sp>
-      <p:sp>
-        <p:nvSpPr>
-          <p:cNvPr id="5" name="Заголовок 1"/>
-          <p:cNvSpPr txBox="1">
-            <a:spLocks/>
-          </p:cNvSpPr>
-          <p:nvPr/>
-        </p:nvSpPr>
-        <p:spPr>
-          <a:xfrm>
-            <a:off x="457200" y="274638"/>
-            <a:ext cx="8229600" cy="796908"/>
-          </a:xfrm>
-          <a:prstGeom prst="rect">
-            <a:avLst/>
-          </a:prstGeom>
-        </p:spPr>
-        <p:txBody>
-          <a:bodyPr vert="horz" lIns="91440" tIns="45720" rIns="91440" bIns="45720" rtlCol="0" anchor="ctr">
-            <a:normAutofit/>
-          </a:bodyPr>
-          <a:lstStyle/>
-          <a:p>
-            <a:pPr lvl="0" algn="ctr">
-              <a:spcBef>
-                <a:spcPct val="0"/>
-              </a:spcBef>
-            </a:pPr>
-            <a:r>
-              <a:rPr lang="ru-RU" sz="3400" noProof="0" dirty="0" smtClean="0"/>
-              <a:t>Апробация работы</a:t>
-            </a:r>
-            <a:endParaRPr kumimoji="0" lang="ru-RU" sz="3400" b="0" i="0" u="none" strike="noStrike" kern="1200" cap="none" spc="0" normalizeH="0" baseline="0" noProof="0" dirty="0">
-              <a:ln>
-                <a:noFill/>
-              </a:ln>
-              <a:solidFill>
-                <a:schemeClr val="tx1"/>
-              </a:solidFill>
-              <a:effectLst/>
-              <a:uLnTx/>
-              <a:uFillTx/>
-              <a:latin typeface="+mj-lt"/>
-              <a:ea typeface="+mj-ea"/>
-              <a:cs typeface="+mj-cs"/>
-            </a:endParaRPr>
-          </a:p>
-        </p:txBody>
-      </p:sp>
-      <p:sp>
-        <p:nvSpPr>
-          <p:cNvPr id="6" name="Содержимое 2"/>
-          <p:cNvSpPr>
-            <a:spLocks noGrp="1"/>
-          </p:cNvSpPr>
-          <p:nvPr>
-            <p:ph idx="1"/>
-          </p:nvPr>
-        </p:nvSpPr>
-        <p:spPr>
-          <a:xfrm>
-            <a:off x="500034" y="1500174"/>
-            <a:ext cx="8229600" cy="2500330"/>
-          </a:xfrm>
-        </p:spPr>
-        <p:txBody>
-          <a:bodyPr>
-            <a:noAutofit/>
-          </a:bodyPr>
-          <a:lstStyle/>
-          <a:p>
-            <a:pPr marL="0" indent="0" algn="just">
-              <a:spcBef>
-                <a:spcPts val="0"/>
-              </a:spcBef>
-              <a:buNone/>
-            </a:pPr>
-            <a:r>
-              <a:rPr lang="ru-RU" sz="2400" dirty="0" smtClean="0"/>
-              <a:t>Работа была представлена на </a:t>
-            </a:r>
-            <a:r>
-              <a:rPr lang="en-US" sz="2400" dirty="0" smtClean="0"/>
-              <a:t>XIII</a:t>
-            </a:r>
-            <a:r>
-              <a:rPr lang="ru-RU" sz="2400" dirty="0" smtClean="0"/>
-              <a:t> Всероссийской научно-практической студенческой конференции «России – творческую молодежь» 20-21 апреля 2020 г. в г.Камышин</a:t>
-            </a:r>
-          </a:p>
-        </p:txBody>
-      </p:sp>
-    </p:spTree>
-  </p:cSld>
-  <p:clrMapOvr>
-    <a:masterClrMapping/>
-  </p:clrMapOvr>
-  <p:timing>
-    <p:tnLst>
-      <p:par>
-        <p:cTn id="1" dur="indefinite" restart="never" nodeType="tmRoot"/>
-      </p:par>
-    </p:tnLst>
-  </p:timing>
-</p:sld>
-</file>
-
-<file path=ppt/slides/slide2.xml><?xml version="1.0" encoding="utf-8"?>
-<p:sld xmlns:a="http://schemas.openxmlformats.org/drawingml/2006/main" xmlns:r="http://schemas.openxmlformats.org/officeDocument/2006/relationships" xmlns:p="http://schemas.openxmlformats.org/presentationml/2006/main">
-  <p:cSld>
-    <p:spTree>
-      <p:nvGrpSpPr>
-        <p:cNvPr id="1" name=""/>
-        <p:cNvGrpSpPr/>
-        <p:nvPr/>
-      </p:nvGrpSpPr>
-      <p:grpSpPr>
-        <a:xfrm>
-          <a:off x="0" y="0"/>
-          <a:ext cx="0" cy="0"/>
-          <a:chOff x="0" y="0"/>
-          <a:chExt cx="0" cy="0"/>
-        </a:xfrm>
-      </p:grpSpPr>
-      <p:sp>
-        <p:nvSpPr>
-          <p:cNvPr id="2" name="Заголовок 1"/>
-          <p:cNvSpPr>
-            <a:spLocks noGrp="1"/>
-          </p:cNvSpPr>
-          <p:nvPr>
-            <p:ph type="title"/>
-          </p:nvPr>
-        </p:nvSpPr>
-        <p:spPr>
-          <a:xfrm>
-            <a:off x="457200" y="274638"/>
-            <a:ext cx="8229600" cy="796908"/>
-          </a:xfrm>
-        </p:spPr>
-        <p:txBody>
-          <a:bodyPr>
-            <a:normAutofit/>
-          </a:bodyPr>
-          <a:lstStyle/>
-          <a:p>
-            <a:r>
-              <a:rPr lang="ru-RU" sz="3400" dirty="0" smtClean="0"/>
-              <a:t>Цель и задачи работы</a:t>
-            </a:r>
-            <a:endParaRPr lang="ru-RU" sz="3400" dirty="0"/>
-          </a:p>
-        </p:txBody>
-      </p:sp>
-      <p:sp>
-        <p:nvSpPr>
-          <p:cNvPr id="3" name="Содержимое 2"/>
-          <p:cNvSpPr>
-            <a:spLocks noGrp="1"/>
-          </p:cNvSpPr>
-          <p:nvPr>
-            <p:ph idx="1"/>
-          </p:nvPr>
-        </p:nvSpPr>
-        <p:spPr>
-          <a:xfrm>
-            <a:off x="500034" y="1071546"/>
-            <a:ext cx="8229600" cy="5786454"/>
-          </a:xfrm>
-        </p:spPr>
-        <p:txBody>
-          <a:bodyPr>
-            <a:normAutofit fontScale="55000" lnSpcReduction="20000"/>
-          </a:bodyPr>
-          <a:lstStyle/>
-          <a:p>
-            <a:pPr marL="0" indent="0">
-              <a:lnSpc>
-                <a:spcPct val="120000"/>
-              </a:lnSpc>
-              <a:spcBef>
-                <a:spcPts val="0"/>
-              </a:spcBef>
-              <a:buNone/>
-            </a:pPr>
-            <a:r>
-              <a:rPr lang="ru-RU" sz="4400" dirty="0" smtClean="0"/>
-              <a:t>Цель</a:t>
-            </a:r>
-          </a:p>
-          <a:p>
-            <a:pPr marL="0" indent="0">
-              <a:lnSpc>
-                <a:spcPct val="120000"/>
-              </a:lnSpc>
-              <a:spcBef>
-                <a:spcPts val="0"/>
-              </a:spcBef>
-              <a:buNone/>
-            </a:pPr>
-            <a:r>
-              <a:rPr lang="ru-RU" sz="3600" dirty="0" smtClean="0"/>
-              <a:t>Разработка </a:t>
-            </a:r>
-            <a:r>
-              <a:rPr lang="ru-RU" sz="3600" dirty="0"/>
-              <a:t>модуля генерации «2</a:t>
-            </a:r>
-            <a:r>
-              <a:rPr lang="en-US" sz="3600" dirty="0"/>
-              <a:t>D </a:t>
-            </a:r>
-            <a:r>
-              <a:rPr lang="ru-RU" sz="3600" dirty="0"/>
-              <a:t>прогулок</a:t>
-            </a:r>
-            <a:r>
-              <a:rPr lang="ru-RU" sz="3600" dirty="0" smtClean="0"/>
-              <a:t>» - мобильного приложения для построения и визуализации 2</a:t>
-            </a:r>
-            <a:r>
-              <a:rPr lang="en-US" sz="3600" dirty="0" smtClean="0"/>
-              <a:t>D </a:t>
-            </a:r>
-            <a:r>
-              <a:rPr lang="ru-RU" sz="3600" dirty="0" smtClean="0"/>
-              <a:t>маршрута на карте закрытого пространства</a:t>
-            </a:r>
-            <a:endParaRPr lang="ru-RU" sz="3600" dirty="0"/>
-          </a:p>
-          <a:p>
-            <a:pPr marL="0" indent="0">
-              <a:lnSpc>
-                <a:spcPct val="120000"/>
-              </a:lnSpc>
-              <a:spcBef>
-                <a:spcPts val="0"/>
-              </a:spcBef>
-              <a:buNone/>
-            </a:pPr>
-            <a:endParaRPr lang="ru-RU" dirty="0"/>
-          </a:p>
-          <a:p>
-            <a:pPr marL="0" indent="0">
-              <a:lnSpc>
-                <a:spcPct val="120000"/>
-              </a:lnSpc>
-              <a:spcBef>
-                <a:spcPts val="0"/>
-              </a:spcBef>
-              <a:buNone/>
-            </a:pPr>
-            <a:r>
-              <a:rPr lang="ru-RU" sz="4400" dirty="0" smtClean="0"/>
-              <a:t>Задачи</a:t>
-            </a:r>
-          </a:p>
-          <a:p>
-            <a:pPr marL="0" indent="0">
-              <a:lnSpc>
-                <a:spcPct val="120000"/>
-              </a:lnSpc>
-              <a:spcBef>
-                <a:spcPts val="0"/>
-              </a:spcBef>
-              <a:buFont typeface="+mj-lt"/>
-              <a:buAutoNum type="arabicPeriod"/>
-            </a:pPr>
-            <a:r>
-              <a:rPr lang="ru-RU" sz="3600" dirty="0" smtClean="0"/>
-              <a:t> Анализ способов генерации 2</a:t>
-            </a:r>
-            <a:r>
-              <a:rPr lang="en-US" sz="3600" dirty="0" smtClean="0"/>
-              <a:t>D </a:t>
-            </a:r>
-            <a:r>
-              <a:rPr lang="ru-RU" sz="3600" dirty="0" smtClean="0"/>
-              <a:t>маршрута на карте закрытого пространства</a:t>
-            </a:r>
-          </a:p>
-          <a:p>
-            <a:pPr marL="0" indent="0">
-              <a:lnSpc>
-                <a:spcPct val="120000"/>
-              </a:lnSpc>
-              <a:spcBef>
-                <a:spcPts val="0"/>
-              </a:spcBef>
-              <a:buFont typeface="+mj-lt"/>
-              <a:buAutoNum type="arabicPeriod"/>
-            </a:pPr>
-            <a:r>
-              <a:rPr lang="ru-RU" sz="3600" dirty="0" smtClean="0"/>
-              <a:t> Разработка алгоритмов генерации 2</a:t>
-            </a:r>
-            <a:r>
-              <a:rPr lang="en-US" sz="3600" dirty="0" smtClean="0"/>
-              <a:t>D </a:t>
-            </a:r>
-            <a:r>
-              <a:rPr lang="ru-RU" sz="3600" dirty="0" smtClean="0"/>
-              <a:t>маршрута</a:t>
-            </a:r>
-          </a:p>
-          <a:p>
-            <a:pPr marL="0" indent="0">
-              <a:lnSpc>
-                <a:spcPct val="120000"/>
-              </a:lnSpc>
-              <a:spcBef>
-                <a:spcPts val="0"/>
-              </a:spcBef>
-              <a:buFont typeface="+mj-lt"/>
-              <a:buAutoNum type="arabicPeriod"/>
-            </a:pPr>
-            <a:r>
-              <a:rPr lang="ru-RU" sz="3600" dirty="0" smtClean="0"/>
-              <a:t> Проектирование модуля генерации «2</a:t>
-            </a:r>
-            <a:r>
-              <a:rPr lang="en-US" sz="3600" dirty="0" smtClean="0"/>
-              <a:t>D </a:t>
-            </a:r>
-            <a:r>
-              <a:rPr lang="ru-RU" sz="3600" dirty="0" smtClean="0"/>
-              <a:t>прогулок»</a:t>
-            </a:r>
-          </a:p>
-          <a:p>
-            <a:pPr marL="0" indent="0">
-              <a:lnSpc>
-                <a:spcPct val="120000"/>
-              </a:lnSpc>
-              <a:spcBef>
-                <a:spcPts val="0"/>
-              </a:spcBef>
-              <a:buFont typeface="+mj-lt"/>
-              <a:buAutoNum type="arabicPeriod"/>
-            </a:pPr>
-            <a:r>
-              <a:rPr lang="ru-RU" sz="3600" dirty="0" smtClean="0"/>
-              <a:t> Реализация и тестирование модуля генерации «2</a:t>
-            </a:r>
-            <a:r>
-              <a:rPr lang="en-US" sz="3600" dirty="0" smtClean="0"/>
-              <a:t>D </a:t>
-            </a:r>
-            <a:r>
-              <a:rPr lang="ru-RU" sz="3600" dirty="0" smtClean="0"/>
-              <a:t>прогулок»</a:t>
-            </a:r>
-            <a:endParaRPr lang="ru-RU" sz="3600" dirty="0" smtClean="0"/>
-          </a:p>
-          <a:p>
-            <a:pPr marL="0" indent="0">
-              <a:lnSpc>
-                <a:spcPct val="120000"/>
-              </a:lnSpc>
-              <a:spcBef>
-                <a:spcPts val="0"/>
-              </a:spcBef>
-              <a:buNone/>
-            </a:pPr>
-            <a:endParaRPr lang="ru-RU" dirty="0"/>
-          </a:p>
-          <a:p>
-            <a:pPr marL="0" indent="0">
-              <a:lnSpc>
-                <a:spcPct val="120000"/>
-              </a:lnSpc>
-              <a:spcBef>
-                <a:spcPts val="0"/>
-              </a:spcBef>
-              <a:buNone/>
-            </a:pPr>
-            <a:r>
-              <a:rPr lang="ru-RU" sz="4400" dirty="0" smtClean="0"/>
-              <a:t>Социальная значимость</a:t>
-            </a:r>
-          </a:p>
-          <a:p>
-            <a:pPr marL="0" indent="0">
-              <a:lnSpc>
-                <a:spcPct val="120000"/>
-              </a:lnSpc>
-              <a:spcBef>
-                <a:spcPts val="0"/>
-              </a:spcBef>
-              <a:buNone/>
-            </a:pPr>
-            <a:r>
-              <a:rPr lang="ru-RU" sz="3600" dirty="0" smtClean="0"/>
-              <a:t>Поддержка людей с интеллектуальными ограничениями </a:t>
-            </a:r>
-            <a:r>
-              <a:rPr lang="ru-RU" sz="3600" dirty="0"/>
-              <a:t>(</a:t>
-            </a:r>
-            <a:r>
-              <a:rPr lang="en-US" sz="3600" dirty="0"/>
-              <a:t>People with Intellectual Disabilities</a:t>
-            </a:r>
-            <a:r>
-              <a:rPr lang="ru-RU" sz="3600" dirty="0"/>
-              <a:t>, </a:t>
-            </a:r>
-            <a:r>
-              <a:rPr lang="en-US" sz="3600" dirty="0"/>
-              <a:t>PID</a:t>
-            </a:r>
-            <a:r>
-              <a:rPr lang="ru-RU" sz="3600" dirty="0"/>
-              <a:t>) </a:t>
-            </a:r>
-            <a:r>
-              <a:rPr lang="ru-RU" sz="3600" dirty="0" smtClean="0"/>
-              <a:t> в самостоятельном выполнении повседневных действий - важный аспект их интеграции </a:t>
-            </a:r>
-            <a:r>
-              <a:rPr lang="ru-RU" sz="3600" dirty="0"/>
-              <a:t>в </a:t>
-            </a:r>
-            <a:r>
-              <a:rPr lang="ru-RU" sz="3600" dirty="0" smtClean="0"/>
-              <a:t>общество</a:t>
-            </a:r>
-            <a:endParaRPr lang="ru-RU" sz="3600" dirty="0"/>
-          </a:p>
-        </p:txBody>
-      </p:sp>
-      <p:sp>
-        <p:nvSpPr>
-          <p:cNvPr id="4" name="Номер слайда 3"/>
-          <p:cNvSpPr>
-            <a:spLocks noGrp="1"/>
-          </p:cNvSpPr>
-          <p:nvPr>
-            <p:ph type="sldNum" sz="quarter" idx="12"/>
-          </p:nvPr>
-        </p:nvSpPr>
-        <p:spPr/>
-        <p:txBody>
-          <a:bodyPr/>
-          <a:lstStyle/>
-          <a:p>
-            <a:fld id="{32094B8D-5F4E-4EC7-B306-AEABBF2C9E33}" type="slidenum">
-              <a:rPr lang="ru-RU" smtClean="0"/>
-              <a:t>2</a:t>
-            </a:fld>
-            <a:endParaRPr lang="ru-RU"/>
-          </a:p>
-        </p:txBody>
-      </p:sp>
-    </p:spTree>
-  </p:cSld>
-  <p:clrMapOvr>
-    <a:masterClrMapping/>
-  </p:clrMapOvr>
-</p:sld>
-</file>
-
-<file path=ppt/slides/slide3.xml><?xml version="1.0" encoding="utf-8"?>
-<p:sld xmlns:a="http://schemas.openxmlformats.org/drawingml/2006/main" xmlns:r="http://schemas.openxmlformats.org/officeDocument/2006/relationships" xmlns:p="http://schemas.openxmlformats.org/presentationml/2006/main">
-  <p:cSld>
-    <p:spTree>
-      <p:nvGrpSpPr>
-        <p:cNvPr id="1" name=""/>
-        <p:cNvGrpSpPr/>
-        <p:nvPr/>
-      </p:nvGrpSpPr>
-      <p:grpSpPr>
-        <a:xfrm>
-          <a:off x="0" y="0"/>
-          <a:ext cx="0" cy="0"/>
-          <a:chOff x="0" y="0"/>
-          <a:chExt cx="0" cy="0"/>
-        </a:xfrm>
-      </p:grpSpPr>
-      <p:sp>
-        <p:nvSpPr>
-          <p:cNvPr id="2" name="Заголовок 1"/>
-          <p:cNvSpPr>
-            <a:spLocks noGrp="1"/>
-          </p:cNvSpPr>
-          <p:nvPr>
-            <p:ph type="title"/>
-          </p:nvPr>
-        </p:nvSpPr>
-        <p:spPr>
-          <a:xfrm>
-            <a:off x="457200" y="274638"/>
-            <a:ext cx="8229600" cy="796908"/>
-          </a:xfrm>
-        </p:spPr>
-        <p:txBody>
-          <a:bodyPr>
-            <a:normAutofit/>
-          </a:bodyPr>
-          <a:lstStyle/>
-          <a:p>
-            <a:r>
-              <a:rPr lang="ru-RU" sz="3400" dirty="0" smtClean="0"/>
-              <a:t>Постановка задачи</a:t>
-            </a:r>
-            <a:endParaRPr lang="ru-RU" sz="3400" dirty="0"/>
-          </a:p>
-        </p:txBody>
-      </p:sp>
-      <p:sp>
-        <p:nvSpPr>
-          <p:cNvPr id="3" name="Содержимое 2"/>
-          <p:cNvSpPr>
-            <a:spLocks noGrp="1"/>
-          </p:cNvSpPr>
-          <p:nvPr>
-            <p:ph idx="1"/>
-          </p:nvPr>
-        </p:nvSpPr>
-        <p:spPr>
-          <a:xfrm>
-            <a:off x="500034" y="1071546"/>
-            <a:ext cx="8229600" cy="5572164"/>
-          </a:xfrm>
-        </p:spPr>
-        <p:txBody>
-          <a:bodyPr>
-            <a:noAutofit/>
-          </a:bodyPr>
-          <a:lstStyle/>
-          <a:p>
-            <a:pPr marL="0" indent="0" algn="just">
-              <a:spcBef>
-                <a:spcPts val="0"/>
-              </a:spcBef>
-              <a:buNone/>
-            </a:pPr>
-            <a:r>
-              <a:rPr lang="ru-RU" sz="1950" dirty="0" smtClean="0"/>
-              <a:t>«2</a:t>
-            </a:r>
-            <a:r>
-              <a:rPr lang="en-US" sz="1950" dirty="0" smtClean="0"/>
-              <a:t>D</a:t>
-            </a:r>
-            <a:r>
-              <a:rPr lang="ru-RU" sz="1950" dirty="0" smtClean="0"/>
-              <a:t> прогулка» («2</a:t>
-            </a:r>
-            <a:r>
-              <a:rPr lang="en-US" sz="1950" dirty="0" smtClean="0"/>
-              <a:t>D walkthrough</a:t>
-            </a:r>
-            <a:r>
-              <a:rPr lang="ru-RU" sz="1950" dirty="0" smtClean="0"/>
-              <a:t>») – это 2</a:t>
-            </a:r>
-            <a:r>
-              <a:rPr lang="en-US" sz="1950" dirty="0" smtClean="0"/>
-              <a:t>D</a:t>
-            </a:r>
-            <a:r>
-              <a:rPr lang="ru-RU" sz="1950" dirty="0" smtClean="0"/>
-              <a:t> маршрут на карте закрытого пространства.</a:t>
-            </a:r>
-          </a:p>
-          <a:p>
-            <a:pPr marL="0" indent="0" algn="just">
-              <a:spcBef>
-                <a:spcPts val="0"/>
-              </a:spcBef>
-              <a:buNone/>
-            </a:pPr>
-            <a:endParaRPr lang="ru-RU" sz="1950" dirty="0" smtClean="0"/>
-          </a:p>
-          <a:p>
-            <a:pPr marL="0" indent="0">
-              <a:spcBef>
-                <a:spcPts val="0"/>
-              </a:spcBef>
-              <a:buNone/>
-            </a:pPr>
-            <a:r>
-              <a:rPr lang="ru-RU" sz="1950" dirty="0" smtClean="0"/>
-              <a:t>Этапы генерации 2</a:t>
-            </a:r>
-            <a:r>
-              <a:rPr lang="en-US" sz="1950" dirty="0" smtClean="0"/>
-              <a:t>D</a:t>
-            </a:r>
-            <a:r>
-              <a:rPr lang="ru-RU" sz="1950" dirty="0" smtClean="0"/>
-              <a:t> маршрута:</a:t>
-            </a:r>
-          </a:p>
-          <a:p>
-            <a:pPr marL="0" lvl="0" indent="0">
-              <a:lnSpc>
-                <a:spcPct val="114000"/>
-              </a:lnSpc>
-              <a:spcBef>
-                <a:spcPts val="0"/>
-              </a:spcBef>
-              <a:buFont typeface="+mj-lt"/>
-              <a:buAutoNum type="arabicParenR"/>
-            </a:pPr>
-            <a:r>
-              <a:rPr lang="ru-RU" sz="1950" dirty="0" smtClean="0"/>
-              <a:t> отображение карты закрытого пространства;</a:t>
-            </a:r>
-          </a:p>
-          <a:p>
-            <a:pPr marL="0" lvl="0" indent="0">
-              <a:lnSpc>
-                <a:spcPct val="114000"/>
-              </a:lnSpc>
-              <a:spcBef>
-                <a:spcPts val="0"/>
-              </a:spcBef>
-              <a:buFont typeface="+mj-lt"/>
-              <a:buAutoNum type="arabicParenR"/>
-            </a:pPr>
-            <a:r>
-              <a:rPr lang="ru-RU" sz="1950" dirty="0" smtClean="0"/>
-              <a:t> построение маршрута через две и более заданные на карте точки;</a:t>
-            </a:r>
-          </a:p>
-          <a:p>
-            <a:pPr marL="0" lvl="0" indent="0">
-              <a:lnSpc>
-                <a:spcPct val="114000"/>
-              </a:lnSpc>
-              <a:spcBef>
-                <a:spcPts val="0"/>
-              </a:spcBef>
-              <a:buFont typeface="+mj-lt"/>
-              <a:buAutoNum type="arabicParenR"/>
-            </a:pPr>
-            <a:r>
-              <a:rPr lang="ru-RU" sz="1950" dirty="0" smtClean="0"/>
-              <a:t> изображение маршрута на карте пространства;</a:t>
-            </a:r>
-          </a:p>
-          <a:p>
-            <a:pPr marL="0" lvl="0" indent="0">
-              <a:lnSpc>
-                <a:spcPct val="114000"/>
-              </a:lnSpc>
-              <a:spcBef>
-                <a:spcPts val="0"/>
-              </a:spcBef>
-              <a:buFont typeface="+mj-lt"/>
-              <a:buAutoNum type="arabicParenR"/>
-            </a:pPr>
-            <a:r>
-              <a:rPr lang="ru-RU" sz="1950" dirty="0" smtClean="0"/>
-              <a:t> моделирование прохождения маршрута.</a:t>
-            </a:r>
-          </a:p>
-          <a:p>
-            <a:pPr marL="0" lvl="0" indent="0">
-              <a:spcBef>
-                <a:spcPts val="0"/>
-              </a:spcBef>
-              <a:buNone/>
-            </a:pPr>
-            <a:endParaRPr lang="ru-RU" sz="1950" dirty="0" smtClean="0"/>
-          </a:p>
-          <a:p>
-            <a:pPr marL="0" lvl="0" indent="0">
-              <a:spcBef>
-                <a:spcPts val="0"/>
-              </a:spcBef>
-              <a:buNone/>
-            </a:pPr>
-            <a:r>
-              <a:rPr lang="ru-RU" sz="1950" dirty="0" smtClean="0"/>
-              <a:t>Процесс построения маршрута:</a:t>
-            </a:r>
-            <a:endParaRPr lang="ru-RU" sz="1950" dirty="0"/>
-          </a:p>
-          <a:p>
-            <a:pPr marL="0" indent="0">
-              <a:lnSpc>
-                <a:spcPct val="114000"/>
-              </a:lnSpc>
-              <a:spcBef>
-                <a:spcPts val="0"/>
-              </a:spcBef>
-              <a:buFont typeface="+mj-lt"/>
-              <a:buAutoNum type="arabicParenR"/>
-            </a:pPr>
-            <a:r>
-              <a:rPr lang="ru-RU" sz="1950" dirty="0" smtClean="0"/>
-              <a:t> формализовать пространство в виде графа на основании анализа способов представления пространства;</a:t>
-            </a:r>
-          </a:p>
-          <a:p>
-            <a:pPr marL="0" indent="0">
-              <a:lnSpc>
-                <a:spcPct val="114000"/>
-              </a:lnSpc>
-              <a:spcBef>
-                <a:spcPts val="0"/>
-              </a:spcBef>
-              <a:buFont typeface="+mj-lt"/>
-              <a:buAutoNum type="arabicParenR"/>
-            </a:pPr>
-            <a:r>
-              <a:rPr lang="ru-RU" sz="1950" dirty="0" smtClean="0"/>
-              <a:t> задать список вершин, через которые должен проходить маршрут;</a:t>
-            </a:r>
-          </a:p>
-          <a:p>
-            <a:pPr marL="0" indent="0">
-              <a:lnSpc>
-                <a:spcPct val="114000"/>
-              </a:lnSpc>
-              <a:spcBef>
-                <a:spcPts val="0"/>
-              </a:spcBef>
-              <a:buFont typeface="+mj-lt"/>
-              <a:buAutoNum type="arabicParenR"/>
-            </a:pPr>
-            <a:r>
-              <a:rPr lang="ru-RU" sz="1950" dirty="0" smtClean="0"/>
-              <a:t> н</a:t>
-            </a:r>
-            <a:r>
-              <a:rPr lang="ru-RU" sz="1950" dirty="0" smtClean="0"/>
-              <a:t>айти путь между каждой парой заданных вершин с использованием алгоритмов нахождения пути на графе;</a:t>
-            </a:r>
-          </a:p>
-          <a:p>
-            <a:pPr marL="0" indent="0">
-              <a:lnSpc>
-                <a:spcPct val="114000"/>
-              </a:lnSpc>
-              <a:spcBef>
-                <a:spcPts val="0"/>
-              </a:spcBef>
-              <a:buFont typeface="+mj-lt"/>
-              <a:buAutoNum type="arabicParenR"/>
-            </a:pPr>
-            <a:r>
-              <a:rPr lang="ru-RU" sz="1950" dirty="0" smtClean="0"/>
-              <a:t> н</a:t>
-            </a:r>
-            <a:r>
-              <a:rPr lang="ru-RU" sz="1950" dirty="0" smtClean="0"/>
-              <a:t>айти путь обхода вершин с использованием алгоритмов решения задачи коммивояжера.</a:t>
-            </a:r>
-          </a:p>
-        </p:txBody>
-      </p:sp>
-      <p:sp>
-        <p:nvSpPr>
-          <p:cNvPr id="4" name="Номер слайда 3"/>
-          <p:cNvSpPr>
-            <a:spLocks noGrp="1"/>
-          </p:cNvSpPr>
-          <p:nvPr>
-            <p:ph type="sldNum" sz="quarter" idx="12"/>
-          </p:nvPr>
-        </p:nvSpPr>
-        <p:spPr/>
-        <p:txBody>
-          <a:bodyPr/>
-          <a:lstStyle/>
-          <a:p>
-            <a:fld id="{32094B8D-5F4E-4EC7-B306-AEABBF2C9E33}" type="slidenum">
-              <a:rPr lang="ru-RU" smtClean="0"/>
-              <a:t>3</a:t>
-            </a:fld>
-            <a:endParaRPr lang="ru-RU"/>
-          </a:p>
-        </p:txBody>
-      </p:sp>
-    </p:spTree>
-  </p:cSld>
-  <p:clrMapOvr>
-    <a:masterClrMapping/>
-  </p:clrMapOvr>
-</p:sld>
-</file>
-
-<file path=ppt/slides/slide4.xml><?xml version="1.0" encoding="utf-8"?>
-<p:sld xmlns:a="http://schemas.openxmlformats.org/drawingml/2006/main" xmlns:r="http://schemas.openxmlformats.org/officeDocument/2006/relationships" xmlns:p="http://schemas.openxmlformats.org/presentationml/2006/main">
-  <p:cSld>
-    <p:spTree>
-      <p:nvGrpSpPr>
-        <p:cNvPr id="1" name=""/>
-        <p:cNvGrpSpPr/>
-        <p:nvPr/>
-      </p:nvGrpSpPr>
-      <p:grpSpPr>
-        <a:xfrm>
-          <a:off x="0" y="0"/>
-          <a:ext cx="0" cy="0"/>
-          <a:chOff x="0" y="0"/>
-          <a:chExt cx="0" cy="0"/>
-        </a:xfrm>
-      </p:grpSpPr>
-      <p:sp>
-        <p:nvSpPr>
-          <p:cNvPr id="2" name="Заголовок 1"/>
-          <p:cNvSpPr>
-            <a:spLocks noGrp="1"/>
-          </p:cNvSpPr>
-          <p:nvPr>
-            <p:ph type="title"/>
-          </p:nvPr>
-        </p:nvSpPr>
-        <p:spPr>
-          <a:xfrm>
-            <a:off x="0" y="274638"/>
-            <a:ext cx="9144000" cy="796908"/>
-          </a:xfrm>
-        </p:spPr>
-        <p:txBody>
-          <a:bodyPr>
-            <a:noAutofit/>
-          </a:bodyPr>
-          <a:lstStyle/>
-          <a:p>
-            <a:r>
-              <a:rPr lang="ru-RU" sz="3400" dirty="0" smtClean="0"/>
-              <a:t>Формализация этапов генерации 2</a:t>
-            </a:r>
-            <a:r>
-              <a:rPr lang="en-US" sz="3400" dirty="0" smtClean="0"/>
-              <a:t>D</a:t>
-            </a:r>
-            <a:r>
-              <a:rPr lang="ru-RU" sz="3400" dirty="0" smtClean="0"/>
-              <a:t> маршрута</a:t>
-            </a:r>
-            <a:endParaRPr lang="ru-RU" sz="3400" dirty="0"/>
-          </a:p>
-        </p:txBody>
-      </p:sp>
-      <p:sp>
-        <p:nvSpPr>
-          <p:cNvPr id="4" name="Номер слайда 3"/>
-          <p:cNvSpPr>
-            <a:spLocks noGrp="1"/>
-          </p:cNvSpPr>
-          <p:nvPr>
-            <p:ph type="sldNum" sz="quarter" idx="12"/>
-          </p:nvPr>
-        </p:nvSpPr>
-        <p:spPr/>
-        <p:txBody>
-          <a:bodyPr/>
-          <a:lstStyle/>
-          <a:p>
-            <a:fld id="{3DCB63D9-3FD3-4C3B-A045-98BC1BB0B6C2}" type="slidenum">
-              <a:rPr lang="ru-RU" smtClean="0"/>
-              <a:pPr/>
-              <a:t>4</a:t>
-            </a:fld>
-            <a:endParaRPr lang="ru-RU"/>
-          </a:p>
-        </p:txBody>
-      </p:sp>
-      <p:pic>
-        <p:nvPicPr>
-          <p:cNvPr id="6" name="Рисунок 5"/>
-          <p:cNvPicPr/>
-          <p:nvPr/>
-        </p:nvPicPr>
-        <p:blipFill>
-          <a:blip r:embed="rId3"/>
-          <a:srcRect/>
-          <a:stretch>
-            <a:fillRect/>
-          </a:stretch>
-        </p:blipFill>
-        <p:spPr bwMode="auto">
-          <a:xfrm>
-            <a:off x="4857752" y="1428736"/>
-            <a:ext cx="3643338" cy="2000264"/>
-          </a:xfrm>
-          <a:prstGeom prst="rect">
-            <a:avLst/>
-          </a:prstGeom>
-          <a:noFill/>
-        </p:spPr>
-      </p:pic>
-      <p:cxnSp>
-        <p:nvCxnSpPr>
-          <p:cNvPr id="8" name="Прямая со стрелкой 7"/>
-          <p:cNvCxnSpPr>
-            <a:stCxn id="11" idx="3"/>
-            <a:endCxn id="6" idx="1"/>
-          </p:cNvCxnSpPr>
-          <p:nvPr/>
-        </p:nvCxnSpPr>
-        <p:spPr>
-          <a:xfrm flipV="1">
-            <a:off x="4000496" y="2428868"/>
-            <a:ext cx="857256" cy="1213"/>
-          </a:xfrm>
-          <a:prstGeom prst="straightConnector1">
-            <a:avLst/>
-          </a:prstGeom>
-          <a:ln>
-            <a:tailEnd type="arrow"/>
-          </a:ln>
-        </p:spPr>
-        <p:style>
-          <a:lnRef idx="1">
-            <a:schemeClr val="accent1"/>
-          </a:lnRef>
-          <a:fillRef idx="0">
-            <a:schemeClr val="accent1"/>
-          </a:fillRef>
-          <a:effectRef idx="0">
-            <a:schemeClr val="accent1"/>
-          </a:effectRef>
-          <a:fontRef idx="minor">
-            <a:schemeClr val="tx1"/>
-          </a:fontRef>
-        </p:style>
-      </p:cxnSp>
-      <p:cxnSp>
-        <p:nvCxnSpPr>
-          <p:cNvPr id="32" name="Прямая со стрелкой 31"/>
-          <p:cNvCxnSpPr>
-            <a:stCxn id="19" idx="1"/>
-            <a:endCxn id="29" idx="3"/>
-          </p:cNvCxnSpPr>
-          <p:nvPr/>
-        </p:nvCxnSpPr>
-        <p:spPr>
-          <a:xfrm rot="10800000">
-            <a:off x="4071934" y="5179231"/>
-            <a:ext cx="857256" cy="1588"/>
-          </a:xfrm>
-          <a:prstGeom prst="straightConnector1">
-            <a:avLst/>
-          </a:prstGeom>
-          <a:ln>
-            <a:tailEnd type="arrow"/>
-          </a:ln>
-        </p:spPr>
-        <p:style>
-          <a:lnRef idx="1">
-            <a:schemeClr val="accent1"/>
-          </a:lnRef>
-          <a:fillRef idx="0">
-            <a:schemeClr val="accent1"/>
-          </a:fillRef>
-          <a:effectRef idx="0">
-            <a:schemeClr val="accent1"/>
-          </a:effectRef>
-          <a:fontRef idx="minor">
-            <a:schemeClr val="tx1"/>
-          </a:fontRef>
-        </p:style>
-      </p:cxnSp>
-      <p:pic>
-        <p:nvPicPr>
-          <p:cNvPr id="11" name="Рисунок 10"/>
-          <p:cNvPicPr/>
-          <p:nvPr/>
-        </p:nvPicPr>
-        <p:blipFill>
-          <a:blip r:embed="rId4"/>
-          <a:srcRect/>
-          <a:stretch>
-            <a:fillRect/>
-          </a:stretch>
-        </p:blipFill>
-        <p:spPr bwMode="auto">
-          <a:xfrm>
-            <a:off x="642910" y="1428736"/>
-            <a:ext cx="3357586" cy="2002689"/>
-          </a:xfrm>
-          <a:prstGeom prst="rect">
-            <a:avLst/>
-          </a:prstGeom>
-          <a:noFill/>
-          <a:ln w="9525">
-            <a:noFill/>
-            <a:miter lim="800000"/>
-            <a:headEnd/>
-            <a:tailEnd/>
-          </a:ln>
-        </p:spPr>
-      </p:pic>
-      <p:sp>
-        <p:nvSpPr>
-          <p:cNvPr id="18" name="Содержимое 2"/>
-          <p:cNvSpPr txBox="1">
-            <a:spLocks/>
-          </p:cNvSpPr>
-          <p:nvPr/>
-        </p:nvSpPr>
-        <p:spPr>
-          <a:xfrm>
-            <a:off x="4500562" y="3643314"/>
-            <a:ext cx="4357718" cy="285752"/>
-          </a:xfrm>
-          <a:prstGeom prst="rect">
-            <a:avLst/>
-          </a:prstGeom>
-        </p:spPr>
-        <p:txBody>
-          <a:bodyPr vert="horz" lIns="91440" tIns="45720" rIns="91440" bIns="45720" rtlCol="0">
-            <a:noAutofit/>
-          </a:bodyPr>
-          <a:lstStyle/>
-          <a:p>
-            <a:pPr marL="342900" marR="0" lvl="0" indent="-342900" algn="ctr" defTabSz="914400" rtl="0" eaLnBrk="1" fontAlgn="auto" latinLnBrk="0" hangingPunct="1">
-              <a:lnSpc>
-                <a:spcPct val="100000"/>
-              </a:lnSpc>
-              <a:spcBef>
-                <a:spcPct val="20000"/>
-              </a:spcBef>
-              <a:spcAft>
-                <a:spcPts val="0"/>
-              </a:spcAft>
-              <a:buClrTx/>
-              <a:buSzTx/>
-              <a:buFont typeface="Arial" pitchFamily="34" charset="0"/>
-              <a:buNone/>
-              <a:tabLst/>
-              <a:defRPr/>
-            </a:pPr>
-            <a:r>
-              <a:rPr lang="ru-RU" dirty="0" smtClean="0"/>
-              <a:t>Формализация пространства в виде графа</a:t>
-            </a:r>
-            <a:endParaRPr kumimoji="0" lang="ru-RU" b="0" i="0" u="none" strike="noStrike" kern="1200" cap="none" spc="0" normalizeH="0" baseline="0" noProof="0" dirty="0" smtClean="0">
-              <a:ln>
-                <a:noFill/>
-              </a:ln>
-              <a:solidFill>
-                <a:schemeClr val="tx1"/>
-              </a:solidFill>
-              <a:effectLst/>
-              <a:uLnTx/>
-              <a:uFillTx/>
-              <a:latin typeface="+mn-lt"/>
-              <a:ea typeface="+mn-ea"/>
-              <a:cs typeface="+mn-cs"/>
-            </a:endParaRPr>
-          </a:p>
-        </p:txBody>
-      </p:sp>
-      <p:pic>
-        <p:nvPicPr>
-          <p:cNvPr id="19" name="Рисунок 18"/>
-          <p:cNvPicPr/>
-          <p:nvPr/>
-        </p:nvPicPr>
-        <p:blipFill>
-          <a:blip r:embed="rId5"/>
-          <a:srcRect/>
-          <a:stretch>
-            <a:fillRect/>
-          </a:stretch>
-        </p:blipFill>
-        <p:spPr bwMode="auto">
-          <a:xfrm>
-            <a:off x="4929190" y="4214818"/>
-            <a:ext cx="3500462" cy="1928826"/>
-          </a:xfrm>
-          <a:prstGeom prst="rect">
-            <a:avLst/>
-          </a:prstGeom>
-          <a:noFill/>
-          <a:ln w="9525">
-            <a:noFill/>
-            <a:miter lim="800000"/>
-            <a:headEnd/>
-            <a:tailEnd/>
-          </a:ln>
-        </p:spPr>
-      </p:pic>
-      <p:sp>
-        <p:nvSpPr>
-          <p:cNvPr id="27" name="Содержимое 2"/>
-          <p:cNvSpPr txBox="1">
-            <a:spLocks/>
-          </p:cNvSpPr>
-          <p:nvPr/>
-        </p:nvSpPr>
-        <p:spPr>
-          <a:xfrm>
-            <a:off x="5214942" y="6357958"/>
-            <a:ext cx="3071834" cy="285752"/>
-          </a:xfrm>
-          <a:prstGeom prst="rect">
-            <a:avLst/>
-          </a:prstGeom>
-        </p:spPr>
-        <p:txBody>
-          <a:bodyPr vert="horz" lIns="91440" tIns="45720" rIns="91440" bIns="45720" rtlCol="0">
-            <a:noAutofit/>
-          </a:bodyPr>
-          <a:lstStyle/>
-          <a:p>
-            <a:pPr marL="342900" marR="0" lvl="0" indent="-342900" algn="ctr" defTabSz="914400" rtl="0" eaLnBrk="1" fontAlgn="auto" latinLnBrk="0" hangingPunct="1">
-              <a:lnSpc>
-                <a:spcPct val="100000"/>
-              </a:lnSpc>
-              <a:spcBef>
-                <a:spcPct val="20000"/>
-              </a:spcBef>
-              <a:spcAft>
-                <a:spcPts val="0"/>
-              </a:spcAft>
-              <a:buClrTx/>
-              <a:buSzTx/>
-              <a:buFont typeface="Arial" pitchFamily="34" charset="0"/>
-              <a:buNone/>
-              <a:tabLst/>
-              <a:defRPr/>
-            </a:pPr>
-            <a:r>
-              <a:rPr lang="ru-RU" dirty="0" smtClean="0"/>
-              <a:t>Нахождение пути на графе</a:t>
-            </a:r>
-            <a:endParaRPr kumimoji="0" lang="ru-RU" b="0" i="0" u="none" strike="noStrike" kern="1200" cap="none" spc="0" normalizeH="0" baseline="0" noProof="0" dirty="0" smtClean="0">
-              <a:ln>
-                <a:noFill/>
-              </a:ln>
-              <a:solidFill>
-                <a:schemeClr val="tx1"/>
-              </a:solidFill>
-              <a:effectLst/>
-              <a:uLnTx/>
-              <a:uFillTx/>
-              <a:latin typeface="+mn-lt"/>
-              <a:ea typeface="+mn-ea"/>
-              <a:cs typeface="+mn-cs"/>
-            </a:endParaRPr>
-          </a:p>
-        </p:txBody>
-      </p:sp>
-      <p:sp>
-        <p:nvSpPr>
-          <p:cNvPr id="28" name="Содержимое 2"/>
-          <p:cNvSpPr txBox="1">
-            <a:spLocks/>
-          </p:cNvSpPr>
-          <p:nvPr/>
-        </p:nvSpPr>
-        <p:spPr>
-          <a:xfrm>
-            <a:off x="785786" y="6357958"/>
-            <a:ext cx="3071834" cy="285752"/>
-          </a:xfrm>
-          <a:prstGeom prst="rect">
-            <a:avLst/>
-          </a:prstGeom>
-        </p:spPr>
-        <p:txBody>
-          <a:bodyPr vert="horz" lIns="91440" tIns="45720" rIns="91440" bIns="45720" rtlCol="0">
-            <a:noAutofit/>
-          </a:bodyPr>
-          <a:lstStyle/>
-          <a:p>
-            <a:pPr marL="342900" marR="0" lvl="0" indent="-342900" algn="ctr" defTabSz="914400" rtl="0" eaLnBrk="1" fontAlgn="auto" latinLnBrk="0" hangingPunct="1">
-              <a:lnSpc>
-                <a:spcPct val="100000"/>
-              </a:lnSpc>
-              <a:spcBef>
-                <a:spcPct val="20000"/>
-              </a:spcBef>
-              <a:spcAft>
-                <a:spcPts val="0"/>
-              </a:spcAft>
-              <a:buClrTx/>
-              <a:buSzTx/>
-              <a:buFont typeface="Arial" pitchFamily="34" charset="0"/>
-              <a:buNone/>
-              <a:tabLst/>
-              <a:defRPr/>
-            </a:pPr>
-            <a:r>
-              <a:rPr lang="ru-RU" dirty="0" smtClean="0"/>
-              <a:t>Визуализация маршрута</a:t>
-            </a:r>
-            <a:endParaRPr kumimoji="0" lang="ru-RU" b="0" i="0" u="none" strike="noStrike" kern="1200" cap="none" spc="0" normalizeH="0" baseline="0" noProof="0" dirty="0" smtClean="0">
-              <a:ln>
-                <a:noFill/>
-              </a:ln>
-              <a:solidFill>
-                <a:schemeClr val="tx1"/>
-              </a:solidFill>
-              <a:effectLst/>
-              <a:uLnTx/>
-              <a:uFillTx/>
-              <a:latin typeface="+mn-lt"/>
-              <a:ea typeface="+mn-ea"/>
-              <a:cs typeface="+mn-cs"/>
-            </a:endParaRPr>
-          </a:p>
-        </p:txBody>
-      </p:sp>
-      <p:pic>
-        <p:nvPicPr>
-          <p:cNvPr id="29" name="Рисунок 28"/>
-          <p:cNvPicPr/>
-          <p:nvPr/>
-        </p:nvPicPr>
-        <p:blipFill>
-          <a:blip r:embed="rId6"/>
-          <a:srcRect/>
-          <a:stretch>
-            <a:fillRect/>
-          </a:stretch>
-        </p:blipFill>
-        <p:spPr bwMode="auto">
-          <a:xfrm>
-            <a:off x="571472" y="3929066"/>
-            <a:ext cx="3500462" cy="2500330"/>
-          </a:xfrm>
-          <a:prstGeom prst="rect">
-            <a:avLst/>
-          </a:prstGeom>
-          <a:noFill/>
-          <a:ln w="9525">
-            <a:noFill/>
-            <a:miter lim="800000"/>
-            <a:headEnd/>
-            <a:tailEnd/>
-          </a:ln>
-        </p:spPr>
-      </p:pic>
-      <p:cxnSp>
-        <p:nvCxnSpPr>
-          <p:cNvPr id="37" name="Прямая со стрелкой 36"/>
-          <p:cNvCxnSpPr>
-            <a:stCxn id="6" idx="2"/>
-            <a:endCxn id="19" idx="0"/>
-          </p:cNvCxnSpPr>
-          <p:nvPr/>
-        </p:nvCxnSpPr>
-        <p:spPr>
-          <a:xfrm rot="5400000">
-            <a:off x="6286512" y="3821909"/>
-            <a:ext cx="785818" cy="1588"/>
-          </a:xfrm>
-          <a:prstGeom prst="straightConnector1">
-            <a:avLst/>
-          </a:prstGeom>
-          <a:ln>
-            <a:tailEnd type="arrow"/>
-          </a:ln>
-        </p:spPr>
-        <p:style>
-          <a:lnRef idx="1">
-            <a:schemeClr val="accent1"/>
-          </a:lnRef>
-          <a:fillRef idx="0">
-            <a:schemeClr val="accent1"/>
-          </a:fillRef>
-          <a:effectRef idx="0">
-            <a:schemeClr val="accent1"/>
-          </a:effectRef>
-          <a:fontRef idx="minor">
-            <a:schemeClr val="tx1"/>
-          </a:fontRef>
-        </p:style>
-      </p:cxnSp>
-      <p:sp>
-        <p:nvSpPr>
-          <p:cNvPr id="12" name="Содержимое 2"/>
-          <p:cNvSpPr txBox="1">
-            <a:spLocks/>
-          </p:cNvSpPr>
-          <p:nvPr/>
-        </p:nvSpPr>
-        <p:spPr>
-          <a:xfrm>
-            <a:off x="1071538" y="3571876"/>
-            <a:ext cx="2428892" cy="357190"/>
-          </a:xfrm>
-          <a:prstGeom prst="rect">
-            <a:avLst/>
-          </a:prstGeom>
-        </p:spPr>
-        <p:txBody>
-          <a:bodyPr vert="horz" lIns="91440" tIns="45720" rIns="91440" bIns="45720" rtlCol="0">
-            <a:normAutofit fontScale="55000" lnSpcReduction="20000"/>
-          </a:bodyPr>
-          <a:lstStyle/>
-          <a:p>
-            <a:pPr marL="342900" marR="0" lvl="0" indent="-342900" algn="ctr" defTabSz="914400" rtl="0" eaLnBrk="1" fontAlgn="auto" latinLnBrk="0" hangingPunct="1">
-              <a:lnSpc>
-                <a:spcPct val="100000"/>
-              </a:lnSpc>
-              <a:spcBef>
-                <a:spcPct val="20000"/>
-              </a:spcBef>
-              <a:spcAft>
-                <a:spcPts val="0"/>
-              </a:spcAft>
-              <a:buClrTx/>
-              <a:buSzTx/>
-              <a:buFont typeface="Arial" pitchFamily="34" charset="0"/>
-              <a:buNone/>
-              <a:tabLst/>
-              <a:defRPr/>
-            </a:pPr>
-            <a:r>
-              <a:rPr lang="ru-RU" sz="3200" dirty="0" smtClean="0"/>
-              <a:t>Модель пространства</a:t>
-            </a:r>
-            <a:endParaRPr kumimoji="0" lang="ru-RU" sz="3200" b="0" i="0" u="none" strike="noStrike" kern="1200" cap="none" spc="0" normalizeH="0" baseline="0" noProof="0" dirty="0" smtClean="0">
-              <a:ln>
-                <a:noFill/>
-              </a:ln>
-              <a:solidFill>
-                <a:schemeClr val="tx1"/>
-              </a:solidFill>
-              <a:effectLst/>
-              <a:uLnTx/>
-              <a:uFillTx/>
-              <a:latin typeface="+mn-lt"/>
-              <a:ea typeface="+mn-ea"/>
-              <a:cs typeface="+mn-cs"/>
-            </a:endParaRPr>
-          </a:p>
-        </p:txBody>
-      </p:sp>
-    </p:spTree>
-  </p:cSld>
-  <p:clrMapOvr>
-    <a:masterClrMapping/>
-  </p:clrMapOvr>
-  <p:timing>
-    <p:tnLst>
-      <p:par>
-        <p:cTn id="1" dur="indefinite" restart="never" nodeType="tmRoot"/>
-      </p:par>
-    </p:tnLst>
-  </p:timing>
-</p:sld>
-</file>
-
-<file path=ppt/slides/slide5.xml><?xml version="1.0" encoding="utf-8"?>
-<p:sld xmlns:a="http://schemas.openxmlformats.org/drawingml/2006/main" xmlns:r="http://schemas.openxmlformats.org/officeDocument/2006/relationships" xmlns:p="http://schemas.openxmlformats.org/presentationml/2006/main">
-  <p:cSld>
-    <p:spTree>
-      <p:nvGrpSpPr>
-        <p:cNvPr id="1" name=""/>
-        <p:cNvGrpSpPr/>
-        <p:nvPr/>
-      </p:nvGrpSpPr>
-      <p:grpSpPr>
-        <a:xfrm>
-          <a:off x="0" y="0"/>
-          <a:ext cx="0" cy="0"/>
-          <a:chOff x="0" y="0"/>
-          <a:chExt cx="0" cy="0"/>
-        </a:xfrm>
-      </p:grpSpPr>
-      <p:sp>
-        <p:nvSpPr>
-          <p:cNvPr id="4" name="Номер слайда 3"/>
-          <p:cNvSpPr>
-            <a:spLocks noGrp="1"/>
-          </p:cNvSpPr>
-          <p:nvPr>
-            <p:ph type="sldNum" sz="quarter" idx="12"/>
-          </p:nvPr>
-        </p:nvSpPr>
-        <p:spPr/>
-        <p:txBody>
-          <a:bodyPr/>
-          <a:lstStyle/>
-          <a:p>
-            <a:fld id="{3DCB63D9-3FD3-4C3B-A045-98BC1BB0B6C2}" type="slidenum">
-              <a:rPr lang="ru-RU" smtClean="0"/>
-              <a:pPr/>
-              <a:t>5</a:t>
-            </a:fld>
-            <a:endParaRPr lang="ru-RU" dirty="0"/>
-          </a:p>
-        </p:txBody>
-      </p:sp>
-      <p:pic>
-        <p:nvPicPr>
-          <p:cNvPr id="15361" name="Picture 1"/>
-          <p:cNvPicPr>
-            <a:picLocks noGrp="1" noChangeAspect="1" noChangeArrowheads="1"/>
-          </p:cNvPicPr>
-          <p:nvPr>
-            <p:ph idx="1"/>
-          </p:nvPr>
-        </p:nvPicPr>
-        <p:blipFill>
-          <a:blip r:embed="rId2"/>
-          <a:srcRect/>
-          <a:stretch>
-            <a:fillRect/>
-          </a:stretch>
-        </p:blipFill>
-        <p:spPr bwMode="auto">
-          <a:xfrm>
-            <a:off x="709566" y="1035827"/>
-            <a:ext cx="3433805" cy="5286412"/>
-          </a:xfrm>
-          <a:prstGeom prst="rect">
-            <a:avLst/>
-          </a:prstGeom>
-          <a:noFill/>
-          <a:ln w="9525">
-            <a:noFill/>
-            <a:miter lim="800000"/>
-            <a:headEnd/>
-            <a:tailEnd/>
-          </a:ln>
-          <a:effectLst/>
-        </p:spPr>
-      </p:pic>
-      <p:pic>
-        <p:nvPicPr>
-          <p:cNvPr id="6" name="Picture 1"/>
-          <p:cNvPicPr>
-            <a:picLocks noChangeAspect="1" noChangeArrowheads="1"/>
-          </p:cNvPicPr>
-          <p:nvPr/>
-        </p:nvPicPr>
-        <p:blipFill>
-          <a:blip r:embed="rId3"/>
-          <a:srcRect/>
-          <a:stretch>
-            <a:fillRect/>
-          </a:stretch>
-        </p:blipFill>
-        <p:spPr bwMode="auto">
-          <a:xfrm>
-            <a:off x="4214810" y="1042890"/>
-            <a:ext cx="4401982" cy="5272287"/>
-          </a:xfrm>
-          <a:prstGeom prst="rect">
-            <a:avLst/>
-          </a:prstGeom>
-          <a:noFill/>
-          <a:ln w="9525">
-            <a:noFill/>
-            <a:miter lim="800000"/>
-            <a:headEnd/>
-            <a:tailEnd/>
-          </a:ln>
-          <a:effectLst/>
-        </p:spPr>
-      </p:pic>
-      <p:sp>
-        <p:nvSpPr>
-          <p:cNvPr id="7" name="Содержимое 2"/>
-          <p:cNvSpPr txBox="1">
-            <a:spLocks/>
-          </p:cNvSpPr>
-          <p:nvPr/>
-        </p:nvSpPr>
-        <p:spPr>
-          <a:xfrm>
-            <a:off x="428596" y="6286520"/>
-            <a:ext cx="3643338" cy="328601"/>
-          </a:xfrm>
-          <a:prstGeom prst="rect">
-            <a:avLst/>
-          </a:prstGeom>
-        </p:spPr>
-        <p:txBody>
-          <a:bodyPr vert="horz" lIns="91440" tIns="45720" rIns="91440" bIns="45720" rtlCol="0">
-            <a:normAutofit fontScale="55000" lnSpcReduction="20000"/>
-          </a:bodyPr>
-          <a:lstStyle/>
-          <a:p>
-            <a:pPr marL="342900" marR="0" lvl="0" indent="-342900" algn="ctr" defTabSz="914400" rtl="0" eaLnBrk="1" fontAlgn="auto" latinLnBrk="0" hangingPunct="1">
-              <a:lnSpc>
-                <a:spcPct val="100000"/>
-              </a:lnSpc>
-              <a:spcBef>
-                <a:spcPct val="20000"/>
-              </a:spcBef>
-              <a:spcAft>
-                <a:spcPts val="0"/>
-              </a:spcAft>
-              <a:buClrTx/>
-              <a:buSzTx/>
-              <a:buFont typeface="Arial" pitchFamily="34" charset="0"/>
-              <a:buNone/>
-              <a:tabLst/>
-              <a:defRPr/>
-            </a:pPr>
-            <a:r>
-              <a:rPr lang="ru-RU" sz="3200" dirty="0" smtClean="0"/>
-              <a:t>Алгоритм визуализации маршрута</a:t>
-            </a:r>
-            <a:endParaRPr kumimoji="0" lang="ru-RU" sz="3200" b="0" i="0" u="none" strike="noStrike" kern="1200" cap="none" spc="0" normalizeH="0" baseline="0" noProof="0" dirty="0" smtClean="0">
-              <a:ln>
-                <a:noFill/>
-              </a:ln>
-              <a:solidFill>
-                <a:schemeClr val="tx1"/>
-              </a:solidFill>
-              <a:effectLst/>
-              <a:uLnTx/>
-              <a:uFillTx/>
-              <a:latin typeface="+mn-lt"/>
-              <a:ea typeface="+mn-ea"/>
-              <a:cs typeface="+mn-cs"/>
-            </a:endParaRPr>
-          </a:p>
-        </p:txBody>
-      </p:sp>
-      <p:sp>
-        <p:nvSpPr>
-          <p:cNvPr id="8" name="Содержимое 2"/>
-          <p:cNvSpPr txBox="1">
-            <a:spLocks/>
-          </p:cNvSpPr>
-          <p:nvPr/>
-        </p:nvSpPr>
-        <p:spPr>
-          <a:xfrm>
-            <a:off x="4000528" y="6315085"/>
-            <a:ext cx="4929190" cy="542915"/>
-          </a:xfrm>
-          <a:prstGeom prst="rect">
-            <a:avLst/>
-          </a:prstGeom>
-        </p:spPr>
-        <p:txBody>
-          <a:bodyPr vert="horz" lIns="91440" tIns="45720" rIns="91440" bIns="45720" rtlCol="0">
-            <a:normAutofit fontScale="55000" lnSpcReduction="20000"/>
-          </a:bodyPr>
-          <a:lstStyle/>
-          <a:p>
-            <a:pPr marR="0" lvl="0" algn="ctr" defTabSz="914400" rtl="0" eaLnBrk="1" fontAlgn="auto" latinLnBrk="0" hangingPunct="1">
-              <a:lnSpc>
-                <a:spcPct val="100000"/>
-              </a:lnSpc>
-              <a:spcAft>
-                <a:spcPts val="0"/>
-              </a:spcAft>
-              <a:buClrTx/>
-              <a:buSzTx/>
-              <a:buFont typeface="Arial" pitchFamily="34" charset="0"/>
-              <a:buNone/>
-              <a:tabLst/>
-              <a:defRPr/>
-            </a:pPr>
-            <a:r>
-              <a:rPr lang="ru-RU" sz="3200" dirty="0" smtClean="0"/>
-              <a:t>Алгоритм </a:t>
-            </a:r>
-            <a:r>
-              <a:rPr lang="ru-RU" sz="3200" dirty="0" smtClean="0"/>
-              <a:t>моделирования прохождения маршрута</a:t>
-            </a:r>
-            <a:endParaRPr kumimoji="0" lang="ru-RU" sz="3200" b="0" i="0" u="none" strike="noStrike" kern="1200" cap="none" spc="0" normalizeH="0" baseline="0" noProof="0" dirty="0" smtClean="0">
-              <a:ln>
-                <a:noFill/>
-              </a:ln>
-              <a:solidFill>
-                <a:schemeClr val="tx1"/>
-              </a:solidFill>
-              <a:effectLst/>
-              <a:uLnTx/>
-              <a:uFillTx/>
-              <a:latin typeface="+mn-lt"/>
-              <a:ea typeface="+mn-ea"/>
-              <a:cs typeface="+mn-cs"/>
-            </a:endParaRPr>
-          </a:p>
-        </p:txBody>
-      </p:sp>
-      <p:sp>
-        <p:nvSpPr>
-          <p:cNvPr id="5" name="Заголовок 1"/>
-          <p:cNvSpPr txBox="1">
-            <a:spLocks/>
-          </p:cNvSpPr>
-          <p:nvPr/>
-        </p:nvSpPr>
-        <p:spPr>
-          <a:xfrm>
-            <a:off x="0" y="214290"/>
-            <a:ext cx="9144000" cy="796908"/>
-          </a:xfrm>
-          <a:prstGeom prst="rect">
-            <a:avLst/>
-          </a:prstGeom>
-        </p:spPr>
-        <p:txBody>
-          <a:bodyPr vert="horz" lIns="91440" tIns="45720" rIns="91440" bIns="45720" rtlCol="0" anchor="ctr">
-            <a:noAutofit/>
-          </a:bodyPr>
-          <a:lstStyle/>
-          <a:p>
-            <a:pPr lvl="0" algn="ctr">
-              <a:spcBef>
-                <a:spcPct val="0"/>
-              </a:spcBef>
-            </a:pPr>
-            <a:r>
-              <a:rPr lang="ru-RU" sz="3200" dirty="0" smtClean="0"/>
-              <a:t>Разработка алгоритмов визуализации и моделирования прохождения маршрута</a:t>
-            </a:r>
-            <a:endParaRPr kumimoji="0" lang="ru-RU" sz="3200" b="0" i="0" u="none" strike="noStrike" kern="1200" cap="none" spc="0" normalizeH="0" baseline="0" noProof="0" dirty="0">
-              <a:ln>
-                <a:noFill/>
-              </a:ln>
-              <a:solidFill>
-                <a:schemeClr val="tx1"/>
-              </a:solidFill>
-              <a:effectLst/>
-              <a:uLnTx/>
-              <a:uFillTx/>
-              <a:latin typeface="+mj-lt"/>
-              <a:ea typeface="+mj-ea"/>
-              <a:cs typeface="+mj-cs"/>
-            </a:endParaRPr>
-          </a:p>
-        </p:txBody>
-      </p:sp>
-    </p:spTree>
-  </p:cSld>
-  <p:clrMapOvr>
-    <a:masterClrMapping/>
-  </p:clrMapOvr>
-  <p:timing>
-    <p:tnLst>
-      <p:par>
-        <p:cTn id="1" dur="indefinite" restart="never" nodeType="tmRoot"/>
-      </p:par>
-    </p:tnLst>
-  </p:timing>
-</p:sld>
-</file>
-
-<file path=ppt/slides/slide6.xml><?xml version="1.0" encoding="utf-8"?>
-<p:sld xmlns:a="http://schemas.openxmlformats.org/drawingml/2006/main" xmlns:r="http://schemas.openxmlformats.org/officeDocument/2006/relationships" xmlns:p="http://schemas.openxmlformats.org/presentationml/2006/main">
-  <p:cSld>
-    <p:spTree>
-      <p:nvGrpSpPr>
-        <p:cNvPr id="1" name=""/>
-        <p:cNvGrpSpPr/>
-        <p:nvPr/>
-      </p:nvGrpSpPr>
-      <p:grpSpPr>
-        <a:xfrm>
-          <a:off x="0" y="0"/>
-          <a:ext cx="0" cy="0"/>
-          <a:chOff x="0" y="0"/>
-          <a:chExt cx="0" cy="0"/>
-        </a:xfrm>
-      </p:grpSpPr>
-      <p:sp>
-        <p:nvSpPr>
-          <p:cNvPr id="4" name="Номер слайда 3"/>
-          <p:cNvSpPr>
-            <a:spLocks noGrp="1"/>
-          </p:cNvSpPr>
-          <p:nvPr>
-            <p:ph type="sldNum" sz="quarter" idx="12"/>
-          </p:nvPr>
-        </p:nvSpPr>
-        <p:spPr/>
-        <p:txBody>
-          <a:bodyPr/>
-          <a:lstStyle/>
-          <a:p>
-            <a:fld id="{3DCB63D9-3FD3-4C3B-A045-98BC1BB0B6C2}" type="slidenum">
-              <a:rPr lang="ru-RU" smtClean="0"/>
-              <a:pPr/>
-              <a:t>6</a:t>
-            </a:fld>
-            <a:endParaRPr lang="ru-RU"/>
-          </a:p>
-        </p:txBody>
-      </p:sp>
-      <p:pic>
-        <p:nvPicPr>
-          <p:cNvPr id="12" name="Рисунок 11"/>
-          <p:cNvPicPr/>
-          <p:nvPr/>
-        </p:nvPicPr>
-        <p:blipFill>
-          <a:blip r:embed="rId3"/>
-          <a:srcRect/>
-          <a:stretch>
-            <a:fillRect/>
-          </a:stretch>
-        </p:blipFill>
-        <p:spPr bwMode="auto">
-          <a:xfrm>
-            <a:off x="1285852" y="919183"/>
-            <a:ext cx="7072362" cy="5795965"/>
-          </a:xfrm>
-          <a:prstGeom prst="rect">
-            <a:avLst/>
-          </a:prstGeom>
-          <a:noFill/>
-          <a:ln w="9525">
-            <a:noFill/>
-            <a:miter lim="800000"/>
-            <a:headEnd/>
-            <a:tailEnd/>
-          </a:ln>
-        </p:spPr>
-      </p:pic>
-      <p:sp>
-        <p:nvSpPr>
-          <p:cNvPr id="5" name="Заголовок 1"/>
-          <p:cNvSpPr txBox="1">
-            <a:spLocks/>
-          </p:cNvSpPr>
-          <p:nvPr/>
-        </p:nvSpPr>
-        <p:spPr>
-          <a:xfrm>
-            <a:off x="457200" y="274638"/>
-            <a:ext cx="8229600" cy="796908"/>
-          </a:xfrm>
-          <a:prstGeom prst="rect">
-            <a:avLst/>
-          </a:prstGeom>
-        </p:spPr>
-        <p:txBody>
-          <a:bodyPr vert="horz" lIns="91440" tIns="45720" rIns="91440" bIns="45720" rtlCol="0" anchor="ctr">
-            <a:normAutofit/>
-          </a:bodyPr>
-          <a:lstStyle/>
-          <a:p>
-            <a:pPr lvl="0" algn="ctr">
-              <a:spcBef>
-                <a:spcPct val="0"/>
-              </a:spcBef>
-            </a:pPr>
-            <a:r>
-              <a:rPr lang="ru-RU" sz="3400" dirty="0" smtClean="0"/>
-              <a:t>Схема графического интерфейса</a:t>
-            </a:r>
-            <a:endParaRPr kumimoji="0" lang="ru-RU" sz="3400" b="0" i="0" u="none" strike="noStrike" kern="1200" cap="none" spc="0" normalizeH="0" baseline="0" noProof="0" dirty="0">
-              <a:ln>
-                <a:noFill/>
-              </a:ln>
-              <a:solidFill>
-                <a:schemeClr val="tx1"/>
-              </a:solidFill>
-              <a:effectLst/>
-              <a:uLnTx/>
-              <a:uFillTx/>
-              <a:latin typeface="+mj-lt"/>
-              <a:ea typeface="+mj-ea"/>
-              <a:cs typeface="+mj-cs"/>
-            </a:endParaRPr>
-          </a:p>
-        </p:txBody>
-      </p:sp>
-    </p:spTree>
-  </p:cSld>
-  <p:clrMapOvr>
-    <a:masterClrMapping/>
-  </p:clrMapOvr>
-  <p:timing>
-    <p:tnLst>
-      <p:par>
-        <p:cTn id="1" dur="indefinite" restart="never" nodeType="tmRoot"/>
-      </p:par>
-    </p:tnLst>
-  </p:timing>
-</p:sld>
-</file>
-
-<file path=ppt/slides/slide7.xml><?xml version="1.0" encoding="utf-8"?>
-<p:sld xmlns:a="http://schemas.openxmlformats.org/drawingml/2006/main" xmlns:r="http://schemas.openxmlformats.org/officeDocument/2006/relationships" xmlns:p="http://schemas.openxmlformats.org/presentationml/2006/main">
-  <p:cSld>
-    <p:spTree>
-      <p:nvGrpSpPr>
-        <p:cNvPr id="1" name=""/>
-        <p:cNvGrpSpPr/>
-        <p:nvPr/>
-      </p:nvGrpSpPr>
-      <p:grpSpPr>
-        <a:xfrm>
-          <a:off x="0" y="0"/>
-          <a:ext cx="0" cy="0"/>
-          <a:chOff x="0" y="0"/>
-          <a:chExt cx="0" cy="0"/>
-        </a:xfrm>
-      </p:grpSpPr>
-      <p:sp>
-        <p:nvSpPr>
           <p:cNvPr id="2" name="Заголовок 1"/>
           <p:cNvSpPr>
             <a:spLocks noGrp="1"/>
@@ -6151,7 +4601,7 @@
             <a:fld id="{3DCB63D9-3FD3-4C3B-A045-98BC1BB0B6C2}" type="slidenum">
               <a:rPr lang="ru-RU" smtClean="0"/>
               <a:pPr/>
-              <a:t>7</a:t>
+              <a:t>10</a:t>
             </a:fld>
             <a:endParaRPr lang="ru-RU"/>
           </a:p>
@@ -6351,7 +4801,7 @@
 </p:sld>
 </file>
 
-<file path=ppt/slides/slide8.xml><?xml version="1.0" encoding="utf-8"?>
+<file path=ppt/slides/slide11.xml><?xml version="1.0" encoding="utf-8"?>
 <p:sld xmlns:a="http://schemas.openxmlformats.org/drawingml/2006/main" xmlns:r="http://schemas.openxmlformats.org/officeDocument/2006/relationships" xmlns:p="http://schemas.openxmlformats.org/presentationml/2006/main">
   <p:cSld>
     <p:spTree>
@@ -6416,7 +4866,7 @@
             <a:fld id="{3DCB63D9-3FD3-4C3B-A045-98BC1BB0B6C2}" type="slidenum">
               <a:rPr lang="ru-RU" smtClean="0"/>
               <a:pPr/>
-              <a:t>8</a:t>
+              <a:t>11</a:t>
             </a:fld>
             <a:endParaRPr lang="ru-RU"/>
           </a:p>
@@ -7216,6 +5666,3598 @@
 </p:sld>
 </file>
 
+<file path=ppt/slides/slide12.xml><?xml version="1.0" encoding="utf-8"?>
+<p:sld xmlns:a="http://schemas.openxmlformats.org/drawingml/2006/main" xmlns:r="http://schemas.openxmlformats.org/officeDocument/2006/relationships" xmlns:p="http://schemas.openxmlformats.org/presentationml/2006/main">
+  <p:cSld>
+    <p:spTree>
+      <p:nvGrpSpPr>
+        <p:cNvPr id="1" name=""/>
+        <p:cNvGrpSpPr/>
+        <p:nvPr/>
+      </p:nvGrpSpPr>
+      <p:grpSpPr>
+        <a:xfrm>
+          <a:off x="0" y="0"/>
+          <a:ext cx="0" cy="0"/>
+          <a:chOff x="0" y="0"/>
+          <a:chExt cx="0" cy="0"/>
+        </a:xfrm>
+      </p:grpSpPr>
+      <p:sp>
+        <p:nvSpPr>
+          <p:cNvPr id="3" name="Содержимое 2"/>
+          <p:cNvSpPr>
+            <a:spLocks noGrp="1"/>
+          </p:cNvSpPr>
+          <p:nvPr>
+            <p:ph idx="1"/>
+          </p:nvPr>
+        </p:nvSpPr>
+        <p:spPr/>
+        <p:txBody>
+          <a:bodyPr>
+            <a:normAutofit/>
+          </a:bodyPr>
+          <a:lstStyle/>
+          <a:p>
+            <a:pPr marL="514350" indent="-514350">
+              <a:lnSpc>
+                <a:spcPct val="114000"/>
+              </a:lnSpc>
+              <a:buAutoNum type="arabicPeriod"/>
+            </a:pPr>
+            <a:r>
+              <a:rPr lang="ru-RU" sz="2400" dirty="0" smtClean="0"/>
+              <a:t>Проведен </a:t>
+            </a:r>
+            <a:r>
+              <a:rPr lang="ru-RU" sz="2400" dirty="0" smtClean="0"/>
+              <a:t>анализ способов генерации 2</a:t>
+            </a:r>
+            <a:r>
+              <a:rPr lang="en-US" sz="2400" dirty="0" smtClean="0"/>
+              <a:t>D </a:t>
+            </a:r>
+            <a:r>
+              <a:rPr lang="ru-RU" sz="2400" dirty="0" smtClean="0"/>
+              <a:t>маршрута на карте закрытого </a:t>
+            </a:r>
+            <a:r>
+              <a:rPr lang="ru-RU" sz="2400" dirty="0" smtClean="0"/>
+              <a:t>пространства</a:t>
+            </a:r>
+            <a:endParaRPr lang="ru-RU" sz="2400" dirty="0" smtClean="0"/>
+          </a:p>
+          <a:p>
+            <a:pPr marL="514350" indent="-514350">
+              <a:lnSpc>
+                <a:spcPct val="114000"/>
+              </a:lnSpc>
+              <a:buFontTx/>
+              <a:buAutoNum type="arabicPeriod"/>
+            </a:pPr>
+            <a:r>
+              <a:rPr lang="ru-RU" sz="2400" dirty="0" smtClean="0"/>
+              <a:t>Разработаны </a:t>
+            </a:r>
+            <a:r>
+              <a:rPr lang="ru-RU" sz="2400" dirty="0" smtClean="0"/>
+              <a:t>алгоритмы генерации 2</a:t>
+            </a:r>
+            <a:r>
+              <a:rPr lang="en-US" sz="2400" dirty="0" smtClean="0"/>
+              <a:t>D </a:t>
+            </a:r>
+            <a:r>
+              <a:rPr lang="ru-RU" sz="2400" dirty="0" smtClean="0"/>
+              <a:t>маршрута</a:t>
+            </a:r>
+          </a:p>
+          <a:p>
+            <a:pPr marL="514350" indent="-514350">
+              <a:lnSpc>
+                <a:spcPct val="114000"/>
+              </a:lnSpc>
+              <a:buFontTx/>
+              <a:buAutoNum type="arabicPeriod"/>
+            </a:pPr>
+            <a:r>
+              <a:rPr lang="ru-RU" sz="2400" dirty="0" smtClean="0"/>
+              <a:t>Р</a:t>
+            </a:r>
+            <a:r>
+              <a:rPr lang="ru-RU" sz="2400" dirty="0" smtClean="0"/>
+              <a:t>азработан </a:t>
+            </a:r>
+            <a:r>
+              <a:rPr lang="ru-RU" sz="2400" dirty="0" smtClean="0"/>
+              <a:t>модуль генерации «2</a:t>
+            </a:r>
+            <a:r>
+              <a:rPr lang="en-US" sz="2400" dirty="0" smtClean="0"/>
+              <a:t>D</a:t>
+            </a:r>
+            <a:r>
+              <a:rPr lang="ru-RU" sz="2400" dirty="0" smtClean="0"/>
+              <a:t> </a:t>
+            </a:r>
+            <a:r>
+              <a:rPr lang="ru-RU" sz="2400" dirty="0" smtClean="0"/>
+              <a:t>прогулок»</a:t>
+            </a:r>
+          </a:p>
+          <a:p>
+            <a:pPr marL="514350" indent="-514350">
+              <a:lnSpc>
+                <a:spcPct val="114000"/>
+              </a:lnSpc>
+              <a:buFontTx/>
+              <a:buAutoNum type="arabicPeriod"/>
+            </a:pPr>
+            <a:r>
+              <a:rPr lang="ru-RU" sz="2400" dirty="0" smtClean="0"/>
+              <a:t>П</a:t>
+            </a:r>
+            <a:r>
+              <a:rPr lang="ru-RU" sz="2400" dirty="0" smtClean="0"/>
+              <a:t>роведено </a:t>
+            </a:r>
+            <a:r>
+              <a:rPr lang="ru-RU" sz="2400" dirty="0" smtClean="0"/>
+              <a:t>тестирование работы модуля с реальными </a:t>
+            </a:r>
+            <a:r>
+              <a:rPr lang="ru-RU" sz="2400" dirty="0" smtClean="0"/>
+              <a:t>пользователями</a:t>
+            </a:r>
+            <a:endParaRPr lang="ru-RU" sz="2400" dirty="0"/>
+          </a:p>
+        </p:txBody>
+      </p:sp>
+      <p:sp>
+        <p:nvSpPr>
+          <p:cNvPr id="4" name="Номер слайда 3"/>
+          <p:cNvSpPr>
+            <a:spLocks noGrp="1"/>
+          </p:cNvSpPr>
+          <p:nvPr>
+            <p:ph type="sldNum" sz="quarter" idx="12"/>
+          </p:nvPr>
+        </p:nvSpPr>
+        <p:spPr/>
+        <p:txBody>
+          <a:bodyPr/>
+          <a:lstStyle/>
+          <a:p>
+            <a:fld id="{3DCB63D9-3FD3-4C3B-A045-98BC1BB0B6C2}" type="slidenum">
+              <a:rPr lang="ru-RU" smtClean="0"/>
+              <a:pPr/>
+              <a:t>12</a:t>
+            </a:fld>
+            <a:endParaRPr lang="ru-RU"/>
+          </a:p>
+        </p:txBody>
+      </p:sp>
+      <p:sp>
+        <p:nvSpPr>
+          <p:cNvPr id="5" name="Заголовок 1"/>
+          <p:cNvSpPr txBox="1">
+            <a:spLocks/>
+          </p:cNvSpPr>
+          <p:nvPr/>
+        </p:nvSpPr>
+        <p:spPr>
+          <a:xfrm>
+            <a:off x="457200" y="274638"/>
+            <a:ext cx="8229600" cy="796908"/>
+          </a:xfrm>
+          <a:prstGeom prst="rect">
+            <a:avLst/>
+          </a:prstGeom>
+        </p:spPr>
+        <p:txBody>
+          <a:bodyPr vert="horz" lIns="91440" tIns="45720" rIns="91440" bIns="45720" rtlCol="0" anchor="ctr">
+            <a:normAutofit/>
+          </a:bodyPr>
+          <a:lstStyle/>
+          <a:p>
+            <a:pPr lvl="0" algn="ctr">
+              <a:spcBef>
+                <a:spcPct val="0"/>
+              </a:spcBef>
+            </a:pPr>
+            <a:r>
+              <a:rPr lang="ru-RU" sz="3400" dirty="0" smtClean="0"/>
+              <a:t>Выводы</a:t>
+            </a:r>
+            <a:endParaRPr kumimoji="0" lang="ru-RU" sz="3400" b="0" i="0" u="none" strike="noStrike" kern="1200" cap="none" spc="0" normalizeH="0" baseline="0" noProof="0" dirty="0">
+              <a:ln>
+                <a:noFill/>
+              </a:ln>
+              <a:solidFill>
+                <a:schemeClr val="tx1"/>
+              </a:solidFill>
+              <a:effectLst/>
+              <a:uLnTx/>
+              <a:uFillTx/>
+              <a:latin typeface="+mj-lt"/>
+              <a:ea typeface="+mj-ea"/>
+              <a:cs typeface="+mj-cs"/>
+            </a:endParaRPr>
+          </a:p>
+        </p:txBody>
+      </p:sp>
+    </p:spTree>
+  </p:cSld>
+  <p:clrMapOvr>
+    <a:masterClrMapping/>
+  </p:clrMapOvr>
+  <p:timing>
+    <p:tnLst>
+      <p:par>
+        <p:cTn id="1" dur="indefinite" restart="never" nodeType="tmRoot"/>
+      </p:par>
+    </p:tnLst>
+  </p:timing>
+</p:sld>
+</file>
+
+<file path=ppt/slides/slide13.xml><?xml version="1.0" encoding="utf-8"?>
+<p:sld xmlns:a="http://schemas.openxmlformats.org/drawingml/2006/main" xmlns:r="http://schemas.openxmlformats.org/officeDocument/2006/relationships" xmlns:p="http://schemas.openxmlformats.org/presentationml/2006/main">
+  <p:cSld>
+    <p:spTree>
+      <p:nvGrpSpPr>
+        <p:cNvPr id="1" name=""/>
+        <p:cNvGrpSpPr/>
+        <p:nvPr/>
+      </p:nvGrpSpPr>
+      <p:grpSpPr>
+        <a:xfrm>
+          <a:off x="0" y="0"/>
+          <a:ext cx="0" cy="0"/>
+          <a:chOff x="0" y="0"/>
+          <a:chExt cx="0" cy="0"/>
+        </a:xfrm>
+      </p:grpSpPr>
+      <p:sp>
+        <p:nvSpPr>
+          <p:cNvPr id="3" name="Содержимое 2"/>
+          <p:cNvSpPr>
+            <a:spLocks noGrp="1"/>
+          </p:cNvSpPr>
+          <p:nvPr>
+            <p:ph idx="1"/>
+          </p:nvPr>
+        </p:nvSpPr>
+        <p:spPr/>
+        <p:txBody>
+          <a:bodyPr>
+            <a:normAutofit/>
+          </a:bodyPr>
+          <a:lstStyle/>
+          <a:p>
+            <a:pPr marL="514350" indent="-514350">
+              <a:lnSpc>
+                <a:spcPct val="114000"/>
+              </a:lnSpc>
+              <a:buAutoNum type="arabicPeriod"/>
+            </a:pPr>
+            <a:r>
+              <a:rPr lang="ru-RU" sz="2400" dirty="0" smtClean="0"/>
+              <a:t>Расширение набора моделей пространств</a:t>
+            </a:r>
+            <a:endParaRPr lang="ru-RU" sz="2400" dirty="0"/>
+          </a:p>
+          <a:p>
+            <a:pPr marL="514350" indent="-514350">
+              <a:lnSpc>
+                <a:spcPct val="114000"/>
+              </a:lnSpc>
+              <a:buAutoNum type="arabicPeriod"/>
+            </a:pPr>
+            <a:r>
+              <a:rPr lang="ru-RU" sz="2400" dirty="0" smtClean="0"/>
+              <a:t>Создание инструмента для добавления моделей пространств пользователями</a:t>
+            </a:r>
+          </a:p>
+          <a:p>
+            <a:pPr marL="514350" indent="-514350">
+              <a:lnSpc>
+                <a:spcPct val="114000"/>
+              </a:lnSpc>
+              <a:buAutoNum type="arabicPeriod"/>
+            </a:pPr>
+            <a:r>
+              <a:rPr lang="ru-RU" sz="2400" dirty="0"/>
+              <a:t>П</a:t>
+            </a:r>
+            <a:r>
+              <a:rPr lang="ru-RU" sz="2400" dirty="0" smtClean="0"/>
+              <a:t>одключение модуля к </a:t>
+            </a:r>
+            <a:r>
+              <a:rPr lang="ru-RU" sz="2400" dirty="0" err="1" smtClean="0"/>
+              <a:t>веб-системе</a:t>
+            </a:r>
+            <a:r>
+              <a:rPr lang="ru-RU" sz="2400" dirty="0" smtClean="0"/>
+              <a:t> управления мобильными приложениями для </a:t>
+            </a:r>
+            <a:r>
+              <a:rPr lang="en-US" sz="2400" dirty="0" smtClean="0"/>
+              <a:t>PID</a:t>
+            </a:r>
+            <a:r>
+              <a:rPr lang="ru-RU" sz="2400" dirty="0" smtClean="0"/>
+              <a:t>.</a:t>
+            </a:r>
+            <a:endParaRPr lang="ru-RU" sz="2400" dirty="0"/>
+          </a:p>
+        </p:txBody>
+      </p:sp>
+      <p:sp>
+        <p:nvSpPr>
+          <p:cNvPr id="4" name="Номер слайда 3"/>
+          <p:cNvSpPr>
+            <a:spLocks noGrp="1"/>
+          </p:cNvSpPr>
+          <p:nvPr>
+            <p:ph type="sldNum" sz="quarter" idx="12"/>
+          </p:nvPr>
+        </p:nvSpPr>
+        <p:spPr/>
+        <p:txBody>
+          <a:bodyPr/>
+          <a:lstStyle/>
+          <a:p>
+            <a:fld id="{3DCB63D9-3FD3-4C3B-A045-98BC1BB0B6C2}" type="slidenum">
+              <a:rPr lang="ru-RU" smtClean="0"/>
+              <a:pPr/>
+              <a:t>13</a:t>
+            </a:fld>
+            <a:endParaRPr lang="ru-RU"/>
+          </a:p>
+        </p:txBody>
+      </p:sp>
+      <p:sp>
+        <p:nvSpPr>
+          <p:cNvPr id="5" name="Заголовок 1"/>
+          <p:cNvSpPr txBox="1">
+            <a:spLocks/>
+          </p:cNvSpPr>
+          <p:nvPr/>
+        </p:nvSpPr>
+        <p:spPr>
+          <a:xfrm>
+            <a:off x="457200" y="274638"/>
+            <a:ext cx="8229600" cy="796908"/>
+          </a:xfrm>
+          <a:prstGeom prst="rect">
+            <a:avLst/>
+          </a:prstGeom>
+        </p:spPr>
+        <p:txBody>
+          <a:bodyPr vert="horz" lIns="91440" tIns="45720" rIns="91440" bIns="45720" rtlCol="0" anchor="ctr">
+            <a:normAutofit/>
+          </a:bodyPr>
+          <a:lstStyle/>
+          <a:p>
+            <a:pPr lvl="0" algn="ctr">
+              <a:spcBef>
+                <a:spcPct val="0"/>
+              </a:spcBef>
+            </a:pPr>
+            <a:r>
+              <a:rPr lang="ru-RU" sz="3400" dirty="0" smtClean="0"/>
+              <a:t>Направления дальнейшей работы</a:t>
+            </a:r>
+            <a:endParaRPr kumimoji="0" lang="ru-RU" sz="3400" b="0" i="0" u="none" strike="noStrike" kern="1200" cap="none" spc="0" normalizeH="0" baseline="0" noProof="0" dirty="0">
+              <a:ln>
+                <a:noFill/>
+              </a:ln>
+              <a:solidFill>
+                <a:schemeClr val="tx1"/>
+              </a:solidFill>
+              <a:effectLst/>
+              <a:uLnTx/>
+              <a:uFillTx/>
+              <a:latin typeface="+mj-lt"/>
+              <a:ea typeface="+mj-ea"/>
+              <a:cs typeface="+mj-cs"/>
+            </a:endParaRPr>
+          </a:p>
+        </p:txBody>
+      </p:sp>
+    </p:spTree>
+  </p:cSld>
+  <p:clrMapOvr>
+    <a:masterClrMapping/>
+  </p:clrMapOvr>
+  <p:timing>
+    <p:tnLst>
+      <p:par>
+        <p:cTn id="1" dur="indefinite" restart="never" nodeType="tmRoot"/>
+      </p:par>
+    </p:tnLst>
+  </p:timing>
+</p:sld>
+</file>
+
+<file path=ppt/slides/slide14.xml><?xml version="1.0" encoding="utf-8"?>
+<p:sld xmlns:a="http://schemas.openxmlformats.org/drawingml/2006/main" xmlns:r="http://schemas.openxmlformats.org/officeDocument/2006/relationships" xmlns:p="http://schemas.openxmlformats.org/presentationml/2006/main">
+  <p:cSld>
+    <p:spTree>
+      <p:nvGrpSpPr>
+        <p:cNvPr id="1" name=""/>
+        <p:cNvGrpSpPr/>
+        <p:nvPr/>
+      </p:nvGrpSpPr>
+      <p:grpSpPr>
+        <a:xfrm>
+          <a:off x="0" y="0"/>
+          <a:ext cx="0" cy="0"/>
+          <a:chOff x="0" y="0"/>
+          <a:chExt cx="0" cy="0"/>
+        </a:xfrm>
+      </p:grpSpPr>
+      <p:sp>
+        <p:nvSpPr>
+          <p:cNvPr id="4" name="Номер слайда 3"/>
+          <p:cNvSpPr>
+            <a:spLocks noGrp="1"/>
+          </p:cNvSpPr>
+          <p:nvPr>
+            <p:ph type="sldNum" sz="quarter" idx="12"/>
+          </p:nvPr>
+        </p:nvSpPr>
+        <p:spPr/>
+        <p:txBody>
+          <a:bodyPr/>
+          <a:lstStyle/>
+          <a:p>
+            <a:fld id="{3DCB63D9-3FD3-4C3B-A045-98BC1BB0B6C2}" type="slidenum">
+              <a:rPr lang="ru-RU" smtClean="0"/>
+              <a:pPr/>
+              <a:t>14</a:t>
+            </a:fld>
+            <a:endParaRPr lang="ru-RU"/>
+          </a:p>
+        </p:txBody>
+      </p:sp>
+      <p:sp>
+        <p:nvSpPr>
+          <p:cNvPr id="5" name="Заголовок 1"/>
+          <p:cNvSpPr txBox="1">
+            <a:spLocks/>
+          </p:cNvSpPr>
+          <p:nvPr/>
+        </p:nvSpPr>
+        <p:spPr>
+          <a:xfrm>
+            <a:off x="457200" y="274638"/>
+            <a:ext cx="8229600" cy="796908"/>
+          </a:xfrm>
+          <a:prstGeom prst="rect">
+            <a:avLst/>
+          </a:prstGeom>
+        </p:spPr>
+        <p:txBody>
+          <a:bodyPr vert="horz" lIns="91440" tIns="45720" rIns="91440" bIns="45720" rtlCol="0" anchor="ctr">
+            <a:normAutofit/>
+          </a:bodyPr>
+          <a:lstStyle/>
+          <a:p>
+            <a:pPr lvl="0" algn="ctr">
+              <a:spcBef>
+                <a:spcPct val="0"/>
+              </a:spcBef>
+            </a:pPr>
+            <a:r>
+              <a:rPr lang="ru-RU" sz="3400" noProof="0" dirty="0" smtClean="0"/>
+              <a:t>Апробация работы</a:t>
+            </a:r>
+            <a:endParaRPr kumimoji="0" lang="ru-RU" sz="3400" b="0" i="0" u="none" strike="noStrike" kern="1200" cap="none" spc="0" normalizeH="0" baseline="0" noProof="0" dirty="0">
+              <a:ln>
+                <a:noFill/>
+              </a:ln>
+              <a:solidFill>
+                <a:schemeClr val="tx1"/>
+              </a:solidFill>
+              <a:effectLst/>
+              <a:uLnTx/>
+              <a:uFillTx/>
+              <a:latin typeface="+mj-lt"/>
+              <a:ea typeface="+mj-ea"/>
+              <a:cs typeface="+mj-cs"/>
+            </a:endParaRPr>
+          </a:p>
+        </p:txBody>
+      </p:sp>
+      <p:sp>
+        <p:nvSpPr>
+          <p:cNvPr id="6" name="Содержимое 2"/>
+          <p:cNvSpPr>
+            <a:spLocks noGrp="1"/>
+          </p:cNvSpPr>
+          <p:nvPr>
+            <p:ph idx="1"/>
+          </p:nvPr>
+        </p:nvSpPr>
+        <p:spPr>
+          <a:xfrm>
+            <a:off x="500034" y="1500174"/>
+            <a:ext cx="8229600" cy="2500330"/>
+          </a:xfrm>
+        </p:spPr>
+        <p:txBody>
+          <a:bodyPr>
+            <a:noAutofit/>
+          </a:bodyPr>
+          <a:lstStyle/>
+          <a:p>
+            <a:pPr marL="0" indent="0" algn="just">
+              <a:spcBef>
+                <a:spcPts val="0"/>
+              </a:spcBef>
+              <a:buNone/>
+            </a:pPr>
+            <a:r>
+              <a:rPr lang="ru-RU" sz="2400" dirty="0" smtClean="0"/>
+              <a:t>Работа была представлена на </a:t>
+            </a:r>
+            <a:r>
+              <a:rPr lang="en-US" sz="2400" dirty="0" smtClean="0"/>
+              <a:t>XIII</a:t>
+            </a:r>
+            <a:r>
+              <a:rPr lang="ru-RU" sz="2400" dirty="0" smtClean="0"/>
+              <a:t> Всероссийской научно-практической студенческой конференции «России – творческую молодежь» 20-21 апреля 2020 г. в г.Камышин</a:t>
+            </a:r>
+          </a:p>
+        </p:txBody>
+      </p:sp>
+    </p:spTree>
+  </p:cSld>
+  <p:clrMapOvr>
+    <a:masterClrMapping/>
+  </p:clrMapOvr>
+  <p:timing>
+    <p:tnLst>
+      <p:par>
+        <p:cTn id="1" dur="indefinite" restart="never" nodeType="tmRoot"/>
+      </p:par>
+    </p:tnLst>
+  </p:timing>
+</p:sld>
+</file>
+
+<file path=ppt/slides/slide2.xml><?xml version="1.0" encoding="utf-8"?>
+<p:sld xmlns:a="http://schemas.openxmlformats.org/drawingml/2006/main" xmlns:r="http://schemas.openxmlformats.org/officeDocument/2006/relationships" xmlns:p="http://schemas.openxmlformats.org/presentationml/2006/main">
+  <p:cSld>
+    <p:spTree>
+      <p:nvGrpSpPr>
+        <p:cNvPr id="1" name=""/>
+        <p:cNvGrpSpPr/>
+        <p:nvPr/>
+      </p:nvGrpSpPr>
+      <p:grpSpPr>
+        <a:xfrm>
+          <a:off x="0" y="0"/>
+          <a:ext cx="0" cy="0"/>
+          <a:chOff x="0" y="0"/>
+          <a:chExt cx="0" cy="0"/>
+        </a:xfrm>
+      </p:grpSpPr>
+      <p:sp>
+        <p:nvSpPr>
+          <p:cNvPr id="2" name="Заголовок 1"/>
+          <p:cNvSpPr>
+            <a:spLocks noGrp="1"/>
+          </p:cNvSpPr>
+          <p:nvPr>
+            <p:ph type="title"/>
+          </p:nvPr>
+        </p:nvSpPr>
+        <p:spPr>
+          <a:xfrm>
+            <a:off x="457200" y="274638"/>
+            <a:ext cx="8229600" cy="796908"/>
+          </a:xfrm>
+        </p:spPr>
+        <p:txBody>
+          <a:bodyPr>
+            <a:normAutofit/>
+          </a:bodyPr>
+          <a:lstStyle/>
+          <a:p>
+            <a:r>
+              <a:rPr lang="ru-RU" sz="3400" dirty="0" smtClean="0"/>
+              <a:t>Цель и задачи работы</a:t>
+            </a:r>
+            <a:endParaRPr lang="ru-RU" sz="3400" dirty="0"/>
+          </a:p>
+        </p:txBody>
+      </p:sp>
+      <p:sp>
+        <p:nvSpPr>
+          <p:cNvPr id="3" name="Содержимое 2"/>
+          <p:cNvSpPr>
+            <a:spLocks noGrp="1"/>
+          </p:cNvSpPr>
+          <p:nvPr>
+            <p:ph idx="1"/>
+          </p:nvPr>
+        </p:nvSpPr>
+        <p:spPr>
+          <a:xfrm>
+            <a:off x="500034" y="1071546"/>
+            <a:ext cx="8229600" cy="5786454"/>
+          </a:xfrm>
+        </p:spPr>
+        <p:txBody>
+          <a:bodyPr>
+            <a:normAutofit fontScale="55000" lnSpcReduction="20000"/>
+          </a:bodyPr>
+          <a:lstStyle/>
+          <a:p>
+            <a:pPr marL="0" indent="0">
+              <a:lnSpc>
+                <a:spcPct val="120000"/>
+              </a:lnSpc>
+              <a:spcBef>
+                <a:spcPts val="0"/>
+              </a:spcBef>
+              <a:buNone/>
+            </a:pPr>
+            <a:r>
+              <a:rPr lang="ru-RU" sz="4400" dirty="0" smtClean="0"/>
+              <a:t>Цель</a:t>
+            </a:r>
+          </a:p>
+          <a:p>
+            <a:pPr marL="0" indent="0">
+              <a:lnSpc>
+                <a:spcPct val="120000"/>
+              </a:lnSpc>
+              <a:spcBef>
+                <a:spcPts val="0"/>
+              </a:spcBef>
+              <a:buNone/>
+            </a:pPr>
+            <a:r>
+              <a:rPr lang="ru-RU" sz="3600" dirty="0" smtClean="0"/>
+              <a:t>Разработка </a:t>
+            </a:r>
+            <a:r>
+              <a:rPr lang="ru-RU" sz="3600" dirty="0"/>
+              <a:t>модуля генерации «2</a:t>
+            </a:r>
+            <a:r>
+              <a:rPr lang="en-US" sz="3600" dirty="0"/>
+              <a:t>D </a:t>
+            </a:r>
+            <a:r>
+              <a:rPr lang="ru-RU" sz="3600" dirty="0"/>
+              <a:t>прогулок</a:t>
+            </a:r>
+            <a:r>
+              <a:rPr lang="ru-RU" sz="3600" dirty="0" smtClean="0"/>
+              <a:t>» - мобильного приложения для построения и визуализации 2</a:t>
+            </a:r>
+            <a:r>
+              <a:rPr lang="en-US" sz="3600" dirty="0" smtClean="0"/>
+              <a:t>D </a:t>
+            </a:r>
+            <a:r>
+              <a:rPr lang="ru-RU" sz="3600" dirty="0" smtClean="0"/>
+              <a:t>маршрута на карте закрытого пространства</a:t>
+            </a:r>
+            <a:endParaRPr lang="ru-RU" sz="3600" dirty="0"/>
+          </a:p>
+          <a:p>
+            <a:pPr marL="0" indent="0">
+              <a:lnSpc>
+                <a:spcPct val="120000"/>
+              </a:lnSpc>
+              <a:spcBef>
+                <a:spcPts val="0"/>
+              </a:spcBef>
+              <a:buNone/>
+            </a:pPr>
+            <a:endParaRPr lang="ru-RU" dirty="0"/>
+          </a:p>
+          <a:p>
+            <a:pPr marL="0" indent="0">
+              <a:lnSpc>
+                <a:spcPct val="120000"/>
+              </a:lnSpc>
+              <a:spcBef>
+                <a:spcPts val="0"/>
+              </a:spcBef>
+              <a:buNone/>
+            </a:pPr>
+            <a:r>
+              <a:rPr lang="ru-RU" sz="4400" dirty="0" smtClean="0"/>
+              <a:t>Задачи</a:t>
+            </a:r>
+          </a:p>
+          <a:p>
+            <a:pPr marL="0" indent="0">
+              <a:lnSpc>
+                <a:spcPct val="120000"/>
+              </a:lnSpc>
+              <a:spcBef>
+                <a:spcPts val="0"/>
+              </a:spcBef>
+              <a:buFont typeface="+mj-lt"/>
+              <a:buAutoNum type="arabicPeriod"/>
+            </a:pPr>
+            <a:r>
+              <a:rPr lang="ru-RU" sz="3600" dirty="0" smtClean="0"/>
+              <a:t> Анализ способов генерации 2</a:t>
+            </a:r>
+            <a:r>
+              <a:rPr lang="en-US" sz="3600" dirty="0" smtClean="0"/>
+              <a:t>D </a:t>
+            </a:r>
+            <a:r>
+              <a:rPr lang="ru-RU" sz="3600" dirty="0" smtClean="0"/>
+              <a:t>маршрута на карте закрытого пространства</a:t>
+            </a:r>
+          </a:p>
+          <a:p>
+            <a:pPr marL="0" indent="0">
+              <a:lnSpc>
+                <a:spcPct val="120000"/>
+              </a:lnSpc>
+              <a:spcBef>
+                <a:spcPts val="0"/>
+              </a:spcBef>
+              <a:buFont typeface="+mj-lt"/>
+              <a:buAutoNum type="arabicPeriod"/>
+            </a:pPr>
+            <a:r>
+              <a:rPr lang="ru-RU" sz="3600" dirty="0" smtClean="0"/>
+              <a:t> Разработка алгоритмов генерации 2</a:t>
+            </a:r>
+            <a:r>
+              <a:rPr lang="en-US" sz="3600" dirty="0" smtClean="0"/>
+              <a:t>D </a:t>
+            </a:r>
+            <a:r>
+              <a:rPr lang="ru-RU" sz="3600" dirty="0" smtClean="0"/>
+              <a:t>маршрута</a:t>
+            </a:r>
+          </a:p>
+          <a:p>
+            <a:pPr marL="0" indent="0">
+              <a:lnSpc>
+                <a:spcPct val="120000"/>
+              </a:lnSpc>
+              <a:spcBef>
+                <a:spcPts val="0"/>
+              </a:spcBef>
+              <a:buFont typeface="+mj-lt"/>
+              <a:buAutoNum type="arabicPeriod"/>
+            </a:pPr>
+            <a:r>
+              <a:rPr lang="ru-RU" sz="3600" dirty="0" smtClean="0"/>
+              <a:t> Проектирование модуля генерации «2</a:t>
+            </a:r>
+            <a:r>
+              <a:rPr lang="en-US" sz="3600" dirty="0" smtClean="0"/>
+              <a:t>D </a:t>
+            </a:r>
+            <a:r>
+              <a:rPr lang="ru-RU" sz="3600" dirty="0" smtClean="0"/>
+              <a:t>прогулок»</a:t>
+            </a:r>
+          </a:p>
+          <a:p>
+            <a:pPr marL="0" indent="0">
+              <a:lnSpc>
+                <a:spcPct val="120000"/>
+              </a:lnSpc>
+              <a:spcBef>
+                <a:spcPts val="0"/>
+              </a:spcBef>
+              <a:buFont typeface="+mj-lt"/>
+              <a:buAutoNum type="arabicPeriod"/>
+            </a:pPr>
+            <a:r>
+              <a:rPr lang="ru-RU" sz="3600" dirty="0" smtClean="0"/>
+              <a:t> Реализация и тестирование модуля генерации «2</a:t>
+            </a:r>
+            <a:r>
+              <a:rPr lang="en-US" sz="3600" dirty="0" smtClean="0"/>
+              <a:t>D </a:t>
+            </a:r>
+            <a:r>
+              <a:rPr lang="ru-RU" sz="3600" dirty="0" smtClean="0"/>
+              <a:t>прогулок»</a:t>
+            </a:r>
+          </a:p>
+          <a:p>
+            <a:pPr marL="0" indent="0">
+              <a:lnSpc>
+                <a:spcPct val="120000"/>
+              </a:lnSpc>
+              <a:spcBef>
+                <a:spcPts val="0"/>
+              </a:spcBef>
+              <a:buNone/>
+            </a:pPr>
+            <a:endParaRPr lang="ru-RU" dirty="0"/>
+          </a:p>
+          <a:p>
+            <a:pPr marL="0" indent="0">
+              <a:lnSpc>
+                <a:spcPct val="120000"/>
+              </a:lnSpc>
+              <a:spcBef>
+                <a:spcPts val="0"/>
+              </a:spcBef>
+              <a:buNone/>
+            </a:pPr>
+            <a:r>
+              <a:rPr lang="ru-RU" sz="4400" dirty="0" smtClean="0"/>
+              <a:t>Социальная значимость</a:t>
+            </a:r>
+          </a:p>
+          <a:p>
+            <a:pPr marL="0" indent="0">
+              <a:lnSpc>
+                <a:spcPct val="120000"/>
+              </a:lnSpc>
+              <a:spcBef>
+                <a:spcPts val="0"/>
+              </a:spcBef>
+              <a:buNone/>
+            </a:pPr>
+            <a:r>
+              <a:rPr lang="ru-RU" sz="3600" dirty="0" smtClean="0"/>
+              <a:t>Поддержка людей с интеллектуальными ограничениями </a:t>
+            </a:r>
+            <a:r>
+              <a:rPr lang="ru-RU" sz="3600" dirty="0"/>
+              <a:t>(</a:t>
+            </a:r>
+            <a:r>
+              <a:rPr lang="en-US" sz="3600" dirty="0"/>
+              <a:t>People with Intellectual Disabilities</a:t>
+            </a:r>
+            <a:r>
+              <a:rPr lang="ru-RU" sz="3600" dirty="0"/>
+              <a:t>, </a:t>
+            </a:r>
+            <a:r>
+              <a:rPr lang="en-US" sz="3600" dirty="0"/>
+              <a:t>PID</a:t>
+            </a:r>
+            <a:r>
+              <a:rPr lang="ru-RU" sz="3600" dirty="0"/>
+              <a:t>) </a:t>
+            </a:r>
+            <a:r>
+              <a:rPr lang="ru-RU" sz="3600" dirty="0" smtClean="0"/>
+              <a:t> в самостоятельном выполнении повседневных действий - важный аспект их интеграции </a:t>
+            </a:r>
+            <a:r>
+              <a:rPr lang="ru-RU" sz="3600" dirty="0"/>
+              <a:t>в </a:t>
+            </a:r>
+            <a:r>
+              <a:rPr lang="ru-RU" sz="3600" dirty="0" smtClean="0"/>
+              <a:t>общество</a:t>
+            </a:r>
+            <a:endParaRPr lang="ru-RU" sz="3600" dirty="0"/>
+          </a:p>
+        </p:txBody>
+      </p:sp>
+      <p:sp>
+        <p:nvSpPr>
+          <p:cNvPr id="4" name="Номер слайда 3"/>
+          <p:cNvSpPr>
+            <a:spLocks noGrp="1"/>
+          </p:cNvSpPr>
+          <p:nvPr>
+            <p:ph type="sldNum" sz="quarter" idx="12"/>
+          </p:nvPr>
+        </p:nvSpPr>
+        <p:spPr/>
+        <p:txBody>
+          <a:bodyPr/>
+          <a:lstStyle/>
+          <a:p>
+            <a:fld id="{32094B8D-5F4E-4EC7-B306-AEABBF2C9E33}" type="slidenum">
+              <a:rPr lang="ru-RU" smtClean="0"/>
+              <a:pPr/>
+              <a:t>2</a:t>
+            </a:fld>
+            <a:endParaRPr lang="ru-RU"/>
+          </a:p>
+        </p:txBody>
+      </p:sp>
+    </p:spTree>
+  </p:cSld>
+  <p:clrMapOvr>
+    <a:masterClrMapping/>
+  </p:clrMapOvr>
+</p:sld>
+</file>
+
+<file path=ppt/slides/slide3.xml><?xml version="1.0" encoding="utf-8"?>
+<p:sld xmlns:a="http://schemas.openxmlformats.org/drawingml/2006/main" xmlns:r="http://schemas.openxmlformats.org/officeDocument/2006/relationships" xmlns:p="http://schemas.openxmlformats.org/presentationml/2006/main">
+  <p:cSld>
+    <p:spTree>
+      <p:nvGrpSpPr>
+        <p:cNvPr id="1" name=""/>
+        <p:cNvGrpSpPr/>
+        <p:nvPr/>
+      </p:nvGrpSpPr>
+      <p:grpSpPr>
+        <a:xfrm>
+          <a:off x="0" y="0"/>
+          <a:ext cx="0" cy="0"/>
+          <a:chOff x="0" y="0"/>
+          <a:chExt cx="0" cy="0"/>
+        </a:xfrm>
+      </p:grpSpPr>
+      <p:sp>
+        <p:nvSpPr>
+          <p:cNvPr id="2" name="Заголовок 1"/>
+          <p:cNvSpPr>
+            <a:spLocks noGrp="1"/>
+          </p:cNvSpPr>
+          <p:nvPr>
+            <p:ph type="title"/>
+          </p:nvPr>
+        </p:nvSpPr>
+        <p:spPr>
+          <a:xfrm>
+            <a:off x="457200" y="274638"/>
+            <a:ext cx="8229600" cy="796908"/>
+          </a:xfrm>
+        </p:spPr>
+        <p:txBody>
+          <a:bodyPr>
+            <a:normAutofit/>
+          </a:bodyPr>
+          <a:lstStyle/>
+          <a:p>
+            <a:r>
+              <a:rPr lang="ru-RU" sz="3400" dirty="0" smtClean="0"/>
+              <a:t>Постановка задачи</a:t>
+            </a:r>
+            <a:endParaRPr lang="ru-RU" sz="3400" dirty="0"/>
+          </a:p>
+        </p:txBody>
+      </p:sp>
+      <p:sp>
+        <p:nvSpPr>
+          <p:cNvPr id="3" name="Содержимое 2"/>
+          <p:cNvSpPr>
+            <a:spLocks noGrp="1"/>
+          </p:cNvSpPr>
+          <p:nvPr>
+            <p:ph idx="1"/>
+          </p:nvPr>
+        </p:nvSpPr>
+        <p:spPr>
+          <a:xfrm>
+            <a:off x="500034" y="1071546"/>
+            <a:ext cx="8229600" cy="5572164"/>
+          </a:xfrm>
+        </p:spPr>
+        <p:txBody>
+          <a:bodyPr>
+            <a:noAutofit/>
+          </a:bodyPr>
+          <a:lstStyle/>
+          <a:p>
+            <a:pPr marL="0" indent="0" algn="just">
+              <a:spcBef>
+                <a:spcPts val="0"/>
+              </a:spcBef>
+              <a:buNone/>
+            </a:pPr>
+            <a:r>
+              <a:rPr lang="ru-RU" sz="1950" dirty="0" smtClean="0"/>
+              <a:t>«2</a:t>
+            </a:r>
+            <a:r>
+              <a:rPr lang="en-US" sz="1950" dirty="0" smtClean="0"/>
+              <a:t>D</a:t>
+            </a:r>
+            <a:r>
+              <a:rPr lang="ru-RU" sz="1950" dirty="0" smtClean="0"/>
+              <a:t> прогулка» («2</a:t>
+            </a:r>
+            <a:r>
+              <a:rPr lang="en-US" sz="1950" dirty="0" smtClean="0"/>
+              <a:t>D walkthrough</a:t>
+            </a:r>
+            <a:r>
+              <a:rPr lang="ru-RU" sz="1950" dirty="0" smtClean="0"/>
+              <a:t>») – это 2</a:t>
+            </a:r>
+            <a:r>
+              <a:rPr lang="en-US" sz="1950" dirty="0" smtClean="0"/>
+              <a:t>D</a:t>
+            </a:r>
+            <a:r>
+              <a:rPr lang="ru-RU" sz="1950" dirty="0" smtClean="0"/>
+              <a:t> маршрут на карте закрытого пространства.</a:t>
+            </a:r>
+          </a:p>
+          <a:p>
+            <a:pPr marL="0" indent="0" algn="just">
+              <a:spcBef>
+                <a:spcPts val="0"/>
+              </a:spcBef>
+              <a:buNone/>
+            </a:pPr>
+            <a:endParaRPr lang="ru-RU" sz="1950" dirty="0" smtClean="0"/>
+          </a:p>
+          <a:p>
+            <a:pPr marL="0" indent="0">
+              <a:spcBef>
+                <a:spcPts val="0"/>
+              </a:spcBef>
+              <a:buNone/>
+            </a:pPr>
+            <a:r>
+              <a:rPr lang="ru-RU" sz="1950" dirty="0" smtClean="0"/>
+              <a:t>Этапы генерации 2</a:t>
+            </a:r>
+            <a:r>
+              <a:rPr lang="en-US" sz="1950" dirty="0" smtClean="0"/>
+              <a:t>D</a:t>
+            </a:r>
+            <a:r>
+              <a:rPr lang="ru-RU" sz="1950" dirty="0" smtClean="0"/>
+              <a:t> маршрута:</a:t>
+            </a:r>
+          </a:p>
+          <a:p>
+            <a:pPr marL="0" lvl="0" indent="0">
+              <a:lnSpc>
+                <a:spcPct val="114000"/>
+              </a:lnSpc>
+              <a:spcBef>
+                <a:spcPts val="0"/>
+              </a:spcBef>
+              <a:buFont typeface="+mj-lt"/>
+              <a:buAutoNum type="arabicParenR"/>
+            </a:pPr>
+            <a:r>
+              <a:rPr lang="ru-RU" sz="1950" dirty="0" smtClean="0"/>
+              <a:t> отображение карты закрытого пространства;</a:t>
+            </a:r>
+          </a:p>
+          <a:p>
+            <a:pPr marL="0" lvl="0" indent="0">
+              <a:lnSpc>
+                <a:spcPct val="114000"/>
+              </a:lnSpc>
+              <a:spcBef>
+                <a:spcPts val="0"/>
+              </a:spcBef>
+              <a:buFont typeface="+mj-lt"/>
+              <a:buAutoNum type="arabicParenR"/>
+            </a:pPr>
+            <a:r>
+              <a:rPr lang="ru-RU" sz="1950" dirty="0" smtClean="0"/>
+              <a:t> построение маршрута через две и более заданные на карте точки;</a:t>
+            </a:r>
+          </a:p>
+          <a:p>
+            <a:pPr marL="0" lvl="0" indent="0">
+              <a:lnSpc>
+                <a:spcPct val="114000"/>
+              </a:lnSpc>
+              <a:spcBef>
+                <a:spcPts val="0"/>
+              </a:spcBef>
+              <a:buFont typeface="+mj-lt"/>
+              <a:buAutoNum type="arabicParenR"/>
+            </a:pPr>
+            <a:r>
+              <a:rPr lang="ru-RU" sz="1950" dirty="0" smtClean="0"/>
+              <a:t> изображение маршрута на карте пространства;</a:t>
+            </a:r>
+          </a:p>
+          <a:p>
+            <a:pPr marL="0" lvl="0" indent="0">
+              <a:lnSpc>
+                <a:spcPct val="114000"/>
+              </a:lnSpc>
+              <a:spcBef>
+                <a:spcPts val="0"/>
+              </a:spcBef>
+              <a:buFont typeface="+mj-lt"/>
+              <a:buAutoNum type="arabicParenR"/>
+            </a:pPr>
+            <a:r>
+              <a:rPr lang="ru-RU" sz="1950" dirty="0" smtClean="0"/>
+              <a:t> моделирование прохождения маршрута.</a:t>
+            </a:r>
+          </a:p>
+          <a:p>
+            <a:pPr marL="0" lvl="0" indent="0">
+              <a:spcBef>
+                <a:spcPts val="0"/>
+              </a:spcBef>
+              <a:buNone/>
+            </a:pPr>
+            <a:endParaRPr lang="ru-RU" sz="1950" dirty="0" smtClean="0"/>
+          </a:p>
+          <a:p>
+            <a:pPr marL="0" lvl="0" indent="0">
+              <a:spcBef>
+                <a:spcPts val="0"/>
+              </a:spcBef>
+              <a:buNone/>
+            </a:pPr>
+            <a:r>
+              <a:rPr lang="ru-RU" sz="1950" dirty="0" smtClean="0"/>
+              <a:t>Процесс построения маршрута:</a:t>
+            </a:r>
+            <a:endParaRPr lang="ru-RU" sz="1950" dirty="0"/>
+          </a:p>
+          <a:p>
+            <a:pPr marL="0" indent="0">
+              <a:lnSpc>
+                <a:spcPct val="114000"/>
+              </a:lnSpc>
+              <a:spcBef>
+                <a:spcPts val="0"/>
+              </a:spcBef>
+              <a:buFont typeface="+mj-lt"/>
+              <a:buAutoNum type="arabicParenR"/>
+            </a:pPr>
+            <a:r>
+              <a:rPr lang="ru-RU" sz="1950" dirty="0" smtClean="0"/>
+              <a:t> формализовать пространство в виде графа на основании анализа способов представления пространства;</a:t>
+            </a:r>
+          </a:p>
+          <a:p>
+            <a:pPr marL="0" indent="0">
+              <a:lnSpc>
+                <a:spcPct val="114000"/>
+              </a:lnSpc>
+              <a:spcBef>
+                <a:spcPts val="0"/>
+              </a:spcBef>
+              <a:buFont typeface="+mj-lt"/>
+              <a:buAutoNum type="arabicParenR"/>
+            </a:pPr>
+            <a:r>
+              <a:rPr lang="ru-RU" sz="1950" dirty="0" smtClean="0"/>
+              <a:t> задать список вершин, через которые должен проходить маршрут;</a:t>
+            </a:r>
+          </a:p>
+          <a:p>
+            <a:pPr marL="0" indent="0">
+              <a:lnSpc>
+                <a:spcPct val="114000"/>
+              </a:lnSpc>
+              <a:spcBef>
+                <a:spcPts val="0"/>
+              </a:spcBef>
+              <a:buFont typeface="+mj-lt"/>
+              <a:buAutoNum type="arabicParenR"/>
+            </a:pPr>
+            <a:r>
+              <a:rPr lang="ru-RU" sz="1950" dirty="0" smtClean="0"/>
+              <a:t> найти путь между каждой парой заданных вершин с использованием алгоритмов нахождения пути на графе;</a:t>
+            </a:r>
+          </a:p>
+          <a:p>
+            <a:pPr marL="0" indent="0">
+              <a:lnSpc>
+                <a:spcPct val="114000"/>
+              </a:lnSpc>
+              <a:spcBef>
+                <a:spcPts val="0"/>
+              </a:spcBef>
+              <a:buFont typeface="+mj-lt"/>
+              <a:buAutoNum type="arabicParenR"/>
+            </a:pPr>
+            <a:r>
+              <a:rPr lang="ru-RU" sz="1950" dirty="0" smtClean="0"/>
+              <a:t> найти путь обхода вершин с использованием алгоритмов решения задачи коммивояжера.</a:t>
+            </a:r>
+          </a:p>
+        </p:txBody>
+      </p:sp>
+      <p:sp>
+        <p:nvSpPr>
+          <p:cNvPr id="4" name="Номер слайда 3"/>
+          <p:cNvSpPr>
+            <a:spLocks noGrp="1"/>
+          </p:cNvSpPr>
+          <p:nvPr>
+            <p:ph type="sldNum" sz="quarter" idx="12"/>
+          </p:nvPr>
+        </p:nvSpPr>
+        <p:spPr/>
+        <p:txBody>
+          <a:bodyPr/>
+          <a:lstStyle/>
+          <a:p>
+            <a:fld id="{32094B8D-5F4E-4EC7-B306-AEABBF2C9E33}" type="slidenum">
+              <a:rPr lang="ru-RU" smtClean="0"/>
+              <a:pPr/>
+              <a:t>3</a:t>
+            </a:fld>
+            <a:endParaRPr lang="ru-RU"/>
+          </a:p>
+        </p:txBody>
+      </p:sp>
+    </p:spTree>
+  </p:cSld>
+  <p:clrMapOvr>
+    <a:masterClrMapping/>
+  </p:clrMapOvr>
+</p:sld>
+</file>
+
+<file path=ppt/slides/slide4.xml><?xml version="1.0" encoding="utf-8"?>
+<p:sld xmlns:a="http://schemas.openxmlformats.org/drawingml/2006/main" xmlns:r="http://schemas.openxmlformats.org/officeDocument/2006/relationships" xmlns:p="http://schemas.openxmlformats.org/presentationml/2006/main">
+  <p:cSld>
+    <p:spTree>
+      <p:nvGrpSpPr>
+        <p:cNvPr id="1" name=""/>
+        <p:cNvGrpSpPr/>
+        <p:nvPr/>
+      </p:nvGrpSpPr>
+      <p:grpSpPr>
+        <a:xfrm>
+          <a:off x="0" y="0"/>
+          <a:ext cx="0" cy="0"/>
+          <a:chOff x="0" y="0"/>
+          <a:chExt cx="0" cy="0"/>
+        </a:xfrm>
+      </p:grpSpPr>
+      <p:sp>
+        <p:nvSpPr>
+          <p:cNvPr id="2" name="Заголовок 1"/>
+          <p:cNvSpPr>
+            <a:spLocks noGrp="1"/>
+          </p:cNvSpPr>
+          <p:nvPr>
+            <p:ph type="title"/>
+          </p:nvPr>
+        </p:nvSpPr>
+        <p:spPr>
+          <a:xfrm>
+            <a:off x="457200" y="274638"/>
+            <a:ext cx="8229600" cy="1154098"/>
+          </a:xfrm>
+        </p:spPr>
+        <p:txBody>
+          <a:bodyPr>
+            <a:normAutofit/>
+          </a:bodyPr>
+          <a:lstStyle/>
+          <a:p>
+            <a:r>
+              <a:rPr lang="ru-RU" sz="3400" dirty="0" smtClean="0"/>
+              <a:t>Анализ </a:t>
+            </a:r>
+            <a:r>
+              <a:rPr lang="ru-RU" sz="3400" dirty="0" smtClean="0"/>
+              <a:t>программных решений по навигации в закрытом пространстве</a:t>
+            </a:r>
+            <a:endParaRPr lang="ru-RU" sz="3400" dirty="0"/>
+          </a:p>
+        </p:txBody>
+      </p:sp>
+      <p:sp>
+        <p:nvSpPr>
+          <p:cNvPr id="10" name="Номер слайда 9"/>
+          <p:cNvSpPr>
+            <a:spLocks noGrp="1"/>
+          </p:cNvSpPr>
+          <p:nvPr>
+            <p:ph type="sldNum" sz="quarter" idx="12"/>
+          </p:nvPr>
+        </p:nvSpPr>
+        <p:spPr>
+          <a:xfrm>
+            <a:off x="6500826" y="6492875"/>
+            <a:ext cx="2133600" cy="365125"/>
+          </a:xfrm>
+        </p:spPr>
+        <p:txBody>
+          <a:bodyPr/>
+          <a:lstStyle/>
+          <a:p>
+            <a:fld id="{3DCB63D9-3FD3-4C3B-A045-98BC1BB0B6C2}" type="slidenum">
+              <a:rPr lang="ru-RU" smtClean="0"/>
+              <a:pPr/>
+              <a:t>4</a:t>
+            </a:fld>
+            <a:endParaRPr lang="ru-RU"/>
+          </a:p>
+        </p:txBody>
+      </p:sp>
+      <p:pic>
+        <p:nvPicPr>
+          <p:cNvPr id="7" name="Рисунок 6" descr="https://sun9-71.userapi.com/c857532/v857532071/1ea09a/vdv29Bz-QYY.jpg"/>
+          <p:cNvPicPr/>
+          <p:nvPr/>
+        </p:nvPicPr>
+        <p:blipFill>
+          <a:blip r:embed="rId3" cstate="print"/>
+          <a:srcRect/>
+          <a:stretch>
+            <a:fillRect/>
+          </a:stretch>
+        </p:blipFill>
+        <p:spPr bwMode="auto">
+          <a:xfrm>
+            <a:off x="928662" y="1785926"/>
+            <a:ext cx="2081846" cy="3705225"/>
+          </a:xfrm>
+          <a:prstGeom prst="rect">
+            <a:avLst/>
+          </a:prstGeom>
+          <a:noFill/>
+          <a:ln w="9525">
+            <a:noFill/>
+            <a:miter lim="800000"/>
+            <a:headEnd/>
+            <a:tailEnd/>
+          </a:ln>
+        </p:spPr>
+      </p:pic>
+      <p:pic>
+        <p:nvPicPr>
+          <p:cNvPr id="8" name="Рисунок 7" descr="https://sun9-35.userapi.com/c855624/v855624015/22ba72/dlB3VU5GEf0.jpg"/>
+          <p:cNvPicPr/>
+          <p:nvPr/>
+        </p:nvPicPr>
+        <p:blipFill>
+          <a:blip r:embed="rId4" cstate="print"/>
+          <a:srcRect/>
+          <a:stretch>
+            <a:fillRect/>
+          </a:stretch>
+        </p:blipFill>
+        <p:spPr bwMode="auto">
+          <a:xfrm>
+            <a:off x="3500430" y="1785926"/>
+            <a:ext cx="2071702" cy="3714776"/>
+          </a:xfrm>
+          <a:prstGeom prst="rect">
+            <a:avLst/>
+          </a:prstGeom>
+          <a:noFill/>
+          <a:ln w="9525">
+            <a:noFill/>
+            <a:miter lim="800000"/>
+            <a:headEnd/>
+            <a:tailEnd/>
+          </a:ln>
+        </p:spPr>
+      </p:pic>
+      <p:pic>
+        <p:nvPicPr>
+          <p:cNvPr id="9" name="Рисунок 8" descr="https://sun9-50.userapi.com/c858032/v858032173/1e9167/rWIRU-65ukc.jpg"/>
+          <p:cNvPicPr/>
+          <p:nvPr/>
+        </p:nvPicPr>
+        <p:blipFill>
+          <a:blip r:embed="rId5" cstate="print"/>
+          <a:srcRect/>
+          <a:stretch>
+            <a:fillRect/>
+          </a:stretch>
+        </p:blipFill>
+        <p:spPr bwMode="auto">
+          <a:xfrm>
+            <a:off x="6069824" y="1857364"/>
+            <a:ext cx="2076450" cy="3691467"/>
+          </a:xfrm>
+          <a:prstGeom prst="rect">
+            <a:avLst/>
+          </a:prstGeom>
+          <a:noFill/>
+          <a:ln w="9525">
+            <a:noFill/>
+            <a:miter lim="800000"/>
+            <a:headEnd/>
+            <a:tailEnd/>
+          </a:ln>
+        </p:spPr>
+      </p:pic>
+      <p:sp>
+        <p:nvSpPr>
+          <p:cNvPr id="11" name="Содержимое 2"/>
+          <p:cNvSpPr txBox="1">
+            <a:spLocks/>
+          </p:cNvSpPr>
+          <p:nvPr/>
+        </p:nvSpPr>
+        <p:spPr>
+          <a:xfrm>
+            <a:off x="719420" y="5694769"/>
+            <a:ext cx="2500330" cy="542915"/>
+          </a:xfrm>
+          <a:prstGeom prst="rect">
+            <a:avLst/>
+          </a:prstGeom>
+        </p:spPr>
+        <p:txBody>
+          <a:bodyPr vert="horz" lIns="91440" tIns="45720" rIns="91440" bIns="45720" rtlCol="0">
+            <a:normAutofit fontScale="70000" lnSpcReduction="20000"/>
+          </a:bodyPr>
+          <a:lstStyle/>
+          <a:p>
+            <a:pPr marR="0" lvl="0" algn="ctr" defTabSz="914400" rtl="0" eaLnBrk="1" fontAlgn="auto" latinLnBrk="0" hangingPunct="1">
+              <a:lnSpc>
+                <a:spcPct val="100000"/>
+              </a:lnSpc>
+              <a:spcAft>
+                <a:spcPts val="0"/>
+              </a:spcAft>
+              <a:buClrTx/>
+              <a:buSzTx/>
+              <a:buFont typeface="Arial" pitchFamily="34" charset="0"/>
+              <a:buNone/>
+              <a:tabLst/>
+              <a:defRPr/>
+            </a:pPr>
+            <a:r>
+              <a:rPr lang="ru-RU" sz="2400" dirty="0" smtClean="0"/>
+              <a:t>Мобильный гид по Музею А.С.Пушкина</a:t>
+            </a:r>
+            <a:endParaRPr kumimoji="0" lang="ru-RU" sz="2400" b="0" i="0" u="none" strike="noStrike" kern="1200" cap="none" spc="0" normalizeH="0" baseline="0" noProof="0" dirty="0" smtClean="0">
+              <a:ln>
+                <a:noFill/>
+              </a:ln>
+              <a:solidFill>
+                <a:schemeClr val="tx1"/>
+              </a:solidFill>
+              <a:effectLst/>
+              <a:uLnTx/>
+              <a:uFillTx/>
+              <a:latin typeface="+mn-lt"/>
+              <a:ea typeface="+mn-ea"/>
+              <a:cs typeface="+mn-cs"/>
+            </a:endParaRPr>
+          </a:p>
+        </p:txBody>
+      </p:sp>
+      <p:sp>
+        <p:nvSpPr>
+          <p:cNvPr id="12" name="Содержимое 2"/>
+          <p:cNvSpPr txBox="1">
+            <a:spLocks/>
+          </p:cNvSpPr>
+          <p:nvPr/>
+        </p:nvSpPr>
+        <p:spPr>
+          <a:xfrm>
+            <a:off x="3286116" y="5694769"/>
+            <a:ext cx="2500330" cy="542915"/>
+          </a:xfrm>
+          <a:prstGeom prst="rect">
+            <a:avLst/>
+          </a:prstGeom>
+        </p:spPr>
+        <p:txBody>
+          <a:bodyPr vert="horz" lIns="91440" tIns="45720" rIns="91440" bIns="45720" rtlCol="0">
+            <a:normAutofit fontScale="70000" lnSpcReduction="20000"/>
+          </a:bodyPr>
+          <a:lstStyle/>
+          <a:p>
+            <a:pPr marR="0" lvl="0" algn="ctr" defTabSz="914400" rtl="0" eaLnBrk="1" fontAlgn="auto" latinLnBrk="0" hangingPunct="1">
+              <a:lnSpc>
+                <a:spcPct val="100000"/>
+              </a:lnSpc>
+              <a:spcAft>
+                <a:spcPts val="0"/>
+              </a:spcAft>
+              <a:buClrTx/>
+              <a:buSzTx/>
+              <a:buFont typeface="Arial" pitchFamily="34" charset="0"/>
+              <a:buNone/>
+              <a:tabLst/>
+              <a:defRPr/>
+            </a:pPr>
+            <a:r>
+              <a:rPr lang="ru-RU" sz="2400" dirty="0" smtClean="0"/>
+              <a:t>Мобильное приложение «</a:t>
+            </a:r>
+            <a:r>
+              <a:rPr lang="en-US" sz="2400" dirty="0" smtClean="0"/>
+              <a:t>Shopping Guide</a:t>
+            </a:r>
+            <a:r>
+              <a:rPr lang="ru-RU" sz="2400" dirty="0" smtClean="0"/>
+              <a:t>»</a:t>
+            </a:r>
+            <a:endParaRPr kumimoji="0" lang="ru-RU" sz="2400" b="0" i="0" u="none" strike="noStrike" kern="1200" cap="none" spc="0" normalizeH="0" baseline="0" noProof="0" dirty="0" smtClean="0">
+              <a:ln>
+                <a:noFill/>
+              </a:ln>
+              <a:solidFill>
+                <a:schemeClr val="tx1"/>
+              </a:solidFill>
+              <a:effectLst/>
+              <a:uLnTx/>
+              <a:uFillTx/>
+              <a:latin typeface="+mn-lt"/>
+              <a:ea typeface="+mn-ea"/>
+              <a:cs typeface="+mn-cs"/>
+            </a:endParaRPr>
+          </a:p>
+        </p:txBody>
+      </p:sp>
+      <p:pic>
+        <p:nvPicPr>
+          <p:cNvPr id="14" name="Рисунок 13" descr="https://sun9-50.userapi.com/c858032/v858032173/1e9167/rWIRU-65ukc.jpg"/>
+          <p:cNvPicPr/>
+          <p:nvPr/>
+        </p:nvPicPr>
+        <p:blipFill>
+          <a:blip r:embed="rId5" cstate="print"/>
+          <a:srcRect/>
+          <a:stretch>
+            <a:fillRect/>
+          </a:stretch>
+        </p:blipFill>
+        <p:spPr bwMode="auto">
+          <a:xfrm>
+            <a:off x="6072198" y="1785926"/>
+            <a:ext cx="2076450" cy="3691467"/>
+          </a:xfrm>
+          <a:prstGeom prst="rect">
+            <a:avLst/>
+          </a:prstGeom>
+          <a:noFill/>
+          <a:ln w="9525">
+            <a:noFill/>
+            <a:miter lim="800000"/>
+            <a:headEnd/>
+            <a:tailEnd/>
+          </a:ln>
+        </p:spPr>
+      </p:pic>
+      <p:sp>
+        <p:nvSpPr>
+          <p:cNvPr id="15" name="Содержимое 2"/>
+          <p:cNvSpPr txBox="1">
+            <a:spLocks/>
+          </p:cNvSpPr>
+          <p:nvPr/>
+        </p:nvSpPr>
+        <p:spPr>
+          <a:xfrm>
+            <a:off x="5860258" y="5694769"/>
+            <a:ext cx="2500330" cy="542915"/>
+          </a:xfrm>
+          <a:prstGeom prst="rect">
+            <a:avLst/>
+          </a:prstGeom>
+        </p:spPr>
+        <p:txBody>
+          <a:bodyPr vert="horz" lIns="91440" tIns="45720" rIns="91440" bIns="45720" rtlCol="0">
+            <a:normAutofit fontScale="70000" lnSpcReduction="20000"/>
+          </a:bodyPr>
+          <a:lstStyle/>
+          <a:p>
+            <a:pPr lvl="0" algn="ctr">
+              <a:defRPr/>
+            </a:pPr>
+            <a:r>
+              <a:rPr lang="ru-RU" sz="2400" dirty="0" smtClean="0"/>
+              <a:t>Мобильное приложение </a:t>
+            </a:r>
+            <a:r>
+              <a:rPr lang="ru-RU" sz="2400" dirty="0" smtClean="0"/>
+              <a:t>«</a:t>
+            </a:r>
+            <a:r>
+              <a:rPr lang="en-US" sz="2400" dirty="0" err="1" smtClean="0"/>
+              <a:t>NaviMail</a:t>
+            </a:r>
+            <a:r>
+              <a:rPr lang="ru-RU" sz="2400" dirty="0" smtClean="0"/>
+              <a:t>»</a:t>
+            </a:r>
+            <a:endParaRPr lang="ru-RU" sz="2400" dirty="0" smtClean="0"/>
+          </a:p>
+        </p:txBody>
+      </p:sp>
+    </p:spTree>
+  </p:cSld>
+  <p:clrMapOvr>
+    <a:masterClrMapping/>
+  </p:clrMapOvr>
+  <p:timing>
+    <p:tnLst>
+      <p:par>
+        <p:cTn id="1" dur="indefinite" restart="never" nodeType="tmRoot"/>
+      </p:par>
+    </p:tnLst>
+  </p:timing>
+</p:sld>
+</file>
+
+<file path=ppt/slides/slide5.xml><?xml version="1.0" encoding="utf-8"?>
+<p:sld xmlns:a="http://schemas.openxmlformats.org/drawingml/2006/main" xmlns:r="http://schemas.openxmlformats.org/officeDocument/2006/relationships" xmlns:p="http://schemas.openxmlformats.org/presentationml/2006/main">
+  <p:cSld>
+    <p:spTree>
+      <p:nvGrpSpPr>
+        <p:cNvPr id="1" name=""/>
+        <p:cNvGrpSpPr/>
+        <p:nvPr/>
+      </p:nvGrpSpPr>
+      <p:grpSpPr>
+        <a:xfrm>
+          <a:off x="0" y="0"/>
+          <a:ext cx="0" cy="0"/>
+          <a:chOff x="0" y="0"/>
+          <a:chExt cx="0" cy="0"/>
+        </a:xfrm>
+      </p:grpSpPr>
+      <p:sp>
+        <p:nvSpPr>
+          <p:cNvPr id="2" name="Заголовок 1"/>
+          <p:cNvSpPr>
+            <a:spLocks noGrp="1"/>
+          </p:cNvSpPr>
+          <p:nvPr>
+            <p:ph type="title"/>
+          </p:nvPr>
+        </p:nvSpPr>
+        <p:spPr>
+          <a:xfrm>
+            <a:off x="214282" y="274638"/>
+            <a:ext cx="8715436" cy="1154098"/>
+          </a:xfrm>
+        </p:spPr>
+        <p:txBody>
+          <a:bodyPr>
+            <a:noAutofit/>
+          </a:bodyPr>
+          <a:lstStyle/>
+          <a:p>
+            <a:r>
+              <a:rPr lang="ru-RU" sz="3400" dirty="0" smtClean="0"/>
+              <a:t>Анализ программных решений по навигации в закрытом </a:t>
+            </a:r>
+            <a:r>
+              <a:rPr lang="ru-RU" sz="3400" dirty="0" smtClean="0"/>
+              <a:t>пространстве (продолжение)</a:t>
+            </a:r>
+            <a:endParaRPr lang="ru-RU" sz="3400" dirty="0"/>
+          </a:p>
+        </p:txBody>
+      </p:sp>
+      <p:graphicFrame>
+        <p:nvGraphicFramePr>
+          <p:cNvPr id="6" name="Содержимое 5"/>
+          <p:cNvGraphicFramePr>
+            <a:graphicFrameLocks noGrp="1"/>
+          </p:cNvGraphicFramePr>
+          <p:nvPr>
+            <p:ph idx="1"/>
+          </p:nvPr>
+        </p:nvGraphicFramePr>
+        <p:xfrm>
+          <a:off x="571472" y="1571612"/>
+          <a:ext cx="8143931" cy="4743449"/>
+        </p:xfrm>
+        <a:graphic>
+          <a:graphicData uri="http://schemas.openxmlformats.org/drawingml/2006/table">
+            <a:tbl>
+              <a:tblPr firstRow="1" bandRow="1">
+                <a:tableStyleId>{5940675A-B579-460E-94D1-54222C63F5DA}</a:tableStyleId>
+              </a:tblPr>
+              <a:tblGrid>
+                <a:gridCol w="1597954"/>
+                <a:gridCol w="1616755"/>
+                <a:gridCol w="1143008"/>
+                <a:gridCol w="1331002"/>
+                <a:gridCol w="1026452"/>
+                <a:gridCol w="1428760"/>
+              </a:tblGrid>
+              <a:tr h="316230">
+                <a:tc rowSpan="2">
+                  <a:txBody>
+                    <a:bodyPr/>
+                    <a:lstStyle/>
+                    <a:p>
+                      <a:pPr algn="ctr">
+                        <a:lnSpc>
+                          <a:spcPct val="80000"/>
+                        </a:lnSpc>
+                      </a:pPr>
+                      <a:r>
+                        <a:rPr lang="ru-RU" sz="1600" dirty="0" smtClean="0"/>
+                        <a:t>Программное</a:t>
+                      </a:r>
+                      <a:r>
+                        <a:rPr lang="ru-RU" sz="1600" baseline="0" dirty="0" smtClean="0"/>
+                        <a:t> решение</a:t>
+                      </a:r>
+                      <a:endParaRPr lang="ru-RU" sz="1600" dirty="0"/>
+                    </a:p>
+                  </a:txBody>
+                  <a:tcPr anchor="ctr"/>
+                </a:tc>
+                <a:tc gridSpan="5">
+                  <a:txBody>
+                    <a:bodyPr/>
+                    <a:lstStyle/>
+                    <a:p>
+                      <a:pPr algn="ctr">
+                        <a:lnSpc>
+                          <a:spcPct val="80000"/>
+                        </a:lnSpc>
+                      </a:pPr>
+                      <a:r>
+                        <a:rPr lang="ru-RU" sz="1600" dirty="0" smtClean="0"/>
+                        <a:t>Критерии анализа</a:t>
+                      </a:r>
+                      <a:endParaRPr lang="ru-RU" sz="1600" dirty="0"/>
+                    </a:p>
+                  </a:txBody>
+                  <a:tcPr anchor="ctr"/>
+                </a:tc>
+                <a:tc hMerge="1">
+                  <a:txBody>
+                    <a:bodyPr/>
+                    <a:lstStyle/>
+                    <a:p>
+                      <a:pPr algn="ctr"/>
+                      <a:endParaRPr lang="ru-RU" sz="1600" dirty="0"/>
+                    </a:p>
+                  </a:txBody>
+                  <a:tcPr anchor="ctr"/>
+                </a:tc>
+                <a:tc hMerge="1">
+                  <a:txBody>
+                    <a:bodyPr/>
+                    <a:lstStyle/>
+                    <a:p>
+                      <a:pPr algn="ctr"/>
+                      <a:endParaRPr lang="ru-RU" sz="1600" dirty="0"/>
+                    </a:p>
+                  </a:txBody>
+                  <a:tcPr anchor="ctr"/>
+                </a:tc>
+                <a:tc hMerge="1">
+                  <a:txBody>
+                    <a:bodyPr/>
+                    <a:lstStyle/>
+                    <a:p>
+                      <a:pPr algn="ctr"/>
+                      <a:endParaRPr lang="ru-RU" sz="1600" dirty="0"/>
+                    </a:p>
+                  </a:txBody>
+                  <a:tcPr anchor="ctr"/>
+                </a:tc>
+                <a:tc hMerge="1">
+                  <a:txBody>
+                    <a:bodyPr/>
+                    <a:lstStyle/>
+                    <a:p>
+                      <a:pPr algn="ctr"/>
+                      <a:endParaRPr lang="ru-RU" sz="1600" dirty="0"/>
+                    </a:p>
+                  </a:txBody>
+                  <a:tcPr anchor="ctr"/>
+                </a:tc>
+              </a:tr>
+              <a:tr h="776201">
+                <a:tc vMerge="1">
+                  <a:txBody>
+                    <a:bodyPr/>
+                    <a:lstStyle/>
+                    <a:p>
+                      <a:pPr algn="ctr"/>
+                      <a:endParaRPr lang="ru-RU" sz="1600" dirty="0"/>
+                    </a:p>
+                  </a:txBody>
+                  <a:tcPr anchor="ctr"/>
+                </a:tc>
+                <a:tc>
+                  <a:txBody>
+                    <a:bodyPr/>
+                    <a:lstStyle/>
+                    <a:p>
+                      <a:pPr algn="ctr">
+                        <a:lnSpc>
+                          <a:spcPct val="80000"/>
+                        </a:lnSpc>
+                      </a:pPr>
+                      <a:r>
+                        <a:rPr lang="ru-RU" sz="1600" dirty="0" smtClean="0"/>
+                        <a:t>Кол-во карт для построения маршрута</a:t>
+                      </a:r>
+                      <a:endParaRPr lang="ru-RU" sz="1600" dirty="0"/>
+                    </a:p>
+                  </a:txBody>
+                  <a:tcPr anchor="ctr"/>
+                </a:tc>
+                <a:tc>
+                  <a:txBody>
+                    <a:bodyPr/>
+                    <a:lstStyle/>
+                    <a:p>
+                      <a:pPr algn="ctr">
+                        <a:lnSpc>
+                          <a:spcPct val="80000"/>
+                        </a:lnSpc>
+                      </a:pPr>
+                      <a:r>
+                        <a:rPr lang="ru-RU" sz="1600" dirty="0" smtClean="0"/>
+                        <a:t>Поиск объектов</a:t>
+                      </a:r>
+                      <a:endParaRPr lang="ru-RU" sz="1600" dirty="0"/>
+                    </a:p>
+                  </a:txBody>
+                  <a:tcPr anchor="ctr"/>
+                </a:tc>
+                <a:tc>
+                  <a:txBody>
+                    <a:bodyPr/>
+                    <a:lstStyle/>
+                    <a:p>
+                      <a:pPr algn="ctr">
+                        <a:lnSpc>
+                          <a:spcPct val="80000"/>
+                        </a:lnSpc>
+                      </a:pPr>
+                      <a:r>
+                        <a:rPr lang="ru-RU" sz="1600" dirty="0" smtClean="0"/>
+                        <a:t>Составление маршрута</a:t>
+                      </a:r>
+                      <a:endParaRPr lang="ru-RU" sz="1600" dirty="0"/>
+                    </a:p>
+                  </a:txBody>
+                  <a:tcPr anchor="ctr"/>
+                </a:tc>
+                <a:tc>
+                  <a:txBody>
+                    <a:bodyPr/>
+                    <a:lstStyle/>
+                    <a:p>
+                      <a:pPr algn="ctr">
+                        <a:lnSpc>
+                          <a:spcPct val="80000"/>
+                        </a:lnSpc>
+                      </a:pPr>
+                      <a:r>
+                        <a:rPr lang="ru-RU" sz="1600" dirty="0" smtClean="0"/>
+                        <a:t>Режим работы</a:t>
+                      </a:r>
+                      <a:endParaRPr lang="ru-RU" sz="1600" dirty="0"/>
+                    </a:p>
+                  </a:txBody>
+                  <a:tcPr anchor="ctr"/>
+                </a:tc>
+                <a:tc>
+                  <a:txBody>
+                    <a:bodyPr/>
+                    <a:lstStyle/>
+                    <a:p>
+                      <a:pPr algn="ctr">
+                        <a:lnSpc>
+                          <a:spcPct val="80000"/>
+                        </a:lnSpc>
+                      </a:pPr>
+                      <a:r>
+                        <a:rPr lang="ru-RU" sz="1600" dirty="0" smtClean="0"/>
+                        <a:t>Необходимые навыки</a:t>
+                      </a:r>
+                      <a:endParaRPr lang="ru-RU" sz="1600" dirty="0"/>
+                    </a:p>
+                  </a:txBody>
+                  <a:tcPr anchor="ctr"/>
+                </a:tc>
+              </a:tr>
+              <a:tr h="546215">
+                <a:tc>
+                  <a:txBody>
+                    <a:bodyPr/>
+                    <a:lstStyle/>
+                    <a:p>
+                      <a:pPr algn="ctr">
+                        <a:lnSpc>
+                          <a:spcPct val="80000"/>
+                        </a:lnSpc>
+                      </a:pPr>
+                      <a:r>
+                        <a:rPr lang="ru-RU" sz="1600" baseline="0" dirty="0" smtClean="0"/>
+                        <a:t>Мобильный гид «Кунсткамера»</a:t>
+                      </a:r>
+                      <a:endParaRPr lang="ru-RU" sz="1600" dirty="0"/>
+                    </a:p>
+                  </a:txBody>
+                  <a:tcPr anchor="ctr"/>
+                </a:tc>
+                <a:tc>
+                  <a:txBody>
+                    <a:bodyPr/>
+                    <a:lstStyle/>
+                    <a:p>
+                      <a:pPr algn="ctr">
+                        <a:lnSpc>
+                          <a:spcPct val="80000"/>
+                        </a:lnSpc>
+                      </a:pPr>
+                      <a:r>
+                        <a:rPr lang="ru-RU" sz="1600" dirty="0" smtClean="0"/>
+                        <a:t>1</a:t>
+                      </a:r>
+                      <a:endParaRPr lang="ru-RU" sz="1600" dirty="0"/>
+                    </a:p>
+                  </a:txBody>
+                  <a:tcPr anchor="ctr"/>
+                </a:tc>
+                <a:tc>
+                  <a:txBody>
+                    <a:bodyPr/>
+                    <a:lstStyle/>
+                    <a:p>
+                      <a:pPr algn="ctr">
+                        <a:lnSpc>
+                          <a:spcPct val="80000"/>
+                        </a:lnSpc>
+                      </a:pPr>
+                      <a:r>
+                        <a:rPr lang="ru-RU" sz="1600" dirty="0" smtClean="0"/>
+                        <a:t>Нет</a:t>
+                      </a:r>
+                      <a:endParaRPr lang="ru-RU" sz="1600" dirty="0"/>
+                    </a:p>
+                  </a:txBody>
+                  <a:tcPr anchor="ctr"/>
+                </a:tc>
+                <a:tc>
+                  <a:txBody>
+                    <a:bodyPr/>
+                    <a:lstStyle/>
+                    <a:p>
+                      <a:pPr algn="ctr">
+                        <a:lnSpc>
+                          <a:spcPct val="80000"/>
+                        </a:lnSpc>
+                      </a:pPr>
+                      <a:r>
+                        <a:rPr lang="ru-RU" sz="1600" dirty="0" smtClean="0"/>
+                        <a:t>Нет</a:t>
+                      </a:r>
+                      <a:endParaRPr lang="ru-RU" sz="1600" dirty="0"/>
+                    </a:p>
+                  </a:txBody>
+                  <a:tcPr anchor="ctr"/>
+                </a:tc>
+                <a:tc>
+                  <a:txBody>
+                    <a:bodyPr/>
+                    <a:lstStyle/>
+                    <a:p>
+                      <a:pPr algn="ctr">
+                        <a:lnSpc>
+                          <a:spcPct val="80000"/>
+                        </a:lnSpc>
+                      </a:pPr>
+                      <a:r>
+                        <a:rPr lang="ru-RU" sz="1600" dirty="0" err="1" smtClean="0"/>
+                        <a:t>Оффлайн</a:t>
+                      </a:r>
+                      <a:endParaRPr lang="ru-RU" sz="1600" dirty="0"/>
+                    </a:p>
+                  </a:txBody>
+                  <a:tcPr anchor="ctr"/>
+                </a:tc>
+                <a:tc>
+                  <a:txBody>
+                    <a:bodyPr/>
+                    <a:lstStyle/>
+                    <a:p>
+                      <a:pPr algn="ctr">
+                        <a:lnSpc>
+                          <a:spcPct val="80000"/>
+                        </a:lnSpc>
+                      </a:pPr>
+                      <a:r>
+                        <a:rPr lang="ru-RU" sz="1600" dirty="0" smtClean="0"/>
+                        <a:t>Чтение</a:t>
+                      </a:r>
+                      <a:endParaRPr lang="ru-RU" sz="1600" dirty="0"/>
+                    </a:p>
+                  </a:txBody>
+                  <a:tcPr anchor="ctr"/>
+                </a:tc>
+              </a:tr>
+              <a:tr h="776201">
+                <a:tc>
+                  <a:txBody>
+                    <a:bodyPr/>
+                    <a:lstStyle/>
+                    <a:p>
+                      <a:pPr algn="ctr">
+                        <a:lnSpc>
+                          <a:spcPct val="80000"/>
+                        </a:lnSpc>
+                      </a:pPr>
+                      <a:r>
+                        <a:rPr lang="ru-RU" sz="1600" baseline="0" dirty="0" smtClean="0"/>
+                        <a:t>Мобильный гид  по музею А.С. Пушкина</a:t>
+                      </a:r>
+                      <a:endParaRPr lang="ru-RU" sz="1600" dirty="0"/>
+                    </a:p>
+                  </a:txBody>
+                  <a:tcPr anchor="ctr"/>
+                </a:tc>
+                <a:tc>
+                  <a:txBody>
+                    <a:bodyPr/>
+                    <a:lstStyle/>
+                    <a:p>
+                      <a:pPr algn="ctr">
+                        <a:lnSpc>
+                          <a:spcPct val="80000"/>
+                        </a:lnSpc>
+                      </a:pPr>
+                      <a:r>
+                        <a:rPr lang="ru-RU" sz="1600" dirty="0" smtClean="0"/>
+                        <a:t>1</a:t>
+                      </a:r>
+                      <a:endParaRPr lang="ru-RU" sz="1600" dirty="0"/>
+                    </a:p>
+                  </a:txBody>
+                  <a:tcPr anchor="ctr"/>
+                </a:tc>
+                <a:tc>
+                  <a:txBody>
+                    <a:bodyPr/>
+                    <a:lstStyle/>
+                    <a:p>
+                      <a:pPr algn="ctr">
+                        <a:lnSpc>
+                          <a:spcPct val="80000"/>
+                        </a:lnSpc>
+                      </a:pPr>
+                      <a:r>
+                        <a:rPr lang="ru-RU" sz="1600" dirty="0" smtClean="0"/>
+                        <a:t>Есть</a:t>
+                      </a:r>
+                      <a:endParaRPr lang="ru-RU" sz="1600" dirty="0"/>
+                    </a:p>
+                  </a:txBody>
+                  <a:tcPr anchor="ctr"/>
+                </a:tc>
+                <a:tc>
+                  <a:txBody>
+                    <a:bodyPr/>
+                    <a:lstStyle/>
+                    <a:p>
+                      <a:pPr algn="ctr">
+                        <a:lnSpc>
+                          <a:spcPct val="80000"/>
+                        </a:lnSpc>
+                      </a:pPr>
+                      <a:r>
+                        <a:rPr lang="ru-RU" sz="1600" dirty="0" smtClean="0"/>
+                        <a:t>Есть</a:t>
+                      </a:r>
+                      <a:endParaRPr lang="ru-RU" sz="1600" dirty="0"/>
+                    </a:p>
+                  </a:txBody>
+                  <a:tcPr anchor="ctr"/>
+                </a:tc>
+                <a:tc>
+                  <a:txBody>
+                    <a:bodyPr/>
+                    <a:lstStyle/>
+                    <a:p>
+                      <a:pPr algn="ctr">
+                        <a:lnSpc>
+                          <a:spcPct val="80000"/>
+                        </a:lnSpc>
+                      </a:pPr>
+                      <a:r>
+                        <a:rPr lang="ru-RU" sz="1600" dirty="0" err="1" smtClean="0"/>
+                        <a:t>Онлайн</a:t>
+                      </a:r>
+                      <a:r>
+                        <a:rPr lang="ru-RU" sz="1600" dirty="0" smtClean="0"/>
+                        <a:t> и </a:t>
+                      </a:r>
+                      <a:r>
+                        <a:rPr lang="ru-RU" sz="1600" dirty="0" err="1" smtClean="0"/>
+                        <a:t>оффлайн</a:t>
+                      </a:r>
+                      <a:endParaRPr lang="ru-RU" sz="1600" dirty="0"/>
+                    </a:p>
+                  </a:txBody>
+                  <a:tcPr anchor="ctr"/>
+                </a:tc>
+                <a:tc>
+                  <a:txBody>
+                    <a:bodyPr/>
+                    <a:lstStyle/>
+                    <a:p>
+                      <a:pPr algn="ctr">
+                        <a:lnSpc>
+                          <a:spcPct val="80000"/>
+                        </a:lnSpc>
+                      </a:pPr>
+                      <a:r>
+                        <a:rPr lang="ru-RU" sz="1600" dirty="0" smtClean="0"/>
+                        <a:t>Чтение</a:t>
+                      </a:r>
+                      <a:endParaRPr lang="ru-RU" sz="1600" dirty="0"/>
+                    </a:p>
+                  </a:txBody>
+                  <a:tcPr anchor="ctr"/>
+                </a:tc>
+              </a:tr>
+              <a:tr h="1006186">
+                <a:tc>
+                  <a:txBody>
+                    <a:bodyPr/>
+                    <a:lstStyle/>
+                    <a:p>
+                      <a:pPr algn="ctr">
+                        <a:lnSpc>
+                          <a:spcPct val="80000"/>
+                        </a:lnSpc>
+                      </a:pPr>
+                      <a:r>
+                        <a:rPr lang="ru-RU" sz="1600" baseline="0" dirty="0" smtClean="0"/>
+                        <a:t>Мобильное приложение </a:t>
+                      </a:r>
+                      <a:r>
+                        <a:rPr lang="ru-RU" sz="1600" dirty="0" smtClean="0"/>
+                        <a:t>«</a:t>
+                      </a:r>
+                      <a:r>
+                        <a:rPr lang="en-US" sz="1600" dirty="0" smtClean="0"/>
+                        <a:t>Shopping</a:t>
+                      </a:r>
+                      <a:r>
+                        <a:rPr lang="en-US" sz="1600" baseline="0" dirty="0" smtClean="0"/>
+                        <a:t> Guide</a:t>
+                      </a:r>
+                      <a:r>
+                        <a:rPr lang="ru-RU" sz="1600" baseline="0" dirty="0" smtClean="0"/>
+                        <a:t>»</a:t>
+                      </a:r>
+                      <a:endParaRPr lang="ru-RU" sz="1600" dirty="0"/>
+                    </a:p>
+                  </a:txBody>
+                  <a:tcPr anchor="ctr"/>
+                </a:tc>
+                <a:tc>
+                  <a:txBody>
+                    <a:bodyPr/>
+                    <a:lstStyle/>
+                    <a:p>
+                      <a:pPr algn="ctr">
+                        <a:lnSpc>
+                          <a:spcPct val="80000"/>
+                        </a:lnSpc>
+                      </a:pPr>
+                      <a:r>
+                        <a:rPr lang="ru-RU" sz="1600" dirty="0" smtClean="0"/>
+                        <a:t>45</a:t>
+                      </a:r>
+                      <a:endParaRPr lang="ru-RU" sz="1600" dirty="0"/>
+                    </a:p>
+                  </a:txBody>
+                  <a:tcPr anchor="ctr"/>
+                </a:tc>
+                <a:tc>
+                  <a:txBody>
+                    <a:bodyPr/>
+                    <a:lstStyle/>
+                    <a:p>
+                      <a:pPr algn="ctr">
+                        <a:lnSpc>
+                          <a:spcPct val="80000"/>
+                        </a:lnSpc>
+                      </a:pPr>
+                      <a:r>
+                        <a:rPr lang="ru-RU" sz="1600" dirty="0" smtClean="0"/>
+                        <a:t>Есть</a:t>
+                      </a:r>
+                      <a:endParaRPr lang="ru-RU" sz="1600" dirty="0"/>
+                    </a:p>
+                  </a:txBody>
+                  <a:tcPr anchor="ctr"/>
+                </a:tc>
+                <a:tc>
+                  <a:txBody>
+                    <a:bodyPr/>
+                    <a:lstStyle/>
+                    <a:p>
+                      <a:pPr algn="ctr">
+                        <a:lnSpc>
+                          <a:spcPct val="80000"/>
+                        </a:lnSpc>
+                      </a:pPr>
+                      <a:r>
+                        <a:rPr lang="ru-RU" sz="1600" dirty="0" smtClean="0"/>
+                        <a:t>Есть</a:t>
+                      </a:r>
+                      <a:endParaRPr lang="ru-RU" sz="1600" dirty="0"/>
+                    </a:p>
+                  </a:txBody>
+                  <a:tcPr anchor="ctr"/>
+                </a:tc>
+                <a:tc>
+                  <a:txBody>
+                    <a:bodyPr/>
+                    <a:lstStyle/>
+                    <a:p>
+                      <a:pPr marL="0" marR="0" indent="0" algn="ctr" defTabSz="914400" rtl="0" eaLnBrk="1" fontAlgn="auto" latinLnBrk="0" hangingPunct="1">
+                        <a:lnSpc>
+                          <a:spcPct val="80000"/>
+                        </a:lnSpc>
+                        <a:spcBef>
+                          <a:spcPts val="0"/>
+                        </a:spcBef>
+                        <a:spcAft>
+                          <a:spcPts val="0"/>
+                        </a:spcAft>
+                        <a:buClrTx/>
+                        <a:buSzTx/>
+                        <a:buFontTx/>
+                        <a:buNone/>
+                        <a:tabLst/>
+                        <a:defRPr/>
+                      </a:pPr>
+                      <a:r>
+                        <a:rPr lang="ru-RU" sz="1600" dirty="0" err="1" smtClean="0"/>
+                        <a:t>Оффлайн</a:t>
+                      </a:r>
+                      <a:endParaRPr lang="ru-RU" sz="1600" dirty="0" smtClean="0"/>
+                    </a:p>
+                  </a:txBody>
+                  <a:tcPr anchor="ctr"/>
+                </a:tc>
+                <a:tc>
+                  <a:txBody>
+                    <a:bodyPr/>
+                    <a:lstStyle/>
+                    <a:p>
+                      <a:pPr algn="ctr">
+                        <a:lnSpc>
+                          <a:spcPct val="80000"/>
+                        </a:lnSpc>
+                      </a:pPr>
+                      <a:r>
+                        <a:rPr lang="ru-RU" sz="1600" dirty="0" smtClean="0"/>
+                        <a:t>Чтение</a:t>
+                      </a:r>
+                      <a:endParaRPr lang="ru-RU" sz="1600" dirty="0"/>
+                    </a:p>
+                  </a:txBody>
+                  <a:tcPr anchor="ctr"/>
+                </a:tc>
+              </a:tr>
+              <a:tr h="776201">
+                <a:tc>
+                  <a:txBody>
+                    <a:bodyPr/>
+                    <a:lstStyle/>
+                    <a:p>
+                      <a:pPr algn="ctr">
+                        <a:lnSpc>
+                          <a:spcPct val="80000"/>
+                        </a:lnSpc>
+                      </a:pPr>
+                      <a:r>
+                        <a:rPr lang="ru-RU" sz="1600" baseline="0" dirty="0" smtClean="0"/>
+                        <a:t>Мобильное приложение </a:t>
+                      </a:r>
+                      <a:r>
+                        <a:rPr lang="ru-RU" sz="1600" dirty="0" smtClean="0"/>
+                        <a:t>«</a:t>
+                      </a:r>
+                      <a:r>
+                        <a:rPr lang="en-US" sz="1600" dirty="0" err="1" smtClean="0"/>
+                        <a:t>NaviMail</a:t>
+                      </a:r>
+                      <a:r>
+                        <a:rPr lang="ru-RU" sz="1600" dirty="0" smtClean="0"/>
+                        <a:t>»</a:t>
+                      </a:r>
+                      <a:endParaRPr lang="ru-RU" sz="1600" dirty="0"/>
+                    </a:p>
+                  </a:txBody>
+                  <a:tcPr anchor="ctr"/>
+                </a:tc>
+                <a:tc>
+                  <a:txBody>
+                    <a:bodyPr/>
+                    <a:lstStyle/>
+                    <a:p>
+                      <a:pPr algn="ctr">
+                        <a:lnSpc>
+                          <a:spcPct val="80000"/>
+                        </a:lnSpc>
+                      </a:pPr>
+                      <a:r>
+                        <a:rPr lang="ru-RU" sz="1600" dirty="0" smtClean="0"/>
+                        <a:t>2</a:t>
+                      </a:r>
+                      <a:endParaRPr lang="ru-RU" sz="1600" dirty="0"/>
+                    </a:p>
+                  </a:txBody>
+                  <a:tcPr anchor="ctr"/>
+                </a:tc>
+                <a:tc>
+                  <a:txBody>
+                    <a:bodyPr/>
+                    <a:lstStyle/>
+                    <a:p>
+                      <a:pPr algn="ctr">
+                        <a:lnSpc>
+                          <a:spcPct val="80000"/>
+                        </a:lnSpc>
+                      </a:pPr>
+                      <a:r>
+                        <a:rPr lang="ru-RU" sz="1600" dirty="0" smtClean="0"/>
+                        <a:t>Есть</a:t>
+                      </a:r>
+                      <a:endParaRPr lang="ru-RU" sz="1600" dirty="0"/>
+                    </a:p>
+                  </a:txBody>
+                  <a:tcPr anchor="ctr"/>
+                </a:tc>
+                <a:tc>
+                  <a:txBody>
+                    <a:bodyPr/>
+                    <a:lstStyle/>
+                    <a:p>
+                      <a:pPr algn="ctr">
+                        <a:lnSpc>
+                          <a:spcPct val="80000"/>
+                        </a:lnSpc>
+                      </a:pPr>
+                      <a:r>
+                        <a:rPr lang="ru-RU" sz="1600" dirty="0" smtClean="0"/>
+                        <a:t>Нет</a:t>
+                      </a:r>
+                      <a:endParaRPr lang="ru-RU" sz="1600" dirty="0"/>
+                    </a:p>
+                  </a:txBody>
+                  <a:tcPr anchor="ctr"/>
+                </a:tc>
+                <a:tc>
+                  <a:txBody>
+                    <a:bodyPr/>
+                    <a:lstStyle/>
+                    <a:p>
+                      <a:pPr marL="0" marR="0" indent="0" algn="ctr" defTabSz="914400" rtl="0" eaLnBrk="1" fontAlgn="auto" latinLnBrk="0" hangingPunct="1">
+                        <a:lnSpc>
+                          <a:spcPct val="80000"/>
+                        </a:lnSpc>
+                        <a:spcBef>
+                          <a:spcPts val="0"/>
+                        </a:spcBef>
+                        <a:spcAft>
+                          <a:spcPts val="0"/>
+                        </a:spcAft>
+                        <a:buClrTx/>
+                        <a:buSzTx/>
+                        <a:buFontTx/>
+                        <a:buNone/>
+                        <a:tabLst/>
+                        <a:defRPr/>
+                      </a:pPr>
+                      <a:r>
+                        <a:rPr lang="ru-RU" sz="1600" dirty="0" err="1" smtClean="0"/>
+                        <a:t>Онлайн</a:t>
+                      </a:r>
+                      <a:r>
+                        <a:rPr lang="ru-RU" sz="1600" dirty="0" smtClean="0"/>
+                        <a:t> и </a:t>
+                      </a:r>
+                      <a:r>
+                        <a:rPr lang="ru-RU" sz="1600" dirty="0" err="1" smtClean="0"/>
+                        <a:t>оффлайн</a:t>
+                      </a:r>
+                      <a:endParaRPr lang="ru-RU" sz="1600" dirty="0" smtClean="0"/>
+                    </a:p>
+                  </a:txBody>
+                  <a:tcPr anchor="ctr"/>
+                </a:tc>
+                <a:tc>
+                  <a:txBody>
+                    <a:bodyPr/>
+                    <a:lstStyle/>
+                    <a:p>
+                      <a:pPr algn="ctr">
+                        <a:lnSpc>
+                          <a:spcPct val="80000"/>
+                        </a:lnSpc>
+                      </a:pPr>
+                      <a:r>
+                        <a:rPr lang="ru-RU" sz="1600" dirty="0" smtClean="0"/>
+                        <a:t>Чтение</a:t>
+                      </a:r>
+                      <a:endParaRPr lang="ru-RU" sz="1600" dirty="0"/>
+                    </a:p>
+                  </a:txBody>
+                  <a:tcPr anchor="ctr"/>
+                </a:tc>
+              </a:tr>
+              <a:tr h="546215">
+                <a:tc>
+                  <a:txBody>
+                    <a:bodyPr/>
+                    <a:lstStyle/>
+                    <a:p>
+                      <a:pPr algn="ctr">
+                        <a:lnSpc>
+                          <a:spcPct val="80000"/>
+                        </a:lnSpc>
+                      </a:pPr>
+                      <a:r>
+                        <a:rPr lang="ru-RU" sz="1600" dirty="0" smtClean="0"/>
+                        <a:t>Чат-бот «Картография»</a:t>
+                      </a:r>
+                      <a:endParaRPr lang="ru-RU" sz="1600" dirty="0"/>
+                    </a:p>
+                  </a:txBody>
+                  <a:tcPr anchor="ctr"/>
+                </a:tc>
+                <a:tc>
+                  <a:txBody>
+                    <a:bodyPr/>
+                    <a:lstStyle/>
+                    <a:p>
+                      <a:pPr algn="ctr">
+                        <a:lnSpc>
+                          <a:spcPct val="80000"/>
+                        </a:lnSpc>
+                      </a:pPr>
+                      <a:r>
+                        <a:rPr lang="ru-RU" sz="1600" dirty="0" smtClean="0"/>
+                        <a:t>5</a:t>
+                      </a:r>
+                      <a:endParaRPr lang="ru-RU" sz="1600" dirty="0"/>
+                    </a:p>
+                  </a:txBody>
+                  <a:tcPr anchor="ctr"/>
+                </a:tc>
+                <a:tc>
+                  <a:txBody>
+                    <a:bodyPr/>
+                    <a:lstStyle/>
+                    <a:p>
+                      <a:pPr algn="ctr">
+                        <a:lnSpc>
+                          <a:spcPct val="80000"/>
+                        </a:lnSpc>
+                      </a:pPr>
+                      <a:r>
+                        <a:rPr lang="ru-RU" sz="1600" dirty="0" smtClean="0"/>
+                        <a:t>Есть</a:t>
+                      </a:r>
+                      <a:endParaRPr lang="ru-RU" sz="1600" dirty="0"/>
+                    </a:p>
+                  </a:txBody>
+                  <a:tcPr anchor="ctr"/>
+                </a:tc>
+                <a:tc>
+                  <a:txBody>
+                    <a:bodyPr/>
+                    <a:lstStyle/>
+                    <a:p>
+                      <a:pPr algn="ctr">
+                        <a:lnSpc>
+                          <a:spcPct val="80000"/>
+                        </a:lnSpc>
+                      </a:pPr>
+                      <a:r>
+                        <a:rPr lang="ru-RU" sz="1600" dirty="0" smtClean="0"/>
+                        <a:t>Есть</a:t>
+                      </a:r>
+                      <a:endParaRPr lang="ru-RU" sz="1600" dirty="0"/>
+                    </a:p>
+                  </a:txBody>
+                  <a:tcPr anchor="ctr"/>
+                </a:tc>
+                <a:tc>
+                  <a:txBody>
+                    <a:bodyPr/>
+                    <a:lstStyle/>
+                    <a:p>
+                      <a:pPr marL="0" marR="0" indent="0" algn="ctr" defTabSz="914400" rtl="0" eaLnBrk="1" fontAlgn="auto" latinLnBrk="0" hangingPunct="1">
+                        <a:lnSpc>
+                          <a:spcPct val="80000"/>
+                        </a:lnSpc>
+                        <a:spcBef>
+                          <a:spcPts val="0"/>
+                        </a:spcBef>
+                        <a:spcAft>
+                          <a:spcPts val="0"/>
+                        </a:spcAft>
+                        <a:buClrTx/>
+                        <a:buSzTx/>
+                        <a:buFontTx/>
+                        <a:buNone/>
+                        <a:tabLst/>
+                        <a:defRPr/>
+                      </a:pPr>
+                      <a:r>
+                        <a:rPr lang="ru-RU" sz="1600" dirty="0" err="1" smtClean="0"/>
+                        <a:t>Онлайн</a:t>
+                      </a:r>
+                      <a:endParaRPr lang="ru-RU" sz="1600" dirty="0" smtClean="0"/>
+                    </a:p>
+                  </a:txBody>
+                  <a:tcPr anchor="ctr"/>
+                </a:tc>
+                <a:tc>
+                  <a:txBody>
+                    <a:bodyPr/>
+                    <a:lstStyle/>
+                    <a:p>
+                      <a:pPr algn="ctr">
+                        <a:lnSpc>
+                          <a:spcPct val="80000"/>
+                        </a:lnSpc>
+                      </a:pPr>
+                      <a:r>
+                        <a:rPr lang="ru-RU" sz="1600" dirty="0" smtClean="0"/>
+                        <a:t>Чтение и письмо</a:t>
+                      </a:r>
+                      <a:endParaRPr lang="ru-RU" sz="1600" dirty="0"/>
+                    </a:p>
+                  </a:txBody>
+                  <a:tcPr anchor="ctr"/>
+                </a:tc>
+              </a:tr>
+            </a:tbl>
+          </a:graphicData>
+        </a:graphic>
+      </p:graphicFrame>
+      <p:sp>
+        <p:nvSpPr>
+          <p:cNvPr id="10" name="Номер слайда 9"/>
+          <p:cNvSpPr>
+            <a:spLocks noGrp="1"/>
+          </p:cNvSpPr>
+          <p:nvPr>
+            <p:ph type="sldNum" sz="quarter" idx="12"/>
+          </p:nvPr>
+        </p:nvSpPr>
+        <p:spPr>
+          <a:xfrm>
+            <a:off x="6500826" y="6492875"/>
+            <a:ext cx="2133600" cy="365125"/>
+          </a:xfrm>
+        </p:spPr>
+        <p:txBody>
+          <a:bodyPr/>
+          <a:lstStyle/>
+          <a:p>
+            <a:fld id="{3DCB63D9-3FD3-4C3B-A045-98BC1BB0B6C2}" type="slidenum">
+              <a:rPr lang="ru-RU" smtClean="0"/>
+              <a:pPr/>
+              <a:t>5</a:t>
+            </a:fld>
+            <a:endParaRPr lang="ru-RU"/>
+          </a:p>
+        </p:txBody>
+      </p:sp>
+    </p:spTree>
+  </p:cSld>
+  <p:clrMapOvr>
+    <a:masterClrMapping/>
+  </p:clrMapOvr>
+  <p:timing>
+    <p:tnLst>
+      <p:par>
+        <p:cTn id="1" dur="indefinite" restart="never" nodeType="tmRoot"/>
+      </p:par>
+    </p:tnLst>
+  </p:timing>
+</p:sld>
+</file>
+
+<file path=ppt/slides/slide6.xml><?xml version="1.0" encoding="utf-8"?>
+<p:sld xmlns:a="http://schemas.openxmlformats.org/drawingml/2006/main" xmlns:r="http://schemas.openxmlformats.org/officeDocument/2006/relationships" xmlns:p="http://schemas.openxmlformats.org/presentationml/2006/main">
+  <p:cSld>
+    <p:spTree>
+      <p:nvGrpSpPr>
+        <p:cNvPr id="1" name=""/>
+        <p:cNvGrpSpPr/>
+        <p:nvPr/>
+      </p:nvGrpSpPr>
+      <p:grpSpPr>
+        <a:xfrm>
+          <a:off x="0" y="0"/>
+          <a:ext cx="0" cy="0"/>
+          <a:chOff x="0" y="0"/>
+          <a:chExt cx="0" cy="0"/>
+        </a:xfrm>
+      </p:grpSpPr>
+      <p:sp>
+        <p:nvSpPr>
+          <p:cNvPr id="2" name="Заголовок 1"/>
+          <p:cNvSpPr>
+            <a:spLocks noGrp="1"/>
+          </p:cNvSpPr>
+          <p:nvPr>
+            <p:ph type="title"/>
+          </p:nvPr>
+        </p:nvSpPr>
+        <p:spPr>
+          <a:xfrm>
+            <a:off x="0" y="274638"/>
+            <a:ext cx="9144000" cy="796908"/>
+          </a:xfrm>
+        </p:spPr>
+        <p:txBody>
+          <a:bodyPr>
+            <a:noAutofit/>
+          </a:bodyPr>
+          <a:lstStyle/>
+          <a:p>
+            <a:r>
+              <a:rPr lang="ru-RU" sz="3400" dirty="0" smtClean="0"/>
+              <a:t>Формализация этапов генерации 2</a:t>
+            </a:r>
+            <a:r>
+              <a:rPr lang="en-US" sz="3400" dirty="0" smtClean="0"/>
+              <a:t>D</a:t>
+            </a:r>
+            <a:r>
+              <a:rPr lang="ru-RU" sz="3400" dirty="0" smtClean="0"/>
+              <a:t> маршрута</a:t>
+            </a:r>
+            <a:endParaRPr lang="ru-RU" sz="3400" dirty="0"/>
+          </a:p>
+        </p:txBody>
+      </p:sp>
+      <p:sp>
+        <p:nvSpPr>
+          <p:cNvPr id="4" name="Номер слайда 3"/>
+          <p:cNvSpPr>
+            <a:spLocks noGrp="1"/>
+          </p:cNvSpPr>
+          <p:nvPr>
+            <p:ph type="sldNum" sz="quarter" idx="12"/>
+          </p:nvPr>
+        </p:nvSpPr>
+        <p:spPr/>
+        <p:txBody>
+          <a:bodyPr/>
+          <a:lstStyle/>
+          <a:p>
+            <a:fld id="{3DCB63D9-3FD3-4C3B-A045-98BC1BB0B6C2}" type="slidenum">
+              <a:rPr lang="ru-RU" smtClean="0"/>
+              <a:pPr/>
+              <a:t>6</a:t>
+            </a:fld>
+            <a:endParaRPr lang="ru-RU"/>
+          </a:p>
+        </p:txBody>
+      </p:sp>
+      <p:pic>
+        <p:nvPicPr>
+          <p:cNvPr id="6" name="Рисунок 5"/>
+          <p:cNvPicPr/>
+          <p:nvPr/>
+        </p:nvPicPr>
+        <p:blipFill>
+          <a:blip r:embed="rId3"/>
+          <a:srcRect/>
+          <a:stretch>
+            <a:fillRect/>
+          </a:stretch>
+        </p:blipFill>
+        <p:spPr bwMode="auto">
+          <a:xfrm>
+            <a:off x="4857752" y="1428736"/>
+            <a:ext cx="3643338" cy="2000264"/>
+          </a:xfrm>
+          <a:prstGeom prst="rect">
+            <a:avLst/>
+          </a:prstGeom>
+          <a:noFill/>
+        </p:spPr>
+      </p:pic>
+      <p:cxnSp>
+        <p:nvCxnSpPr>
+          <p:cNvPr id="8" name="Прямая со стрелкой 7"/>
+          <p:cNvCxnSpPr>
+            <a:stCxn id="11" idx="3"/>
+            <a:endCxn id="6" idx="1"/>
+          </p:cNvCxnSpPr>
+          <p:nvPr/>
+        </p:nvCxnSpPr>
+        <p:spPr>
+          <a:xfrm flipV="1">
+            <a:off x="4000496" y="2428868"/>
+            <a:ext cx="857256" cy="1213"/>
+          </a:xfrm>
+          <a:prstGeom prst="straightConnector1">
+            <a:avLst/>
+          </a:prstGeom>
+          <a:ln>
+            <a:tailEnd type="arrow"/>
+          </a:ln>
+        </p:spPr>
+        <p:style>
+          <a:lnRef idx="1">
+            <a:schemeClr val="accent1"/>
+          </a:lnRef>
+          <a:fillRef idx="0">
+            <a:schemeClr val="accent1"/>
+          </a:fillRef>
+          <a:effectRef idx="0">
+            <a:schemeClr val="accent1"/>
+          </a:effectRef>
+          <a:fontRef idx="minor">
+            <a:schemeClr val="tx1"/>
+          </a:fontRef>
+        </p:style>
+      </p:cxnSp>
+      <p:cxnSp>
+        <p:nvCxnSpPr>
+          <p:cNvPr id="32" name="Прямая со стрелкой 31"/>
+          <p:cNvCxnSpPr>
+            <a:stCxn id="19" idx="1"/>
+            <a:endCxn id="29" idx="3"/>
+          </p:cNvCxnSpPr>
+          <p:nvPr/>
+        </p:nvCxnSpPr>
+        <p:spPr>
+          <a:xfrm rot="10800000">
+            <a:off x="4071934" y="5179231"/>
+            <a:ext cx="857256" cy="1588"/>
+          </a:xfrm>
+          <a:prstGeom prst="straightConnector1">
+            <a:avLst/>
+          </a:prstGeom>
+          <a:ln>
+            <a:tailEnd type="arrow"/>
+          </a:ln>
+        </p:spPr>
+        <p:style>
+          <a:lnRef idx="1">
+            <a:schemeClr val="accent1"/>
+          </a:lnRef>
+          <a:fillRef idx="0">
+            <a:schemeClr val="accent1"/>
+          </a:fillRef>
+          <a:effectRef idx="0">
+            <a:schemeClr val="accent1"/>
+          </a:effectRef>
+          <a:fontRef idx="minor">
+            <a:schemeClr val="tx1"/>
+          </a:fontRef>
+        </p:style>
+      </p:cxnSp>
+      <p:pic>
+        <p:nvPicPr>
+          <p:cNvPr id="11" name="Рисунок 10"/>
+          <p:cNvPicPr/>
+          <p:nvPr/>
+        </p:nvPicPr>
+        <p:blipFill>
+          <a:blip r:embed="rId4"/>
+          <a:srcRect/>
+          <a:stretch>
+            <a:fillRect/>
+          </a:stretch>
+        </p:blipFill>
+        <p:spPr bwMode="auto">
+          <a:xfrm>
+            <a:off x="642910" y="1428736"/>
+            <a:ext cx="3357586" cy="2002689"/>
+          </a:xfrm>
+          <a:prstGeom prst="rect">
+            <a:avLst/>
+          </a:prstGeom>
+          <a:noFill/>
+          <a:ln w="9525">
+            <a:noFill/>
+            <a:miter lim="800000"/>
+            <a:headEnd/>
+            <a:tailEnd/>
+          </a:ln>
+        </p:spPr>
+      </p:pic>
+      <p:sp>
+        <p:nvSpPr>
+          <p:cNvPr id="18" name="Содержимое 2"/>
+          <p:cNvSpPr txBox="1">
+            <a:spLocks/>
+          </p:cNvSpPr>
+          <p:nvPr/>
+        </p:nvSpPr>
+        <p:spPr>
+          <a:xfrm>
+            <a:off x="4500562" y="3643314"/>
+            <a:ext cx="4357718" cy="285752"/>
+          </a:xfrm>
+          <a:prstGeom prst="rect">
+            <a:avLst/>
+          </a:prstGeom>
+        </p:spPr>
+        <p:txBody>
+          <a:bodyPr vert="horz" lIns="91440" tIns="45720" rIns="91440" bIns="45720" rtlCol="0">
+            <a:noAutofit/>
+          </a:bodyPr>
+          <a:lstStyle/>
+          <a:p>
+            <a:pPr marL="342900" marR="0" lvl="0" indent="-342900" algn="ctr" defTabSz="914400" rtl="0" eaLnBrk="1" fontAlgn="auto" latinLnBrk="0" hangingPunct="1">
+              <a:lnSpc>
+                <a:spcPct val="100000"/>
+              </a:lnSpc>
+              <a:spcBef>
+                <a:spcPct val="20000"/>
+              </a:spcBef>
+              <a:spcAft>
+                <a:spcPts val="0"/>
+              </a:spcAft>
+              <a:buClrTx/>
+              <a:buSzTx/>
+              <a:buFont typeface="Arial" pitchFamily="34" charset="0"/>
+              <a:buNone/>
+              <a:tabLst/>
+              <a:defRPr/>
+            </a:pPr>
+            <a:r>
+              <a:rPr lang="ru-RU" dirty="0" smtClean="0"/>
+              <a:t>Формализация пространства в виде графа</a:t>
+            </a:r>
+            <a:endParaRPr kumimoji="0" lang="ru-RU" b="0" i="0" u="none" strike="noStrike" kern="1200" cap="none" spc="0" normalizeH="0" baseline="0" noProof="0" dirty="0" smtClean="0">
+              <a:ln>
+                <a:noFill/>
+              </a:ln>
+              <a:solidFill>
+                <a:schemeClr val="tx1"/>
+              </a:solidFill>
+              <a:effectLst/>
+              <a:uLnTx/>
+              <a:uFillTx/>
+              <a:latin typeface="+mn-lt"/>
+              <a:ea typeface="+mn-ea"/>
+              <a:cs typeface="+mn-cs"/>
+            </a:endParaRPr>
+          </a:p>
+        </p:txBody>
+      </p:sp>
+      <p:pic>
+        <p:nvPicPr>
+          <p:cNvPr id="19" name="Рисунок 18"/>
+          <p:cNvPicPr/>
+          <p:nvPr/>
+        </p:nvPicPr>
+        <p:blipFill>
+          <a:blip r:embed="rId5"/>
+          <a:srcRect/>
+          <a:stretch>
+            <a:fillRect/>
+          </a:stretch>
+        </p:blipFill>
+        <p:spPr bwMode="auto">
+          <a:xfrm>
+            <a:off x="4929190" y="4214818"/>
+            <a:ext cx="3500462" cy="1928826"/>
+          </a:xfrm>
+          <a:prstGeom prst="rect">
+            <a:avLst/>
+          </a:prstGeom>
+          <a:noFill/>
+          <a:ln w="9525">
+            <a:noFill/>
+            <a:miter lim="800000"/>
+            <a:headEnd/>
+            <a:tailEnd/>
+          </a:ln>
+        </p:spPr>
+      </p:pic>
+      <p:sp>
+        <p:nvSpPr>
+          <p:cNvPr id="27" name="Содержимое 2"/>
+          <p:cNvSpPr txBox="1">
+            <a:spLocks/>
+          </p:cNvSpPr>
+          <p:nvPr/>
+        </p:nvSpPr>
+        <p:spPr>
+          <a:xfrm>
+            <a:off x="5214942" y="6357958"/>
+            <a:ext cx="3071834" cy="285752"/>
+          </a:xfrm>
+          <a:prstGeom prst="rect">
+            <a:avLst/>
+          </a:prstGeom>
+        </p:spPr>
+        <p:txBody>
+          <a:bodyPr vert="horz" lIns="91440" tIns="45720" rIns="91440" bIns="45720" rtlCol="0">
+            <a:noAutofit/>
+          </a:bodyPr>
+          <a:lstStyle/>
+          <a:p>
+            <a:pPr marL="342900" marR="0" lvl="0" indent="-342900" algn="ctr" defTabSz="914400" rtl="0" eaLnBrk="1" fontAlgn="auto" latinLnBrk="0" hangingPunct="1">
+              <a:lnSpc>
+                <a:spcPct val="100000"/>
+              </a:lnSpc>
+              <a:spcBef>
+                <a:spcPct val="20000"/>
+              </a:spcBef>
+              <a:spcAft>
+                <a:spcPts val="0"/>
+              </a:spcAft>
+              <a:buClrTx/>
+              <a:buSzTx/>
+              <a:buFont typeface="Arial" pitchFamily="34" charset="0"/>
+              <a:buNone/>
+              <a:tabLst/>
+              <a:defRPr/>
+            </a:pPr>
+            <a:r>
+              <a:rPr lang="ru-RU" dirty="0" smtClean="0"/>
+              <a:t>Нахождение пути на графе</a:t>
+            </a:r>
+            <a:endParaRPr kumimoji="0" lang="ru-RU" b="0" i="0" u="none" strike="noStrike" kern="1200" cap="none" spc="0" normalizeH="0" baseline="0" noProof="0" dirty="0" smtClean="0">
+              <a:ln>
+                <a:noFill/>
+              </a:ln>
+              <a:solidFill>
+                <a:schemeClr val="tx1"/>
+              </a:solidFill>
+              <a:effectLst/>
+              <a:uLnTx/>
+              <a:uFillTx/>
+              <a:latin typeface="+mn-lt"/>
+              <a:ea typeface="+mn-ea"/>
+              <a:cs typeface="+mn-cs"/>
+            </a:endParaRPr>
+          </a:p>
+        </p:txBody>
+      </p:sp>
+      <p:sp>
+        <p:nvSpPr>
+          <p:cNvPr id="28" name="Содержимое 2"/>
+          <p:cNvSpPr txBox="1">
+            <a:spLocks/>
+          </p:cNvSpPr>
+          <p:nvPr/>
+        </p:nvSpPr>
+        <p:spPr>
+          <a:xfrm>
+            <a:off x="785786" y="6357958"/>
+            <a:ext cx="3071834" cy="285752"/>
+          </a:xfrm>
+          <a:prstGeom prst="rect">
+            <a:avLst/>
+          </a:prstGeom>
+        </p:spPr>
+        <p:txBody>
+          <a:bodyPr vert="horz" lIns="91440" tIns="45720" rIns="91440" bIns="45720" rtlCol="0">
+            <a:noAutofit/>
+          </a:bodyPr>
+          <a:lstStyle/>
+          <a:p>
+            <a:pPr marL="342900" marR="0" lvl="0" indent="-342900" algn="ctr" defTabSz="914400" rtl="0" eaLnBrk="1" fontAlgn="auto" latinLnBrk="0" hangingPunct="1">
+              <a:lnSpc>
+                <a:spcPct val="100000"/>
+              </a:lnSpc>
+              <a:spcBef>
+                <a:spcPct val="20000"/>
+              </a:spcBef>
+              <a:spcAft>
+                <a:spcPts val="0"/>
+              </a:spcAft>
+              <a:buClrTx/>
+              <a:buSzTx/>
+              <a:buFont typeface="Arial" pitchFamily="34" charset="0"/>
+              <a:buNone/>
+              <a:tabLst/>
+              <a:defRPr/>
+            </a:pPr>
+            <a:r>
+              <a:rPr lang="ru-RU" dirty="0" smtClean="0"/>
+              <a:t>Визуализация маршрута</a:t>
+            </a:r>
+            <a:endParaRPr kumimoji="0" lang="ru-RU" b="0" i="0" u="none" strike="noStrike" kern="1200" cap="none" spc="0" normalizeH="0" baseline="0" noProof="0" dirty="0" smtClean="0">
+              <a:ln>
+                <a:noFill/>
+              </a:ln>
+              <a:solidFill>
+                <a:schemeClr val="tx1"/>
+              </a:solidFill>
+              <a:effectLst/>
+              <a:uLnTx/>
+              <a:uFillTx/>
+              <a:latin typeface="+mn-lt"/>
+              <a:ea typeface="+mn-ea"/>
+              <a:cs typeface="+mn-cs"/>
+            </a:endParaRPr>
+          </a:p>
+        </p:txBody>
+      </p:sp>
+      <p:pic>
+        <p:nvPicPr>
+          <p:cNvPr id="29" name="Рисунок 28"/>
+          <p:cNvPicPr/>
+          <p:nvPr/>
+        </p:nvPicPr>
+        <p:blipFill>
+          <a:blip r:embed="rId6"/>
+          <a:srcRect/>
+          <a:stretch>
+            <a:fillRect/>
+          </a:stretch>
+        </p:blipFill>
+        <p:spPr bwMode="auto">
+          <a:xfrm>
+            <a:off x="571472" y="3929066"/>
+            <a:ext cx="3500462" cy="2500330"/>
+          </a:xfrm>
+          <a:prstGeom prst="rect">
+            <a:avLst/>
+          </a:prstGeom>
+          <a:noFill/>
+          <a:ln w="9525">
+            <a:noFill/>
+            <a:miter lim="800000"/>
+            <a:headEnd/>
+            <a:tailEnd/>
+          </a:ln>
+        </p:spPr>
+      </p:pic>
+      <p:cxnSp>
+        <p:nvCxnSpPr>
+          <p:cNvPr id="37" name="Прямая со стрелкой 36"/>
+          <p:cNvCxnSpPr>
+            <a:stCxn id="6" idx="2"/>
+            <a:endCxn id="19" idx="0"/>
+          </p:cNvCxnSpPr>
+          <p:nvPr/>
+        </p:nvCxnSpPr>
+        <p:spPr>
+          <a:xfrm rot="5400000">
+            <a:off x="6286512" y="3821909"/>
+            <a:ext cx="785818" cy="1588"/>
+          </a:xfrm>
+          <a:prstGeom prst="straightConnector1">
+            <a:avLst/>
+          </a:prstGeom>
+          <a:ln>
+            <a:tailEnd type="arrow"/>
+          </a:ln>
+        </p:spPr>
+        <p:style>
+          <a:lnRef idx="1">
+            <a:schemeClr val="accent1"/>
+          </a:lnRef>
+          <a:fillRef idx="0">
+            <a:schemeClr val="accent1"/>
+          </a:fillRef>
+          <a:effectRef idx="0">
+            <a:schemeClr val="accent1"/>
+          </a:effectRef>
+          <a:fontRef idx="minor">
+            <a:schemeClr val="tx1"/>
+          </a:fontRef>
+        </p:style>
+      </p:cxnSp>
+      <p:sp>
+        <p:nvSpPr>
+          <p:cNvPr id="12" name="Содержимое 2"/>
+          <p:cNvSpPr txBox="1">
+            <a:spLocks/>
+          </p:cNvSpPr>
+          <p:nvPr/>
+        </p:nvSpPr>
+        <p:spPr>
+          <a:xfrm>
+            <a:off x="1071538" y="3571876"/>
+            <a:ext cx="2428892" cy="357190"/>
+          </a:xfrm>
+          <a:prstGeom prst="rect">
+            <a:avLst/>
+          </a:prstGeom>
+        </p:spPr>
+        <p:txBody>
+          <a:bodyPr vert="horz" lIns="91440" tIns="45720" rIns="91440" bIns="45720" rtlCol="0">
+            <a:normAutofit fontScale="55000" lnSpcReduction="20000"/>
+          </a:bodyPr>
+          <a:lstStyle/>
+          <a:p>
+            <a:pPr marL="342900" marR="0" lvl="0" indent="-342900" algn="ctr" defTabSz="914400" rtl="0" eaLnBrk="1" fontAlgn="auto" latinLnBrk="0" hangingPunct="1">
+              <a:lnSpc>
+                <a:spcPct val="100000"/>
+              </a:lnSpc>
+              <a:spcBef>
+                <a:spcPct val="20000"/>
+              </a:spcBef>
+              <a:spcAft>
+                <a:spcPts val="0"/>
+              </a:spcAft>
+              <a:buClrTx/>
+              <a:buSzTx/>
+              <a:buFont typeface="Arial" pitchFamily="34" charset="0"/>
+              <a:buNone/>
+              <a:tabLst/>
+              <a:defRPr/>
+            </a:pPr>
+            <a:r>
+              <a:rPr lang="ru-RU" sz="3200" dirty="0" smtClean="0"/>
+              <a:t>Модель пространства</a:t>
+            </a:r>
+            <a:endParaRPr kumimoji="0" lang="ru-RU" sz="3200" b="0" i="0" u="none" strike="noStrike" kern="1200" cap="none" spc="0" normalizeH="0" baseline="0" noProof="0" dirty="0" smtClean="0">
+              <a:ln>
+                <a:noFill/>
+              </a:ln>
+              <a:solidFill>
+                <a:schemeClr val="tx1"/>
+              </a:solidFill>
+              <a:effectLst/>
+              <a:uLnTx/>
+              <a:uFillTx/>
+              <a:latin typeface="+mn-lt"/>
+              <a:ea typeface="+mn-ea"/>
+              <a:cs typeface="+mn-cs"/>
+            </a:endParaRPr>
+          </a:p>
+        </p:txBody>
+      </p:sp>
+    </p:spTree>
+  </p:cSld>
+  <p:clrMapOvr>
+    <a:masterClrMapping/>
+  </p:clrMapOvr>
+  <p:timing>
+    <p:tnLst>
+      <p:par>
+        <p:cTn id="1" dur="indefinite" restart="never" nodeType="tmRoot"/>
+      </p:par>
+    </p:tnLst>
+  </p:timing>
+</p:sld>
+</file>
+
+<file path=ppt/slides/slide7.xml><?xml version="1.0" encoding="utf-8"?>
+<p:sld xmlns:a="http://schemas.openxmlformats.org/drawingml/2006/main" xmlns:r="http://schemas.openxmlformats.org/officeDocument/2006/relationships" xmlns:p="http://schemas.openxmlformats.org/presentationml/2006/main">
+  <p:cSld>
+    <p:spTree>
+      <p:nvGrpSpPr>
+        <p:cNvPr id="1" name=""/>
+        <p:cNvGrpSpPr/>
+        <p:nvPr/>
+      </p:nvGrpSpPr>
+      <p:grpSpPr>
+        <a:xfrm>
+          <a:off x="0" y="0"/>
+          <a:ext cx="0" cy="0"/>
+          <a:chOff x="0" y="0"/>
+          <a:chExt cx="0" cy="0"/>
+        </a:xfrm>
+      </p:grpSpPr>
+      <p:sp>
+        <p:nvSpPr>
+          <p:cNvPr id="4" name="Номер слайда 3"/>
+          <p:cNvSpPr>
+            <a:spLocks noGrp="1"/>
+          </p:cNvSpPr>
+          <p:nvPr>
+            <p:ph type="sldNum" sz="quarter" idx="12"/>
+          </p:nvPr>
+        </p:nvSpPr>
+        <p:spPr/>
+        <p:txBody>
+          <a:bodyPr/>
+          <a:lstStyle/>
+          <a:p>
+            <a:fld id="{3DCB63D9-3FD3-4C3B-A045-98BC1BB0B6C2}" type="slidenum">
+              <a:rPr lang="ru-RU" smtClean="0"/>
+              <a:pPr/>
+              <a:t>7</a:t>
+            </a:fld>
+            <a:endParaRPr lang="ru-RU" dirty="0"/>
+          </a:p>
+        </p:txBody>
+      </p:sp>
+      <p:pic>
+        <p:nvPicPr>
+          <p:cNvPr id="15361" name="Picture 1"/>
+          <p:cNvPicPr>
+            <a:picLocks noGrp="1" noChangeAspect="1" noChangeArrowheads="1"/>
+          </p:cNvPicPr>
+          <p:nvPr>
+            <p:ph idx="1"/>
+          </p:nvPr>
+        </p:nvPicPr>
+        <p:blipFill>
+          <a:blip r:embed="rId2"/>
+          <a:srcRect/>
+          <a:stretch>
+            <a:fillRect/>
+          </a:stretch>
+        </p:blipFill>
+        <p:spPr bwMode="auto">
+          <a:xfrm>
+            <a:off x="709566" y="1035827"/>
+            <a:ext cx="3433805" cy="5286412"/>
+          </a:xfrm>
+          <a:prstGeom prst="rect">
+            <a:avLst/>
+          </a:prstGeom>
+          <a:noFill/>
+          <a:ln w="9525">
+            <a:noFill/>
+            <a:miter lim="800000"/>
+            <a:headEnd/>
+            <a:tailEnd/>
+          </a:ln>
+          <a:effectLst/>
+        </p:spPr>
+      </p:pic>
+      <p:pic>
+        <p:nvPicPr>
+          <p:cNvPr id="6" name="Picture 1"/>
+          <p:cNvPicPr>
+            <a:picLocks noChangeAspect="1" noChangeArrowheads="1"/>
+          </p:cNvPicPr>
+          <p:nvPr/>
+        </p:nvPicPr>
+        <p:blipFill>
+          <a:blip r:embed="rId3"/>
+          <a:srcRect/>
+          <a:stretch>
+            <a:fillRect/>
+          </a:stretch>
+        </p:blipFill>
+        <p:spPr bwMode="auto">
+          <a:xfrm>
+            <a:off x="4214810" y="1042890"/>
+            <a:ext cx="4401982" cy="5272287"/>
+          </a:xfrm>
+          <a:prstGeom prst="rect">
+            <a:avLst/>
+          </a:prstGeom>
+          <a:noFill/>
+          <a:ln w="9525">
+            <a:noFill/>
+            <a:miter lim="800000"/>
+            <a:headEnd/>
+            <a:tailEnd/>
+          </a:ln>
+          <a:effectLst/>
+        </p:spPr>
+      </p:pic>
+      <p:sp>
+        <p:nvSpPr>
+          <p:cNvPr id="7" name="Содержимое 2"/>
+          <p:cNvSpPr txBox="1">
+            <a:spLocks/>
+          </p:cNvSpPr>
+          <p:nvPr/>
+        </p:nvSpPr>
+        <p:spPr>
+          <a:xfrm>
+            <a:off x="428596" y="6286520"/>
+            <a:ext cx="3643338" cy="328601"/>
+          </a:xfrm>
+          <a:prstGeom prst="rect">
+            <a:avLst/>
+          </a:prstGeom>
+        </p:spPr>
+        <p:txBody>
+          <a:bodyPr vert="horz" lIns="91440" tIns="45720" rIns="91440" bIns="45720" rtlCol="0">
+            <a:normAutofit fontScale="55000" lnSpcReduction="20000"/>
+          </a:bodyPr>
+          <a:lstStyle/>
+          <a:p>
+            <a:pPr marL="342900" marR="0" lvl="0" indent="-342900" algn="ctr" defTabSz="914400" rtl="0" eaLnBrk="1" fontAlgn="auto" latinLnBrk="0" hangingPunct="1">
+              <a:lnSpc>
+                <a:spcPct val="100000"/>
+              </a:lnSpc>
+              <a:spcBef>
+                <a:spcPct val="20000"/>
+              </a:spcBef>
+              <a:spcAft>
+                <a:spcPts val="0"/>
+              </a:spcAft>
+              <a:buClrTx/>
+              <a:buSzTx/>
+              <a:buFont typeface="Arial" pitchFamily="34" charset="0"/>
+              <a:buNone/>
+              <a:tabLst/>
+              <a:defRPr/>
+            </a:pPr>
+            <a:r>
+              <a:rPr lang="ru-RU" sz="3200" dirty="0" smtClean="0"/>
+              <a:t>Алгоритм визуализации маршрута</a:t>
+            </a:r>
+            <a:endParaRPr kumimoji="0" lang="ru-RU" sz="3200" b="0" i="0" u="none" strike="noStrike" kern="1200" cap="none" spc="0" normalizeH="0" baseline="0" noProof="0" dirty="0" smtClean="0">
+              <a:ln>
+                <a:noFill/>
+              </a:ln>
+              <a:solidFill>
+                <a:schemeClr val="tx1"/>
+              </a:solidFill>
+              <a:effectLst/>
+              <a:uLnTx/>
+              <a:uFillTx/>
+              <a:latin typeface="+mn-lt"/>
+              <a:ea typeface="+mn-ea"/>
+              <a:cs typeface="+mn-cs"/>
+            </a:endParaRPr>
+          </a:p>
+        </p:txBody>
+      </p:sp>
+      <p:sp>
+        <p:nvSpPr>
+          <p:cNvPr id="8" name="Содержимое 2"/>
+          <p:cNvSpPr txBox="1">
+            <a:spLocks/>
+          </p:cNvSpPr>
+          <p:nvPr/>
+        </p:nvSpPr>
+        <p:spPr>
+          <a:xfrm>
+            <a:off x="4000528" y="6315085"/>
+            <a:ext cx="4929190" cy="542915"/>
+          </a:xfrm>
+          <a:prstGeom prst="rect">
+            <a:avLst/>
+          </a:prstGeom>
+        </p:spPr>
+        <p:txBody>
+          <a:bodyPr vert="horz" lIns="91440" tIns="45720" rIns="91440" bIns="45720" rtlCol="0">
+            <a:normAutofit fontScale="55000" lnSpcReduction="20000"/>
+          </a:bodyPr>
+          <a:lstStyle/>
+          <a:p>
+            <a:pPr marR="0" lvl="0" algn="ctr" defTabSz="914400" rtl="0" eaLnBrk="1" fontAlgn="auto" latinLnBrk="0" hangingPunct="1">
+              <a:lnSpc>
+                <a:spcPct val="100000"/>
+              </a:lnSpc>
+              <a:spcAft>
+                <a:spcPts val="0"/>
+              </a:spcAft>
+              <a:buClrTx/>
+              <a:buSzTx/>
+              <a:buFont typeface="Arial" pitchFamily="34" charset="0"/>
+              <a:buNone/>
+              <a:tabLst/>
+              <a:defRPr/>
+            </a:pPr>
+            <a:r>
+              <a:rPr lang="ru-RU" sz="3200" dirty="0" smtClean="0"/>
+              <a:t>Алгоритм моделирования прохождения маршрута</a:t>
+            </a:r>
+            <a:endParaRPr kumimoji="0" lang="ru-RU" sz="3200" b="0" i="0" u="none" strike="noStrike" kern="1200" cap="none" spc="0" normalizeH="0" baseline="0" noProof="0" dirty="0" smtClean="0">
+              <a:ln>
+                <a:noFill/>
+              </a:ln>
+              <a:solidFill>
+                <a:schemeClr val="tx1"/>
+              </a:solidFill>
+              <a:effectLst/>
+              <a:uLnTx/>
+              <a:uFillTx/>
+              <a:latin typeface="+mn-lt"/>
+              <a:ea typeface="+mn-ea"/>
+              <a:cs typeface="+mn-cs"/>
+            </a:endParaRPr>
+          </a:p>
+        </p:txBody>
+      </p:sp>
+      <p:sp>
+        <p:nvSpPr>
+          <p:cNvPr id="5" name="Заголовок 1"/>
+          <p:cNvSpPr txBox="1">
+            <a:spLocks/>
+          </p:cNvSpPr>
+          <p:nvPr/>
+        </p:nvSpPr>
+        <p:spPr>
+          <a:xfrm>
+            <a:off x="0" y="214290"/>
+            <a:ext cx="9144000" cy="796908"/>
+          </a:xfrm>
+          <a:prstGeom prst="rect">
+            <a:avLst/>
+          </a:prstGeom>
+        </p:spPr>
+        <p:txBody>
+          <a:bodyPr vert="horz" lIns="91440" tIns="45720" rIns="91440" bIns="45720" rtlCol="0" anchor="ctr">
+            <a:noAutofit/>
+          </a:bodyPr>
+          <a:lstStyle/>
+          <a:p>
+            <a:pPr lvl="0" algn="ctr">
+              <a:spcBef>
+                <a:spcPct val="0"/>
+              </a:spcBef>
+            </a:pPr>
+            <a:r>
+              <a:rPr lang="ru-RU" sz="3200" dirty="0" smtClean="0"/>
+              <a:t>Разработка алгоритмов визуализации и моделирования прохождения маршрута</a:t>
+            </a:r>
+            <a:endParaRPr kumimoji="0" lang="ru-RU" sz="3200" b="0" i="0" u="none" strike="noStrike" kern="1200" cap="none" spc="0" normalizeH="0" baseline="0" noProof="0" dirty="0">
+              <a:ln>
+                <a:noFill/>
+              </a:ln>
+              <a:solidFill>
+                <a:schemeClr val="tx1"/>
+              </a:solidFill>
+              <a:effectLst/>
+              <a:uLnTx/>
+              <a:uFillTx/>
+              <a:latin typeface="+mj-lt"/>
+              <a:ea typeface="+mj-ea"/>
+              <a:cs typeface="+mj-cs"/>
+            </a:endParaRPr>
+          </a:p>
+        </p:txBody>
+      </p:sp>
+    </p:spTree>
+  </p:cSld>
+  <p:clrMapOvr>
+    <a:masterClrMapping/>
+  </p:clrMapOvr>
+  <p:timing>
+    <p:tnLst>
+      <p:par>
+        <p:cTn id="1" dur="indefinite" restart="never" nodeType="tmRoot"/>
+      </p:par>
+    </p:tnLst>
+  </p:timing>
+</p:sld>
+</file>
+
+<file path=ppt/slides/slide8.xml><?xml version="1.0" encoding="utf-8"?>
+<p:sld xmlns:a="http://schemas.openxmlformats.org/drawingml/2006/main" xmlns:r="http://schemas.openxmlformats.org/officeDocument/2006/relationships" xmlns:p="http://schemas.openxmlformats.org/presentationml/2006/main">
+  <p:cSld>
+    <p:spTree>
+      <p:nvGrpSpPr>
+        <p:cNvPr id="1" name=""/>
+        <p:cNvGrpSpPr/>
+        <p:nvPr/>
+      </p:nvGrpSpPr>
+      <p:grpSpPr>
+        <a:xfrm>
+          <a:off x="0" y="0"/>
+          <a:ext cx="0" cy="0"/>
+          <a:chOff x="0" y="0"/>
+          <a:chExt cx="0" cy="0"/>
+        </a:xfrm>
+      </p:grpSpPr>
+      <p:sp>
+        <p:nvSpPr>
+          <p:cNvPr id="4" name="Номер слайда 3"/>
+          <p:cNvSpPr>
+            <a:spLocks noGrp="1"/>
+          </p:cNvSpPr>
+          <p:nvPr>
+            <p:ph type="sldNum" sz="quarter" idx="12"/>
+          </p:nvPr>
+        </p:nvSpPr>
+        <p:spPr/>
+        <p:txBody>
+          <a:bodyPr/>
+          <a:lstStyle/>
+          <a:p>
+            <a:fld id="{3DCB63D9-3FD3-4C3B-A045-98BC1BB0B6C2}" type="slidenum">
+              <a:rPr lang="ru-RU" smtClean="0"/>
+              <a:pPr/>
+              <a:t>8</a:t>
+            </a:fld>
+            <a:endParaRPr lang="ru-RU"/>
+          </a:p>
+        </p:txBody>
+      </p:sp>
+      <p:pic>
+        <p:nvPicPr>
+          <p:cNvPr id="12" name="Рисунок 11"/>
+          <p:cNvPicPr/>
+          <p:nvPr/>
+        </p:nvPicPr>
+        <p:blipFill>
+          <a:blip r:embed="rId3"/>
+          <a:srcRect/>
+          <a:stretch>
+            <a:fillRect/>
+          </a:stretch>
+        </p:blipFill>
+        <p:spPr bwMode="auto">
+          <a:xfrm>
+            <a:off x="1285852" y="919183"/>
+            <a:ext cx="7072362" cy="5795965"/>
+          </a:xfrm>
+          <a:prstGeom prst="rect">
+            <a:avLst/>
+          </a:prstGeom>
+          <a:noFill/>
+          <a:ln w="9525">
+            <a:noFill/>
+            <a:miter lim="800000"/>
+            <a:headEnd/>
+            <a:tailEnd/>
+          </a:ln>
+        </p:spPr>
+      </p:pic>
+      <p:sp>
+        <p:nvSpPr>
+          <p:cNvPr id="5" name="Заголовок 1"/>
+          <p:cNvSpPr txBox="1">
+            <a:spLocks/>
+          </p:cNvSpPr>
+          <p:nvPr/>
+        </p:nvSpPr>
+        <p:spPr>
+          <a:xfrm>
+            <a:off x="457200" y="274638"/>
+            <a:ext cx="8229600" cy="796908"/>
+          </a:xfrm>
+          <a:prstGeom prst="rect">
+            <a:avLst/>
+          </a:prstGeom>
+        </p:spPr>
+        <p:txBody>
+          <a:bodyPr vert="horz" lIns="91440" tIns="45720" rIns="91440" bIns="45720" rtlCol="0" anchor="ctr">
+            <a:normAutofit/>
+          </a:bodyPr>
+          <a:lstStyle/>
+          <a:p>
+            <a:pPr lvl="0" algn="ctr">
+              <a:spcBef>
+                <a:spcPct val="0"/>
+              </a:spcBef>
+            </a:pPr>
+            <a:r>
+              <a:rPr lang="ru-RU" sz="3400" dirty="0" smtClean="0"/>
+              <a:t>Схема графического интерфейса</a:t>
+            </a:r>
+            <a:endParaRPr kumimoji="0" lang="ru-RU" sz="3400" b="0" i="0" u="none" strike="noStrike" kern="1200" cap="none" spc="0" normalizeH="0" baseline="0" noProof="0" dirty="0">
+              <a:ln>
+                <a:noFill/>
+              </a:ln>
+              <a:solidFill>
+                <a:schemeClr val="tx1"/>
+              </a:solidFill>
+              <a:effectLst/>
+              <a:uLnTx/>
+              <a:uFillTx/>
+              <a:latin typeface="+mj-lt"/>
+              <a:ea typeface="+mj-ea"/>
+              <a:cs typeface="+mj-cs"/>
+            </a:endParaRPr>
+          </a:p>
+        </p:txBody>
+      </p:sp>
+    </p:spTree>
+  </p:cSld>
+  <p:clrMapOvr>
+    <a:masterClrMapping/>
+  </p:clrMapOvr>
+  <p:timing>
+    <p:tnLst>
+      <p:par>
+        <p:cTn id="1" dur="indefinite" restart="never" nodeType="tmRoot"/>
+      </p:par>
+    </p:tnLst>
+  </p:timing>
+</p:sld>
+</file>
+
 <file path=ppt/slides/slide9.xml><?xml version="1.0" encoding="utf-8"?>
 <p:sld xmlns:a="http://schemas.openxmlformats.org/drawingml/2006/main" xmlns:r="http://schemas.openxmlformats.org/officeDocument/2006/relationships" xmlns:p="http://schemas.openxmlformats.org/presentationml/2006/main">
   <p:cSld>
@@ -7235,165 +9277,574 @@
       </p:grpSpPr>
       <p:sp>
         <p:nvSpPr>
-          <p:cNvPr id="3" name="Содержимое 2"/>
-          <p:cNvSpPr>
-            <a:spLocks noGrp="1"/>
-          </p:cNvSpPr>
-          <p:nvPr>
-            <p:ph idx="1"/>
-          </p:nvPr>
-        </p:nvSpPr>
-        <p:spPr/>
-        <p:txBody>
-          <a:bodyPr>
-            <a:normAutofit/>
-          </a:bodyPr>
-          <a:lstStyle/>
-          <a:p>
-            <a:pPr marL="514350" indent="-514350">
-              <a:buAutoNum type="arabicPeriod"/>
-            </a:pPr>
-            <a:r>
-              <a:rPr lang="ru-RU" sz="2400" dirty="0" smtClean="0"/>
-              <a:t>Расширение </a:t>
-            </a:r>
-            <a:r>
-              <a:rPr lang="ru-RU" sz="2400" dirty="0" smtClean="0"/>
-              <a:t>набора моделей </a:t>
-            </a:r>
-            <a:r>
-              <a:rPr lang="ru-RU" sz="2400" dirty="0" smtClean="0"/>
-              <a:t>пространств</a:t>
-            </a:r>
-            <a:endParaRPr lang="ru-RU" sz="2400" dirty="0"/>
-          </a:p>
-          <a:p>
-            <a:pPr marL="514350" indent="-514350">
-              <a:buAutoNum type="arabicPeriod"/>
-            </a:pPr>
-            <a:r>
-              <a:rPr lang="ru-RU" sz="2400" dirty="0" smtClean="0"/>
-              <a:t>С</a:t>
-            </a:r>
-            <a:r>
-              <a:rPr lang="ru-RU" sz="2400" dirty="0" smtClean="0"/>
-              <a:t>оздание </a:t>
-            </a:r>
-            <a:r>
-              <a:rPr lang="ru-RU" sz="2400" dirty="0" smtClean="0"/>
-              <a:t>инструмента для добавления моделей пространств </a:t>
-            </a:r>
-            <a:r>
-              <a:rPr lang="ru-RU" sz="2400" dirty="0" smtClean="0"/>
-              <a:t>пользователями</a:t>
-            </a:r>
-          </a:p>
-          <a:p>
-            <a:pPr marL="514350" indent="-514350">
-              <a:buAutoNum type="arabicPeriod"/>
-            </a:pPr>
-            <a:r>
-              <a:rPr lang="ru-RU" sz="2400" dirty="0"/>
-              <a:t>П</a:t>
-            </a:r>
-            <a:r>
-              <a:rPr lang="ru-RU" sz="2400" dirty="0" smtClean="0"/>
-              <a:t>одключение </a:t>
-            </a:r>
-            <a:r>
-              <a:rPr lang="ru-RU" sz="2400" dirty="0" smtClean="0"/>
-              <a:t>модуля к </a:t>
-            </a:r>
-            <a:r>
-              <a:rPr lang="ru-RU" sz="2400" dirty="0" err="1" smtClean="0"/>
-              <a:t>веб-системе</a:t>
-            </a:r>
-            <a:r>
-              <a:rPr lang="ru-RU" sz="2400" dirty="0" smtClean="0"/>
-              <a:t> управления мобильными приложениями для </a:t>
-            </a:r>
-            <a:r>
-              <a:rPr lang="en-US" sz="2400" dirty="0" smtClean="0"/>
-              <a:t>PID</a:t>
-            </a:r>
-            <a:r>
-              <a:rPr lang="ru-RU" sz="2400" dirty="0" smtClean="0"/>
-              <a:t>.</a:t>
-            </a:r>
-            <a:endParaRPr lang="ru-RU" sz="2400" dirty="0"/>
-          </a:p>
-        </p:txBody>
-      </p:sp>
-      <p:sp>
-        <p:nvSpPr>
-          <p:cNvPr id="4" name="Номер слайда 3"/>
-          <p:cNvSpPr>
-            <a:spLocks noGrp="1"/>
-          </p:cNvSpPr>
-          <p:nvPr>
-            <p:ph type="sldNum" sz="quarter" idx="12"/>
-          </p:nvPr>
-        </p:nvSpPr>
-        <p:spPr/>
-        <p:txBody>
-          <a:bodyPr/>
-          <a:lstStyle/>
-          <a:p>
-            <a:fld id="{3DCB63D9-3FD3-4C3B-A045-98BC1BB0B6C2}" type="slidenum">
-              <a:rPr lang="ru-RU" smtClean="0"/>
-              <a:pPr/>
-              <a:t>9</a:t>
-            </a:fld>
-            <a:endParaRPr lang="ru-RU"/>
-          </a:p>
-        </p:txBody>
-      </p:sp>
-      <p:sp>
-        <p:nvSpPr>
-          <p:cNvPr id="5" name="Заголовок 1"/>
-          <p:cNvSpPr txBox="1">
-            <a:spLocks/>
-          </p:cNvSpPr>
-          <p:nvPr/>
+          <p:cNvPr id="2" name="Заголовок 1"/>
+          <p:cNvSpPr>
+            <a:spLocks noGrp="1"/>
+          </p:cNvSpPr>
+          <p:nvPr>
+            <p:ph type="title"/>
+          </p:nvPr>
         </p:nvSpPr>
         <p:spPr>
           <a:xfrm>
             <a:off x="457200" y="274638"/>
             <a:ext cx="8229600" cy="796908"/>
           </a:xfrm>
-          <a:prstGeom prst="rect">
-            <a:avLst/>
-          </a:prstGeom>
         </p:spPr>
         <p:txBody>
-          <a:bodyPr vert="horz" lIns="91440" tIns="45720" rIns="91440" bIns="45720" rtlCol="0" anchor="ctr">
+          <a:bodyPr>
             <a:normAutofit/>
           </a:bodyPr>
           <a:lstStyle/>
           <a:p>
-            <a:pPr lvl="0" algn="ctr">
+            <a:r>
+              <a:rPr lang="ru-RU" sz="3400" dirty="0" smtClean="0"/>
+              <a:t>Организация входных и выходных данных</a:t>
+            </a:r>
+            <a:endParaRPr lang="ru-RU" sz="3400" dirty="0"/>
+          </a:p>
+        </p:txBody>
+      </p:sp>
+      <p:sp>
+        <p:nvSpPr>
+          <p:cNvPr id="3" name="Содержимое 2"/>
+          <p:cNvSpPr>
+            <a:spLocks noGrp="1"/>
+          </p:cNvSpPr>
+          <p:nvPr>
+            <p:ph idx="1"/>
+          </p:nvPr>
+        </p:nvSpPr>
+        <p:spPr>
+          <a:xfrm>
+            <a:off x="500034" y="1071546"/>
+            <a:ext cx="8229600" cy="5572164"/>
+          </a:xfrm>
+        </p:spPr>
+        <p:txBody>
+          <a:bodyPr numCol="2">
+            <a:noAutofit/>
+          </a:bodyPr>
+          <a:lstStyle/>
+          <a:p>
+            <a:pPr marL="0" indent="0">
+              <a:lnSpc>
+                <a:spcPct val="114000"/>
+              </a:lnSpc>
               <a:spcBef>
-                <a:spcPct val="0"/>
+                <a:spcPts val="0"/>
               </a:spcBef>
+              <a:spcAft>
+                <a:spcPts val="600"/>
+              </a:spcAft>
+              <a:buNone/>
             </a:pPr>
             <a:r>
-              <a:rPr lang="ru-RU" sz="3400" dirty="0" smtClean="0"/>
-              <a:t>Направления дальнейшей работы</a:t>
-            </a:r>
-            <a:endParaRPr kumimoji="0" lang="ru-RU" sz="3400" b="0" i="0" u="none" strike="noStrike" kern="1200" cap="none" spc="0" normalizeH="0" baseline="0" noProof="0" dirty="0">
-              <a:ln>
-                <a:noFill/>
-              </a:ln>
-              <a:solidFill>
-                <a:schemeClr val="tx1"/>
-              </a:solidFill>
-              <a:effectLst/>
-              <a:uLnTx/>
-              <a:uFillTx/>
-              <a:latin typeface="+mj-lt"/>
-              <a:ea typeface="+mj-ea"/>
-              <a:cs typeface="+mj-cs"/>
-            </a:endParaRPr>
+              <a:rPr lang="ru-RU" sz="1800" dirty="0" smtClean="0"/>
+              <a:t>Входные данные передаются в следующем </a:t>
+            </a:r>
+            <a:r>
+              <a:rPr lang="ru-RU" sz="1800" dirty="0" smtClean="0"/>
+              <a:t>формате:</a:t>
+            </a:r>
+          </a:p>
+          <a:p>
+            <a:pPr marL="0" indent="0">
+              <a:lnSpc>
+                <a:spcPct val="114000"/>
+              </a:lnSpc>
+              <a:spcBef>
+                <a:spcPts val="0"/>
+              </a:spcBef>
+              <a:buFontTx/>
+              <a:buChar char="-"/>
+            </a:pPr>
+            <a:r>
+              <a:rPr lang="ru-RU" sz="1800" dirty="0" smtClean="0"/>
+              <a:t>и</a:t>
+            </a:r>
+            <a:r>
+              <a:rPr lang="ru-RU" sz="1800" dirty="0" smtClean="0"/>
+              <a:t>дентификатор модели </a:t>
+            </a:r>
+            <a:r>
+              <a:rPr lang="ru-RU" sz="1800" dirty="0" smtClean="0"/>
+              <a:t>пространства: </a:t>
+            </a:r>
+            <a:r>
+              <a:rPr lang="en-US" sz="1800" dirty="0" smtClean="0"/>
+              <a:t>string</a:t>
+            </a:r>
+            <a:r>
+              <a:rPr lang="ru-RU" sz="1800" dirty="0" smtClean="0"/>
+              <a:t>; </a:t>
+            </a:r>
+            <a:endParaRPr lang="ru-RU" sz="1800" dirty="0" smtClean="0"/>
+          </a:p>
+          <a:p>
+            <a:pPr marL="0" indent="0">
+              <a:lnSpc>
+                <a:spcPct val="114000"/>
+              </a:lnSpc>
+              <a:spcBef>
+                <a:spcPts val="0"/>
+              </a:spcBef>
+              <a:buFontTx/>
+              <a:buChar char="-"/>
+            </a:pPr>
+            <a:r>
+              <a:rPr lang="ru-RU" sz="1800" dirty="0" smtClean="0"/>
+              <a:t>список </a:t>
+            </a:r>
+            <a:r>
+              <a:rPr lang="ru-RU" sz="1800" dirty="0" smtClean="0"/>
+              <a:t>объектов для построения маршрута: </a:t>
+            </a:r>
+            <a:r>
+              <a:rPr lang="en-US" sz="1800" dirty="0" err="1" smtClean="0"/>
+              <a:t>HashSet</a:t>
+            </a:r>
+            <a:r>
+              <a:rPr lang="ru-RU" sz="1800" dirty="0" smtClean="0"/>
+              <a:t>&lt;</a:t>
+            </a:r>
+            <a:r>
+              <a:rPr lang="en-US" sz="1800" dirty="0" smtClean="0"/>
+              <a:t>string</a:t>
+            </a:r>
+            <a:r>
+              <a:rPr lang="ru-RU" sz="1800" dirty="0" smtClean="0"/>
+              <a:t>&gt;.</a:t>
+            </a:r>
+          </a:p>
+          <a:p>
+            <a:pPr marL="0" indent="0">
+              <a:lnSpc>
+                <a:spcPct val="114000"/>
+              </a:lnSpc>
+              <a:spcBef>
+                <a:spcPts val="600"/>
+              </a:spcBef>
+              <a:buNone/>
+            </a:pPr>
+            <a:r>
+              <a:rPr lang="ru-RU" sz="1800" dirty="0" smtClean="0"/>
+              <a:t>Описание моделей пространства реализовано при помощи языка </a:t>
+            </a:r>
+            <a:r>
+              <a:rPr lang="ru-RU" sz="1800" dirty="0" err="1" smtClean="0"/>
+              <a:t>сериализации</a:t>
+            </a:r>
+            <a:r>
+              <a:rPr lang="ru-RU" sz="1800" dirty="0" smtClean="0"/>
+              <a:t> данных </a:t>
+            </a:r>
+            <a:r>
+              <a:rPr lang="en-US" sz="1800" dirty="0" smtClean="0"/>
+              <a:t>YAML</a:t>
+            </a:r>
+            <a:r>
+              <a:rPr lang="ru-RU" sz="1800" dirty="0" smtClean="0"/>
+              <a:t>. Каждый объект в пространстве записан как отдельный </a:t>
+            </a:r>
+            <a:r>
+              <a:rPr lang="en-US" sz="1800" dirty="0" smtClean="0"/>
+              <a:t>YAML </a:t>
+            </a:r>
+            <a:r>
+              <a:rPr lang="ru-RU" sz="1800" dirty="0" smtClean="0"/>
+              <a:t>документ. Одним из свойств объекта является его название (</a:t>
+            </a:r>
+            <a:r>
+              <a:rPr lang="en-US" sz="1800" dirty="0" smtClean="0"/>
+              <a:t>Label</a:t>
+            </a:r>
+            <a:r>
+              <a:rPr lang="ru-RU" sz="1800" dirty="0" smtClean="0"/>
+              <a:t>), которое используется для задания списка объектов для построения маршрута.</a:t>
+            </a:r>
+            <a:endParaRPr lang="ru-RU" sz="1800" dirty="0" smtClean="0"/>
+          </a:p>
+          <a:p>
+            <a:pPr marL="0" indent="0">
+              <a:lnSpc>
+                <a:spcPct val="114000"/>
+              </a:lnSpc>
+              <a:spcBef>
+                <a:spcPts val="0"/>
+              </a:spcBef>
+              <a:buNone/>
+            </a:pPr>
+            <a:endParaRPr lang="ru-RU" sz="1800" dirty="0" smtClean="0"/>
+          </a:p>
+          <a:p>
+            <a:pPr marL="0" indent="0">
+              <a:lnSpc>
+                <a:spcPct val="114000"/>
+              </a:lnSpc>
+              <a:spcBef>
+                <a:spcPts val="0"/>
+              </a:spcBef>
+              <a:buNone/>
+            </a:pPr>
+            <a:endParaRPr lang="ru-RU" sz="1800" dirty="0" smtClean="0"/>
+          </a:p>
+          <a:p>
+            <a:pPr marL="0" indent="0">
+              <a:lnSpc>
+                <a:spcPct val="114000"/>
+              </a:lnSpc>
+              <a:spcBef>
+                <a:spcPts val="0"/>
+              </a:spcBef>
+              <a:buNone/>
+            </a:pPr>
+            <a:endParaRPr lang="ru-RU" sz="1800" dirty="0" smtClean="0"/>
+          </a:p>
+          <a:p>
+            <a:pPr marL="0" indent="0">
+              <a:lnSpc>
+                <a:spcPct val="114000"/>
+              </a:lnSpc>
+              <a:spcBef>
+                <a:spcPts val="0"/>
+              </a:spcBef>
+              <a:spcAft>
+                <a:spcPts val="600"/>
+              </a:spcAft>
+              <a:buNone/>
+            </a:pPr>
+            <a:r>
+              <a:rPr lang="ru-RU" sz="1800" dirty="0" smtClean="0"/>
+              <a:t>Выходными </a:t>
+            </a:r>
+            <a:r>
+              <a:rPr lang="ru-RU" sz="1800" dirty="0" smtClean="0"/>
+              <a:t>данными для модуля </a:t>
+            </a:r>
+            <a:r>
+              <a:rPr lang="ru-RU" sz="1800" dirty="0" smtClean="0"/>
+              <a:t>являются:</a:t>
+            </a:r>
+          </a:p>
+          <a:p>
+            <a:pPr marL="0" indent="0">
+              <a:lnSpc>
+                <a:spcPct val="114000"/>
+              </a:lnSpc>
+              <a:spcBef>
+                <a:spcPts val="0"/>
+              </a:spcBef>
+              <a:buFontTx/>
+              <a:buChar char="-"/>
+            </a:pPr>
+            <a:r>
+              <a:rPr lang="ru-RU" sz="1800" dirty="0" smtClean="0"/>
+              <a:t>дата </a:t>
+            </a:r>
+            <a:r>
+              <a:rPr lang="ru-RU" sz="1800" dirty="0" smtClean="0"/>
+              <a:t>и время начала прохождения маршрута: </a:t>
+            </a:r>
+            <a:r>
+              <a:rPr lang="en-US" sz="1800" dirty="0" err="1" smtClean="0"/>
+              <a:t>DateTime</a:t>
+            </a:r>
+            <a:r>
+              <a:rPr lang="ru-RU" sz="1800" dirty="0" smtClean="0"/>
+              <a:t>;</a:t>
+            </a:r>
+          </a:p>
+          <a:p>
+            <a:pPr marL="0" indent="0">
+              <a:lnSpc>
+                <a:spcPct val="114000"/>
+              </a:lnSpc>
+              <a:spcBef>
+                <a:spcPts val="0"/>
+              </a:spcBef>
+              <a:buFontTx/>
+              <a:buChar char="-"/>
+            </a:pPr>
+            <a:r>
+              <a:rPr lang="ru-RU" sz="1800" dirty="0" smtClean="0"/>
+              <a:t>дата </a:t>
+            </a:r>
+            <a:r>
+              <a:rPr lang="ru-RU" sz="1800" dirty="0" smtClean="0"/>
+              <a:t>и время окончания прохождения маршрута: </a:t>
+            </a:r>
+            <a:r>
+              <a:rPr lang="en-US" sz="1800" dirty="0" err="1" smtClean="0"/>
+              <a:t>DateTime</a:t>
+            </a:r>
+            <a:r>
+              <a:rPr lang="ru-RU" sz="1800" dirty="0" smtClean="0"/>
+              <a:t>;</a:t>
+            </a:r>
+          </a:p>
+          <a:p>
+            <a:pPr marL="0" indent="0">
+              <a:lnSpc>
+                <a:spcPct val="114000"/>
+              </a:lnSpc>
+              <a:spcBef>
+                <a:spcPts val="0"/>
+              </a:spcBef>
+              <a:buFontTx/>
+              <a:buChar char="-"/>
+            </a:pPr>
+            <a:r>
+              <a:rPr lang="ru-RU" sz="1800" dirty="0" smtClean="0"/>
+              <a:t>идентификатор </a:t>
+            </a:r>
+            <a:r>
+              <a:rPr lang="ru-RU" sz="1800" dirty="0" smtClean="0"/>
+              <a:t>пространства: </a:t>
+            </a:r>
+            <a:r>
+              <a:rPr lang="en-US" sz="1800" dirty="0" smtClean="0"/>
+              <a:t>string</a:t>
+            </a:r>
+            <a:r>
+              <a:rPr lang="ru-RU" sz="1800" dirty="0" smtClean="0"/>
+              <a:t>;</a:t>
+            </a:r>
+          </a:p>
+          <a:p>
+            <a:pPr marL="0" indent="0">
+              <a:lnSpc>
+                <a:spcPct val="114000"/>
+              </a:lnSpc>
+              <a:spcBef>
+                <a:spcPts val="0"/>
+              </a:spcBef>
+              <a:buFontTx/>
+              <a:buChar char="-"/>
+            </a:pPr>
+            <a:r>
+              <a:rPr lang="ru-RU" sz="1800" dirty="0" smtClean="0"/>
+              <a:t>описание </a:t>
+            </a:r>
+            <a:r>
+              <a:rPr lang="ru-RU" sz="1800" dirty="0" smtClean="0"/>
+              <a:t>участков маршрута: </a:t>
+            </a:r>
+            <a:r>
+              <a:rPr lang="en-US" sz="1800" dirty="0" smtClean="0"/>
+              <a:t>List&lt;</a:t>
+            </a:r>
+            <a:r>
+              <a:rPr lang="en-US" sz="1800" dirty="0" err="1" smtClean="0"/>
+              <a:t>WalkPartModellingResult</a:t>
+            </a:r>
+            <a:r>
+              <a:rPr lang="en-US" sz="1800" dirty="0" smtClean="0"/>
+              <a:t>&gt;:</a:t>
+            </a:r>
+            <a:endParaRPr lang="ru-RU" sz="1800" dirty="0" smtClean="0"/>
+          </a:p>
+          <a:p>
+            <a:pPr marL="0" indent="0">
+              <a:lnSpc>
+                <a:spcPct val="114000"/>
+              </a:lnSpc>
+              <a:spcBef>
+                <a:spcPts val="0"/>
+              </a:spcBef>
+              <a:buFontTx/>
+              <a:buChar char="-"/>
+            </a:pPr>
+            <a:r>
+              <a:rPr lang="ru-RU" sz="1800" dirty="0" smtClean="0"/>
+              <a:t>флаг </a:t>
+            </a:r>
+            <a:r>
+              <a:rPr lang="ru-RU" sz="1800" dirty="0" smtClean="0"/>
+              <a:t>завершения прохождения маршрута: </a:t>
+            </a:r>
+            <a:r>
+              <a:rPr lang="en-US" sz="1800" dirty="0" err="1" smtClean="0"/>
+              <a:t>bool</a:t>
+            </a:r>
+            <a:r>
+              <a:rPr lang="ru-RU" sz="1800" dirty="0" smtClean="0"/>
+              <a:t>.</a:t>
+            </a:r>
+          </a:p>
+          <a:p>
+            <a:pPr marL="0" indent="0">
+              <a:lnSpc>
+                <a:spcPct val="114000"/>
+              </a:lnSpc>
+              <a:spcBef>
+                <a:spcPts val="600"/>
+              </a:spcBef>
+              <a:spcAft>
+                <a:spcPts val="600"/>
+              </a:spcAft>
+              <a:buNone/>
+            </a:pPr>
+            <a:r>
+              <a:rPr lang="ru-RU" sz="1800" dirty="0" smtClean="0"/>
+              <a:t>Формат описания участка маршрута </a:t>
+            </a:r>
+            <a:r>
+              <a:rPr lang="en-US" sz="1800" dirty="0" err="1" smtClean="0"/>
+              <a:t>WalkPartModellingResult</a:t>
+            </a:r>
+            <a:r>
+              <a:rPr lang="ru-RU" sz="1800" dirty="0" smtClean="0"/>
+              <a:t>:</a:t>
+            </a:r>
+          </a:p>
+          <a:p>
+            <a:pPr marL="0" indent="0">
+              <a:lnSpc>
+                <a:spcPct val="114000"/>
+              </a:lnSpc>
+              <a:spcBef>
+                <a:spcPts val="0"/>
+              </a:spcBef>
+              <a:buFontTx/>
+              <a:buChar char="-"/>
+            </a:pPr>
+            <a:r>
+              <a:rPr lang="ru-RU" sz="1800" dirty="0" smtClean="0"/>
+              <a:t>конечный </a:t>
+            </a:r>
+            <a:r>
+              <a:rPr lang="ru-RU" sz="1800" dirty="0" smtClean="0"/>
+              <a:t>объект участка: </a:t>
+            </a:r>
+            <a:r>
+              <a:rPr lang="en-US" sz="1800" dirty="0" smtClean="0"/>
+              <a:t>string</a:t>
+            </a:r>
+            <a:r>
+              <a:rPr lang="ru-RU" sz="1800" dirty="0" smtClean="0"/>
+              <a:t>;</a:t>
+            </a:r>
+          </a:p>
+          <a:p>
+            <a:pPr marL="0" indent="0">
+              <a:lnSpc>
+                <a:spcPct val="114000"/>
+              </a:lnSpc>
+              <a:spcBef>
+                <a:spcPts val="0"/>
+              </a:spcBef>
+              <a:buFontTx/>
+              <a:buChar char="-"/>
+            </a:pPr>
+            <a:r>
+              <a:rPr lang="ru-RU" sz="1800" dirty="0" smtClean="0"/>
+              <a:t>время </a:t>
+            </a:r>
+            <a:r>
+              <a:rPr lang="ru-RU" sz="1800" dirty="0" smtClean="0"/>
+              <a:t>прохождения участка: </a:t>
+            </a:r>
+            <a:r>
+              <a:rPr lang="en-US" sz="1800" dirty="0" err="1" smtClean="0"/>
+              <a:t>TimeSpan</a:t>
+            </a:r>
+            <a:r>
+              <a:rPr lang="ru-RU" sz="1800" dirty="0" smtClean="0"/>
+              <a:t>;</a:t>
+            </a:r>
+          </a:p>
+          <a:p>
+            <a:pPr marL="0" indent="0">
+              <a:lnSpc>
+                <a:spcPct val="114000"/>
+              </a:lnSpc>
+              <a:spcBef>
+                <a:spcPts val="0"/>
+              </a:spcBef>
+              <a:buFontTx/>
+              <a:buChar char="-"/>
+            </a:pPr>
+            <a:r>
+              <a:rPr lang="ru-RU" sz="1800" dirty="0" smtClean="0"/>
+              <a:t>длина </a:t>
+            </a:r>
+            <a:r>
+              <a:rPr lang="ru-RU" sz="1800" dirty="0" smtClean="0"/>
+              <a:t>пройденного пути: </a:t>
+            </a:r>
+            <a:r>
+              <a:rPr lang="en-US" sz="1800" dirty="0" smtClean="0"/>
+              <a:t>float</a:t>
+            </a:r>
+            <a:r>
+              <a:rPr lang="ru-RU" sz="1800" dirty="0" smtClean="0"/>
+              <a:t>;</a:t>
+            </a:r>
+          </a:p>
+          <a:p>
+            <a:pPr marL="0" indent="0">
+              <a:lnSpc>
+                <a:spcPct val="114000"/>
+              </a:lnSpc>
+              <a:spcBef>
+                <a:spcPts val="0"/>
+              </a:spcBef>
+              <a:buFontTx/>
+              <a:buChar char="-"/>
+            </a:pPr>
+            <a:r>
+              <a:rPr lang="ru-RU" sz="1800" dirty="0" smtClean="0"/>
+              <a:t>длина </a:t>
+            </a:r>
+            <a:r>
+              <a:rPr lang="ru-RU" sz="1800" dirty="0" smtClean="0"/>
+              <a:t>оптимального пути: </a:t>
+            </a:r>
+            <a:r>
+              <a:rPr lang="en-US" sz="1800" dirty="0" smtClean="0"/>
+              <a:t>float</a:t>
+            </a:r>
+            <a:r>
+              <a:rPr lang="ru-RU" sz="1800" dirty="0" smtClean="0"/>
+              <a:t>;</a:t>
+            </a:r>
+          </a:p>
+          <a:p>
+            <a:pPr marL="0" indent="0" algn="just">
+              <a:lnSpc>
+                <a:spcPct val="114000"/>
+              </a:lnSpc>
+              <a:spcBef>
+                <a:spcPts val="0"/>
+              </a:spcBef>
+              <a:buNone/>
+            </a:pPr>
+            <a:endParaRPr lang="ru-RU" sz="1950" dirty="0" smtClean="0"/>
+          </a:p>
+        </p:txBody>
+      </p:sp>
+      <p:sp>
+        <p:nvSpPr>
+          <p:cNvPr id="4" name="Номер слайда 3"/>
+          <p:cNvSpPr>
+            <a:spLocks noGrp="1"/>
+          </p:cNvSpPr>
+          <p:nvPr>
+            <p:ph type="sldNum" sz="quarter" idx="12"/>
+          </p:nvPr>
+        </p:nvSpPr>
+        <p:spPr/>
+        <p:txBody>
+          <a:bodyPr/>
+          <a:lstStyle/>
+          <a:p>
+            <a:fld id="{32094B8D-5F4E-4EC7-B306-AEABBF2C9E33}" type="slidenum">
+              <a:rPr lang="ru-RU" smtClean="0"/>
+              <a:pPr/>
+              <a:t>9</a:t>
+            </a:fld>
+            <a:endParaRPr lang="ru-RU" dirty="0"/>
           </a:p>
         </p:txBody>
       </p:sp>
@@ -7402,13 +9853,6 @@
   <p:clrMapOvr>
     <a:masterClrMapping/>
   </p:clrMapOvr>
-  <p:timing>
-    <p:tnLst>
-      <p:par>
-        <p:cTn id="1" dur="indefinite" restart="never" nodeType="tmRoot"/>
-      </p:par>
-    </p:tnLst>
-  </p:timing>
 </p:sld>
 </file>
 
